--- a/doc/présentation V3.pptx
+++ b/doc/présentation V3.pptx
@@ -279,7 +279,7 @@
           <a:p>
             <a:fld id="{AA70F276-1833-4A75-9C1D-A56E2295A68D}" type="datetimeFigureOut">
               <a:rPr lang="en-US" smtClean="0"/>
-              <a:t>10/27/2022</a:t>
+              <a:t>10/28/2022</a:t>
             </a:fld>
             <a:endParaRPr lang="en-US"/>
           </a:p>
@@ -477,7 +477,7 @@
           <a:p>
             <a:fld id="{AA70F276-1833-4A75-9C1D-A56E2295A68D}" type="datetimeFigureOut">
               <a:rPr lang="en-US" smtClean="0"/>
-              <a:t>10/27/2022</a:t>
+              <a:t>10/28/2022</a:t>
             </a:fld>
             <a:endParaRPr lang="en-US"/>
           </a:p>
@@ -685,7 +685,7 @@
           <a:p>
             <a:fld id="{AA70F276-1833-4A75-9C1D-A56E2295A68D}" type="datetimeFigureOut">
               <a:rPr lang="en-US" smtClean="0"/>
-              <a:t>10/27/2022</a:t>
+              <a:t>10/28/2022</a:t>
             </a:fld>
             <a:endParaRPr lang="en-US"/>
           </a:p>
@@ -910,7 +910,7 @@
           <a:p>
             <a:fld id="{AA70F276-1833-4A75-9C1D-A56E2295A68D}" type="datetimeFigureOut">
               <a:rPr lang="en-US" smtClean="0"/>
-              <a:t>10/27/2022</a:t>
+              <a:t>10/28/2022</a:t>
             </a:fld>
             <a:endParaRPr lang="en-US"/>
           </a:p>
@@ -1186,7 +1186,7 @@
           <a:p>
             <a:fld id="{AA70F276-1833-4A75-9C1D-A56E2295A68D}" type="datetimeFigureOut">
               <a:rPr lang="en-US" smtClean="0"/>
-              <a:t>10/27/2022</a:t>
+              <a:t>10/28/2022</a:t>
             </a:fld>
             <a:endParaRPr lang="en-US"/>
           </a:p>
@@ -1456,7 +1456,7 @@
           <a:p>
             <a:fld id="{AA70F276-1833-4A75-9C1D-A56E2295A68D}" type="datetimeFigureOut">
               <a:rPr lang="en-US" smtClean="0"/>
-              <a:t>10/27/2022</a:t>
+              <a:t>10/28/2022</a:t>
             </a:fld>
             <a:endParaRPr lang="en-US"/>
           </a:p>
@@ -1868,7 +1868,7 @@
           <a:p>
             <a:fld id="{AA70F276-1833-4A75-9C1D-A56E2295A68D}" type="datetimeFigureOut">
               <a:rPr lang="en-US" smtClean="0"/>
-              <a:t>10/27/2022</a:t>
+              <a:t>10/28/2022</a:t>
             </a:fld>
             <a:endParaRPr lang="en-US"/>
           </a:p>
@@ -2009,7 +2009,7 @@
           <a:p>
             <a:fld id="{AA70F276-1833-4A75-9C1D-A56E2295A68D}" type="datetimeFigureOut">
               <a:rPr lang="en-US" smtClean="0"/>
-              <a:t>10/27/2022</a:t>
+              <a:t>10/28/2022</a:t>
             </a:fld>
             <a:endParaRPr lang="en-US"/>
           </a:p>
@@ -2122,7 +2122,7 @@
           <a:p>
             <a:fld id="{AA70F276-1833-4A75-9C1D-A56E2295A68D}" type="datetimeFigureOut">
               <a:rPr lang="en-US" smtClean="0"/>
-              <a:t>10/27/2022</a:t>
+              <a:t>10/28/2022</a:t>
             </a:fld>
             <a:endParaRPr lang="en-US"/>
           </a:p>
@@ -2433,7 +2433,7 @@
           <a:p>
             <a:fld id="{AA70F276-1833-4A75-9C1D-A56E2295A68D}" type="datetimeFigureOut">
               <a:rPr lang="en-US" smtClean="0"/>
-              <a:t>10/27/2022</a:t>
+              <a:t>10/28/2022</a:t>
             </a:fld>
             <a:endParaRPr lang="en-US"/>
           </a:p>
@@ -2724,7 +2724,7 @@
           <a:p>
             <a:fld id="{AA70F276-1833-4A75-9C1D-A56E2295A68D}" type="datetimeFigureOut">
               <a:rPr lang="en-US" smtClean="0"/>
-              <a:t>10/27/2022</a:t>
+              <a:t>10/28/2022</a:t>
             </a:fld>
             <a:endParaRPr lang="en-US"/>
           </a:p>
@@ -3032,7 +3032,7 @@
             <a:fld id="{AA70F276-1833-4A75-9C1D-A56E2295A68D}" type="datetimeFigureOut">
               <a:rPr lang="en-US" smtClean="0"/>
               <a:pPr/>
-              <a:t>10/27/2022</a:t>
+              <a:t>10/28/2022</a:t>
             </a:fld>
             <a:endParaRPr lang="en-US" dirty="0"/>
           </a:p>
@@ -9074,7 +9074,7 @@
         <p:spPr>
           <a:xfrm>
             <a:off x="3943911" y="3069569"/>
-            <a:ext cx="1732141" cy="369332"/>
+            <a:ext cx="3205942" cy="369332"/>
           </a:xfrm>
           <a:prstGeom prst="rect">
             <a:avLst/>
@@ -9089,7 +9089,7 @@
           <a:p>
             <a:r>
               <a:rPr lang="fr-FR" dirty="0"/>
-              <a:t>C’est pas fini…</a:t>
+              <a:t>C’est pas fini mais presque…</a:t>
             </a:r>
           </a:p>
         </p:txBody>
@@ -11006,10 +11006,10 @@
       </p:sp>
       <p:pic>
         <p:nvPicPr>
-          <p:cNvPr id="4" name="Image 3">
-            <a:extLst>
-              <a:ext uri="{FF2B5EF4-FFF2-40B4-BE49-F238E27FC236}">
-                <a16:creationId xmlns:a16="http://schemas.microsoft.com/office/drawing/2014/main" id="{DF669A0C-F2EB-412C-7EBC-54ED0250F6F0}"/>
+          <p:cNvPr id="5" name="Image 4">
+            <a:extLst>
+              <a:ext uri="{FF2B5EF4-FFF2-40B4-BE49-F238E27FC236}">
+                <a16:creationId xmlns:a16="http://schemas.microsoft.com/office/drawing/2014/main" id="{ACD1CF64-F3AA-20ED-62CC-6DC3083F4CF8}"/>
               </a:ext>
             </a:extLst>
           </p:cNvPr>
@@ -11026,8 +11026,8 @@
         </p:blipFill>
         <p:spPr>
           <a:xfrm>
-            <a:off x="952061" y="1815546"/>
-            <a:ext cx="10384405" cy="4277141"/>
+            <a:off x="1061545" y="1643797"/>
+            <a:ext cx="10363200" cy="4306039"/>
           </a:xfrm>
           <a:prstGeom prst="rect">
             <a:avLst/>

--- a/doc/présentation V3.pptx
+++ b/doc/présentation V3.pptx
@@ -25,6 +25,7 @@
     <p:sldId id="274" r:id="rId19"/>
     <p:sldId id="277" r:id="rId20"/>
     <p:sldId id="276" r:id="rId21"/>
+    <p:sldId id="287" r:id="rId22"/>
   </p:sldIdLst>
   <p:sldSz cx="12192000" cy="6858000"/>
   <p:notesSz cx="7315200" cy="9601200"/>
@@ -131,6 +132,12 @@
 </p:presentation>
 </file>
 
+<file path=ppt/authors.xml><?xml version="1.0" encoding="utf-8"?>
+<p188:authorLst xmlns:a="http://schemas.openxmlformats.org/drawingml/2006/main" xmlns:r="http://schemas.openxmlformats.org/officeDocument/2006/relationships" xmlns:p188="http://schemas.microsoft.com/office/powerpoint/2018/8/main">
+  <p188:author id="{98942086-AFEB-45DF-DC37-895171EA4BB2}" name="Sophie JOFFRE" initials="SJ" userId="Sophie JOFFRE" providerId="None"/>
+</p188:authorLst>
+</file>
+
 <file path=ppt/slideLayouts/slideLayout1.xml><?xml version="1.0" encoding="utf-8"?>
 <p:sldLayout xmlns:a="http://schemas.openxmlformats.org/drawingml/2006/main" xmlns:r="http://schemas.openxmlformats.org/officeDocument/2006/relationships" xmlns:p="http://schemas.openxmlformats.org/presentationml/2006/main" type="title" preserve="1">
   <p:cSld name="Title Slide">
@@ -279,7 +286,7 @@
           <a:p>
             <a:fld id="{AA70F276-1833-4A75-9C1D-A56E2295A68D}" type="datetimeFigureOut">
               <a:rPr lang="en-US" smtClean="0"/>
-              <a:t>10/28/2022</a:t>
+              <a:t>11/7/2022</a:t>
             </a:fld>
             <a:endParaRPr lang="en-US"/>
           </a:p>
@@ -477,7 +484,7 @@
           <a:p>
             <a:fld id="{AA70F276-1833-4A75-9C1D-A56E2295A68D}" type="datetimeFigureOut">
               <a:rPr lang="en-US" smtClean="0"/>
-              <a:t>10/28/2022</a:t>
+              <a:t>11/7/2022</a:t>
             </a:fld>
             <a:endParaRPr lang="en-US"/>
           </a:p>
@@ -685,7 +692,7 @@
           <a:p>
             <a:fld id="{AA70F276-1833-4A75-9C1D-A56E2295A68D}" type="datetimeFigureOut">
               <a:rPr lang="en-US" smtClean="0"/>
-              <a:t>10/28/2022</a:t>
+              <a:t>11/7/2022</a:t>
             </a:fld>
             <a:endParaRPr lang="en-US"/>
           </a:p>
@@ -910,7 +917,7 @@
           <a:p>
             <a:fld id="{AA70F276-1833-4A75-9C1D-A56E2295A68D}" type="datetimeFigureOut">
               <a:rPr lang="en-US" smtClean="0"/>
-              <a:t>10/28/2022</a:t>
+              <a:t>11/7/2022</a:t>
             </a:fld>
             <a:endParaRPr lang="en-US"/>
           </a:p>
@@ -1186,7 +1193,7 @@
           <a:p>
             <a:fld id="{AA70F276-1833-4A75-9C1D-A56E2295A68D}" type="datetimeFigureOut">
               <a:rPr lang="en-US" smtClean="0"/>
-              <a:t>10/28/2022</a:t>
+              <a:t>11/7/2022</a:t>
             </a:fld>
             <a:endParaRPr lang="en-US"/>
           </a:p>
@@ -1456,7 +1463,7 @@
           <a:p>
             <a:fld id="{AA70F276-1833-4A75-9C1D-A56E2295A68D}" type="datetimeFigureOut">
               <a:rPr lang="en-US" smtClean="0"/>
-              <a:t>10/28/2022</a:t>
+              <a:t>11/7/2022</a:t>
             </a:fld>
             <a:endParaRPr lang="en-US"/>
           </a:p>
@@ -1868,7 +1875,7 @@
           <a:p>
             <a:fld id="{AA70F276-1833-4A75-9C1D-A56E2295A68D}" type="datetimeFigureOut">
               <a:rPr lang="en-US" smtClean="0"/>
-              <a:t>10/28/2022</a:t>
+              <a:t>11/7/2022</a:t>
             </a:fld>
             <a:endParaRPr lang="en-US"/>
           </a:p>
@@ -2009,7 +2016,7 @@
           <a:p>
             <a:fld id="{AA70F276-1833-4A75-9C1D-A56E2295A68D}" type="datetimeFigureOut">
               <a:rPr lang="en-US" smtClean="0"/>
-              <a:t>10/28/2022</a:t>
+              <a:t>11/7/2022</a:t>
             </a:fld>
             <a:endParaRPr lang="en-US"/>
           </a:p>
@@ -2122,7 +2129,7 @@
           <a:p>
             <a:fld id="{AA70F276-1833-4A75-9C1D-A56E2295A68D}" type="datetimeFigureOut">
               <a:rPr lang="en-US" smtClean="0"/>
-              <a:t>10/28/2022</a:t>
+              <a:t>11/7/2022</a:t>
             </a:fld>
             <a:endParaRPr lang="en-US"/>
           </a:p>
@@ -2433,7 +2440,7 @@
           <a:p>
             <a:fld id="{AA70F276-1833-4A75-9C1D-A56E2295A68D}" type="datetimeFigureOut">
               <a:rPr lang="en-US" smtClean="0"/>
-              <a:t>10/28/2022</a:t>
+              <a:t>11/7/2022</a:t>
             </a:fld>
             <a:endParaRPr lang="en-US"/>
           </a:p>
@@ -2724,7 +2731,7 @@
           <a:p>
             <a:fld id="{AA70F276-1833-4A75-9C1D-A56E2295A68D}" type="datetimeFigureOut">
               <a:rPr lang="en-US" smtClean="0"/>
-              <a:t>10/28/2022</a:t>
+              <a:t>11/7/2022</a:t>
             </a:fld>
             <a:endParaRPr lang="en-US"/>
           </a:p>
@@ -3032,7 +3039,7 @@
             <a:fld id="{AA70F276-1833-4A75-9C1D-A56E2295A68D}" type="datetimeFigureOut">
               <a:rPr lang="en-US" smtClean="0"/>
               <a:pPr/>
-              <a:t>10/28/2022</a:t>
+              <a:t>11/7/2022</a:t>
             </a:fld>
             <a:endParaRPr lang="en-US" dirty="0"/>
           </a:p>
@@ -3891,8 +3898,8 @@
         </p:nvSpPr>
         <p:spPr>
           <a:xfrm>
-            <a:off x="838201" y="1122363"/>
-            <a:ext cx="4242472" cy="2387600"/>
+            <a:off x="1028905" y="1090040"/>
+            <a:ext cx="4242472" cy="1164001"/>
           </a:xfrm>
         </p:spPr>
         <p:txBody>
@@ -3931,8 +3938,8 @@
         </p:nvSpPr>
         <p:spPr>
           <a:xfrm>
-            <a:off x="838201" y="3602037"/>
-            <a:ext cx="4242472" cy="2763837"/>
+            <a:off x="675249" y="2620680"/>
+            <a:ext cx="4242472" cy="967525"/>
           </a:xfrm>
         </p:spPr>
         <p:txBody>
@@ -3941,15 +3948,8 @@
           </a:bodyPr>
           <a:lstStyle/>
           <a:p>
-            <a:endParaRPr lang="fr-FR" sz="2200" dirty="0">
-              <a:solidFill>
-                <a:srgbClr val="FFFFFF"/>
-              </a:solidFill>
-            </a:endParaRPr>
-          </a:p>
-          <a:p>
-            <a:r>
-              <a:rPr lang="fr-FR" sz="2200" dirty="0">
+            <a:r>
+              <a:rPr lang="fr-FR" sz="2000" dirty="0">
                 <a:solidFill>
                   <a:srgbClr val="FFFFFF"/>
                 </a:solidFill>
@@ -3959,7 +3959,7 @@
           </a:p>
           <a:p>
             <a:r>
-              <a:rPr lang="fr-FR" sz="2200" dirty="0">
+              <a:rPr lang="fr-FR" sz="2000" dirty="0">
                 <a:solidFill>
                   <a:srgbClr val="FFFFFF"/>
                 </a:solidFill>
@@ -4082,6 +4082,100 @@
           <a:prstGeom prst="rect">
             <a:avLst/>
           </a:prstGeom>
+        </p:spPr>
+      </p:pic>
+      <p:pic>
+        <p:nvPicPr>
+          <p:cNvPr id="1028" name="Picture 4" descr="Efrei - Paris">
+            <a:extLst>
+              <a:ext uri="{FF2B5EF4-FFF2-40B4-BE49-F238E27FC236}">
+                <a16:creationId xmlns:a16="http://schemas.microsoft.com/office/drawing/2014/main" id="{BCCCAFC5-98FD-6F0D-82AF-ACD71F6CD9D6}"/>
+              </a:ext>
+            </a:extLst>
+          </p:cNvPr>
+          <p:cNvPicPr>
+            <a:picLocks noChangeAspect="1" noChangeArrowheads="1"/>
+          </p:cNvPicPr>
+          <p:nvPr/>
+        </p:nvPicPr>
+        <p:blipFill>
+          <a:blip r:embed="rId3">
+            <a:extLst>
+              <a:ext uri="{28A0092B-C50C-407E-A947-70E740481C1C}">
+                <a14:useLocalDpi xmlns:a14="http://schemas.microsoft.com/office/drawing/2010/main" val="0"/>
+              </a:ext>
+            </a:extLst>
+          </a:blip>
+          <a:srcRect/>
+          <a:stretch>
+            <a:fillRect/>
+          </a:stretch>
+        </p:blipFill>
+        <p:spPr bwMode="auto">
+          <a:xfrm>
+            <a:off x="749139" y="4063032"/>
+            <a:ext cx="2305752" cy="908131"/>
+          </a:xfrm>
+          <a:prstGeom prst="rect">
+            <a:avLst/>
+          </a:prstGeom>
+          <a:noFill/>
+          <a:extLst>
+            <a:ext uri="{909E8E84-426E-40DD-AFC4-6F175D3DCCD1}">
+              <a14:hiddenFill xmlns:a14="http://schemas.microsoft.com/office/drawing/2010/main">
+                <a:solidFill>
+                  <a:srgbClr val="FFFFFF"/>
+                </a:solidFill>
+              </a14:hiddenFill>
+            </a:ext>
+          </a:extLst>
+        </p:spPr>
+      </p:pic>
+      <p:pic>
+        <p:nvPicPr>
+          <p:cNvPr id="1030" name="Picture 6" descr="logo-societe-generale - Société Générale">
+            <a:extLst>
+              <a:ext uri="{FF2B5EF4-FFF2-40B4-BE49-F238E27FC236}">
+                <a16:creationId xmlns:a16="http://schemas.microsoft.com/office/drawing/2014/main" id="{65D08A8E-AB3F-D359-49F8-A629D45C5600}"/>
+              </a:ext>
+            </a:extLst>
+          </p:cNvPr>
+          <p:cNvPicPr>
+            <a:picLocks noChangeAspect="1" noChangeArrowheads="1"/>
+          </p:cNvPicPr>
+          <p:nvPr/>
+        </p:nvPicPr>
+        <p:blipFill>
+          <a:blip r:embed="rId4">
+            <a:extLst>
+              <a:ext uri="{28A0092B-C50C-407E-A947-70E740481C1C}">
+                <a14:useLocalDpi xmlns:a14="http://schemas.microsoft.com/office/drawing/2010/main" val="0"/>
+              </a:ext>
+            </a:extLst>
+          </a:blip>
+          <a:srcRect/>
+          <a:stretch>
+            <a:fillRect/>
+          </a:stretch>
+        </p:blipFill>
+        <p:spPr bwMode="auto">
+          <a:xfrm>
+            <a:off x="1500566" y="5211118"/>
+            <a:ext cx="3596923" cy="757634"/>
+          </a:xfrm>
+          <a:prstGeom prst="rect">
+            <a:avLst/>
+          </a:prstGeom>
+          <a:noFill/>
+          <a:extLst>
+            <a:ext uri="{909E8E84-426E-40DD-AFC4-6F175D3DCCD1}">
+              <a14:hiddenFill xmlns:a14="http://schemas.microsoft.com/office/drawing/2010/main">
+                <a:solidFill>
+                  <a:srgbClr val="FFFFFF"/>
+                </a:solidFill>
+              </a14:hiddenFill>
+            </a:ext>
+          </a:extLst>
         </p:spPr>
       </p:pic>
     </p:spTree>
@@ -4734,10 +4828,10 @@
       </p:grpSpPr>
       <p:pic>
         <p:nvPicPr>
-          <p:cNvPr id="15" name="Image 14">
-            <a:extLst>
-              <a:ext uri="{FF2B5EF4-FFF2-40B4-BE49-F238E27FC236}">
-                <a16:creationId xmlns:a16="http://schemas.microsoft.com/office/drawing/2014/main" id="{949FBEF8-C1C3-A436-0749-F54548C01135}"/>
+          <p:cNvPr id="16" name="Image 15">
+            <a:extLst>
+              <a:ext uri="{FF2B5EF4-FFF2-40B4-BE49-F238E27FC236}">
+                <a16:creationId xmlns:a16="http://schemas.microsoft.com/office/drawing/2014/main" id="{54BC240A-595D-2034-40A4-99CBDA749B42}"/>
               </a:ext>
             </a:extLst>
           </p:cNvPr>
@@ -4754,8 +4848,8 @@
         </p:blipFill>
         <p:spPr>
           <a:xfrm>
-            <a:off x="1015407" y="1656203"/>
-            <a:ext cx="3162300" cy="4086225"/>
+            <a:off x="1573870" y="1657436"/>
+            <a:ext cx="3143250" cy="4076700"/>
           </a:xfrm>
           <a:prstGeom prst="rect">
             <a:avLst/>
@@ -4794,10 +4888,10 @@
       </p:sp>
       <p:pic>
         <p:nvPicPr>
-          <p:cNvPr id="13" name="Image 12">
-            <a:extLst>
-              <a:ext uri="{FF2B5EF4-FFF2-40B4-BE49-F238E27FC236}">
-                <a16:creationId xmlns:a16="http://schemas.microsoft.com/office/drawing/2014/main" id="{2331EEAC-91DE-24D9-3152-DF18C614CE40}"/>
+          <p:cNvPr id="22" name="Image 21">
+            <a:extLst>
+              <a:ext uri="{FF2B5EF4-FFF2-40B4-BE49-F238E27FC236}">
+                <a16:creationId xmlns:a16="http://schemas.microsoft.com/office/drawing/2014/main" id="{5B7335ED-3D24-A620-6185-7186F7A77EBE}"/>
               </a:ext>
             </a:extLst>
           </p:cNvPr>
@@ -4814,8 +4908,8 @@
         </p:blipFill>
         <p:spPr>
           <a:xfrm>
-            <a:off x="1015407" y="1639489"/>
-            <a:ext cx="8610600" cy="4048125"/>
+            <a:off x="1593748" y="1685209"/>
+            <a:ext cx="8210550" cy="4410075"/>
           </a:xfrm>
           <a:prstGeom prst="rect">
             <a:avLst/>
@@ -4824,10 +4918,10 @@
       </p:pic>
       <p:pic>
         <p:nvPicPr>
-          <p:cNvPr id="17" name="Image 16">
-            <a:extLst>
-              <a:ext uri="{FF2B5EF4-FFF2-40B4-BE49-F238E27FC236}">
-                <a16:creationId xmlns:a16="http://schemas.microsoft.com/office/drawing/2014/main" id="{91C3D6B9-5D5C-B260-D5FE-DA9D228EB2A1}"/>
+          <p:cNvPr id="24" name="Image 23">
+            <a:extLst>
+              <a:ext uri="{FF2B5EF4-FFF2-40B4-BE49-F238E27FC236}">
+                <a16:creationId xmlns:a16="http://schemas.microsoft.com/office/drawing/2014/main" id="{68D60937-C30F-971D-81C6-5DB389905030}"/>
               </a:ext>
             </a:extLst>
           </p:cNvPr>
@@ -4844,8 +4938,8 @@
         </p:blipFill>
         <p:spPr>
           <a:xfrm>
-            <a:off x="6244083" y="3025469"/>
-            <a:ext cx="2172330" cy="323850"/>
+            <a:off x="1593748" y="1688950"/>
+            <a:ext cx="8210550" cy="4400550"/>
           </a:xfrm>
           <a:prstGeom prst="rect">
             <a:avLst/>
@@ -4854,10 +4948,10 @@
       </p:pic>
       <p:pic>
         <p:nvPicPr>
-          <p:cNvPr id="23" name="Image 22">
-            <a:extLst>
-              <a:ext uri="{FF2B5EF4-FFF2-40B4-BE49-F238E27FC236}">
-                <a16:creationId xmlns:a16="http://schemas.microsoft.com/office/drawing/2014/main" id="{9402AC3B-42B2-40FC-D5B2-5A67C9D6D67D}"/>
+          <p:cNvPr id="26" name="Image 25">
+            <a:extLst>
+              <a:ext uri="{FF2B5EF4-FFF2-40B4-BE49-F238E27FC236}">
+                <a16:creationId xmlns:a16="http://schemas.microsoft.com/office/drawing/2014/main" id="{211CE2D1-3EC1-13DC-944A-AFF6CB7C70BB}"/>
               </a:ext>
             </a:extLst>
           </p:cNvPr>
@@ -4874,8 +4968,8 @@
         </p:blipFill>
         <p:spPr>
           <a:xfrm>
-            <a:off x="1015407" y="1619062"/>
-            <a:ext cx="8724900" cy="4067175"/>
+            <a:off x="1593748" y="1702215"/>
+            <a:ext cx="8420100" cy="4391025"/>
           </a:xfrm>
           <a:prstGeom prst="rect">
             <a:avLst/>
@@ -4884,10 +4978,10 @@
       </p:pic>
       <p:pic>
         <p:nvPicPr>
-          <p:cNvPr id="21" name="Image 20">
-            <a:extLst>
-              <a:ext uri="{FF2B5EF4-FFF2-40B4-BE49-F238E27FC236}">
-                <a16:creationId xmlns:a16="http://schemas.microsoft.com/office/drawing/2014/main" id="{73A519F3-F01A-CCE9-B597-AF55250213C6}"/>
+          <p:cNvPr id="28" name="Image 27">
+            <a:extLst>
+              <a:ext uri="{FF2B5EF4-FFF2-40B4-BE49-F238E27FC236}">
+                <a16:creationId xmlns:a16="http://schemas.microsoft.com/office/drawing/2014/main" id="{76C66915-FD0C-8262-B232-E5778D91170A}"/>
               </a:ext>
             </a:extLst>
           </p:cNvPr>
@@ -4904,8 +4998,8 @@
         </p:blipFill>
         <p:spPr>
           <a:xfrm>
-            <a:off x="1005882" y="1617685"/>
-            <a:ext cx="8743950" cy="4057650"/>
+            <a:off x="1594162" y="1707254"/>
+            <a:ext cx="8429625" cy="4410075"/>
           </a:xfrm>
           <a:prstGeom prst="rect">
             <a:avLst/>
@@ -4956,7 +5050,7 @@
                                           </p:stCondLst>
                                         </p:cTn>
                                         <p:tgtEl>
-                                          <p:spTgt spid="15"/>
+                                          <p:spTgt spid="16"/>
                                         </p:tgtEl>
                                         <p:attrNameLst>
                                           <p:attrName>style.visibility</p:attrName>
@@ -5001,7 +5095,7 @@
                                           </p:stCondLst>
                                         </p:cTn>
                                         <p:tgtEl>
-                                          <p:spTgt spid="13"/>
+                                          <p:spTgt spid="22"/>
                                         </p:tgtEl>
                                         <p:attrNameLst>
                                           <p:attrName>style.visibility</p:attrName>
@@ -5046,7 +5140,7 @@
                                           </p:stCondLst>
                                         </p:cTn>
                                         <p:tgtEl>
-                                          <p:spTgt spid="17"/>
+                                          <p:spTgt spid="24"/>
                                         </p:tgtEl>
                                         <p:attrNameLst>
                                           <p:attrName>style.visibility</p:attrName>
@@ -5091,7 +5185,7 @@
                                           </p:stCondLst>
                                         </p:cTn>
                                         <p:tgtEl>
-                                          <p:spTgt spid="23"/>
+                                          <p:spTgt spid="26"/>
                                         </p:tgtEl>
                                         <p:attrNameLst>
                                           <p:attrName>style.visibility</p:attrName>
@@ -5136,7 +5230,7 @@
                                           </p:stCondLst>
                                         </p:cTn>
                                         <p:tgtEl>
-                                          <p:spTgt spid="21"/>
+                                          <p:spTgt spid="28"/>
                                         </p:tgtEl>
                                         <p:attrNameLst>
                                           <p:attrName>style.visibility</p:attrName>
@@ -5849,10 +5943,10 @@
       </p:sp>
       <p:pic>
         <p:nvPicPr>
-          <p:cNvPr id="4" name="Image 3">
-            <a:extLst>
-              <a:ext uri="{FF2B5EF4-FFF2-40B4-BE49-F238E27FC236}">
-                <a16:creationId xmlns:a16="http://schemas.microsoft.com/office/drawing/2014/main" id="{2CFB9540-C16A-549A-38E6-53810FEA9CDF}"/>
+          <p:cNvPr id="5" name="Image 4">
+            <a:extLst>
+              <a:ext uri="{FF2B5EF4-FFF2-40B4-BE49-F238E27FC236}">
+                <a16:creationId xmlns:a16="http://schemas.microsoft.com/office/drawing/2014/main" id="{D22648AD-09B4-7B75-6437-B7F8ED4947C8}"/>
               </a:ext>
             </a:extLst>
           </p:cNvPr>
@@ -5869,8 +5963,8 @@
         </p:blipFill>
         <p:spPr>
           <a:xfrm>
-            <a:off x="1516165" y="1839247"/>
-            <a:ext cx="8119257" cy="2014998"/>
+            <a:off x="1319050" y="2006600"/>
+            <a:ext cx="7334518" cy="1960378"/>
           </a:xfrm>
           <a:prstGeom prst="rect">
             <a:avLst/>
@@ -8899,6 +8993,36 @@
           <a:chExt cx="0" cy="0"/>
         </a:xfrm>
       </p:grpSpPr>
+      <p:pic>
+        <p:nvPicPr>
+          <p:cNvPr id="10" name="Image 9">
+            <a:extLst>
+              <a:ext uri="{FF2B5EF4-FFF2-40B4-BE49-F238E27FC236}">
+                <a16:creationId xmlns:a16="http://schemas.microsoft.com/office/drawing/2014/main" id="{94094275-5F36-E09A-7ABC-AD1393873FFE}"/>
+              </a:ext>
+            </a:extLst>
+          </p:cNvPr>
+          <p:cNvPicPr>
+            <a:picLocks noChangeAspect="1"/>
+          </p:cNvPicPr>
+          <p:nvPr/>
+        </p:nvPicPr>
+        <p:blipFill>
+          <a:blip r:embed="rId2"/>
+          <a:stretch>
+            <a:fillRect/>
+          </a:stretch>
+        </p:blipFill>
+        <p:spPr>
+          <a:xfrm>
+            <a:off x="2409865" y="1551381"/>
+            <a:ext cx="695325" cy="1238250"/>
+          </a:xfrm>
+          <a:prstGeom prst="rect">
+            <a:avLst/>
+          </a:prstGeom>
+        </p:spPr>
+      </p:pic>
       <p:sp>
         <p:nvSpPr>
           <p:cNvPr id="2" name="Titre 1">
@@ -8929,12 +9053,1063 @@
           </a:p>
         </p:txBody>
       </p:sp>
+      <p:grpSp>
+        <p:nvGrpSpPr>
+          <p:cNvPr id="17" name="Groupe 16">
+            <a:extLst>
+              <a:ext uri="{FF2B5EF4-FFF2-40B4-BE49-F238E27FC236}">
+                <a16:creationId xmlns:a16="http://schemas.microsoft.com/office/drawing/2014/main" id="{FF95570B-44C9-42C2-ABE9-D352DB0CB96B}"/>
+              </a:ext>
+            </a:extLst>
+          </p:cNvPr>
+          <p:cNvGrpSpPr/>
+          <p:nvPr/>
+        </p:nvGrpSpPr>
+        <p:grpSpPr>
+          <a:xfrm>
+            <a:off x="2786670" y="1537687"/>
+            <a:ext cx="3381491" cy="1254282"/>
+            <a:chOff x="2629379" y="1477716"/>
+            <a:chExt cx="3381491" cy="1254282"/>
+          </a:xfrm>
+          <a:solidFill>
+            <a:schemeClr val="bg1"/>
+          </a:solidFill>
+        </p:grpSpPr>
+        <p:sp>
+          <p:nvSpPr>
+            <p:cNvPr id="14" name="ZoneTexte 13">
+              <a:extLst>
+                <a:ext uri="{FF2B5EF4-FFF2-40B4-BE49-F238E27FC236}">
+                  <a16:creationId xmlns:a16="http://schemas.microsoft.com/office/drawing/2014/main" id="{A835733F-2BDA-FDF5-2154-0DFB020E7556}"/>
+                </a:ext>
+              </a:extLst>
+            </p:cNvPr>
+            <p:cNvSpPr txBox="1"/>
+            <p:nvPr/>
+          </p:nvSpPr>
+          <p:spPr>
+            <a:xfrm rot="18208827">
+              <a:off x="2247337" y="1859758"/>
+              <a:ext cx="1225749" cy="461665"/>
+            </a:xfrm>
+            <a:prstGeom prst="rect">
+              <a:avLst/>
+            </a:prstGeom>
+            <a:grpFill/>
+          </p:spPr>
+          <p:txBody>
+            <a:bodyPr wrap="square" rtlCol="0">
+              <a:spAutoFit/>
+            </a:bodyPr>
+            <a:lstStyle/>
+            <a:p>
+              <a:pPr algn="ctr"/>
+              <a:r>
+                <a:rPr lang="fr-FR" sz="1200" dirty="0">
+                  <a:solidFill>
+                    <a:schemeClr val="accent2">
+                      <a:lumMod val="75000"/>
+                    </a:schemeClr>
+                  </a:solidFill>
+                </a:rPr>
+                <a:t>Notions avant la formation</a:t>
+              </a:r>
+            </a:p>
+          </p:txBody>
+        </p:sp>
+        <p:sp>
+          <p:nvSpPr>
+            <p:cNvPr id="11" name="ZoneTexte 10">
+              <a:extLst>
+                <a:ext uri="{FF2B5EF4-FFF2-40B4-BE49-F238E27FC236}">
+                  <a16:creationId xmlns:a16="http://schemas.microsoft.com/office/drawing/2014/main" id="{1D2B8E7A-7883-7E1C-7743-318DC068E9C8}"/>
+                </a:ext>
+              </a:extLst>
+            </p:cNvPr>
+            <p:cNvSpPr txBox="1"/>
+            <p:nvPr/>
+          </p:nvSpPr>
+          <p:spPr>
+            <a:xfrm>
+              <a:off x="3296537" y="1531669"/>
+              <a:ext cx="2714333" cy="1200329"/>
+            </a:xfrm>
+            <a:prstGeom prst="rect">
+              <a:avLst/>
+            </a:prstGeom>
+            <a:grpFill/>
+          </p:spPr>
+          <p:txBody>
+            <a:bodyPr wrap="none" rtlCol="0">
+              <a:spAutoFit/>
+            </a:bodyPr>
+            <a:lstStyle/>
+            <a:p>
+              <a:r>
+                <a:rPr lang="fr-FR" sz="1200" dirty="0"/>
+                <a:t>Conception</a:t>
+              </a:r>
+            </a:p>
+            <a:p>
+              <a:r>
+                <a:rPr lang="fr-FR" sz="1200" dirty="0"/>
+                <a:t>    Recueil des besoins</a:t>
+              </a:r>
+            </a:p>
+            <a:p>
+              <a:r>
+                <a:rPr lang="fr-FR" sz="1200" dirty="0"/>
+                <a:t>    Détermination des fonctionnalités</a:t>
+              </a:r>
+            </a:p>
+            <a:p>
+              <a:r>
+                <a:rPr lang="fr-FR" sz="1200" dirty="0"/>
+                <a:t>    Priorisation du travail</a:t>
+              </a:r>
+            </a:p>
+            <a:p>
+              <a:r>
+                <a:rPr lang="fr-FR" sz="1200" dirty="0"/>
+                <a:t>    Création de la base de données</a:t>
+              </a:r>
+            </a:p>
+            <a:p>
+              <a:r>
+                <a:rPr lang="fr-FR" sz="1200" dirty="0"/>
+                <a:t>Algorithmique</a:t>
+              </a:r>
+            </a:p>
+          </p:txBody>
+        </p:sp>
+      </p:grpSp>
+      <p:grpSp>
+        <p:nvGrpSpPr>
+          <p:cNvPr id="18" name="Groupe 17">
+            <a:extLst>
+              <a:ext uri="{FF2B5EF4-FFF2-40B4-BE49-F238E27FC236}">
+                <a16:creationId xmlns:a16="http://schemas.microsoft.com/office/drawing/2014/main" id="{671B065C-2EC6-8B29-1C05-D6AB4BF9E662}"/>
+              </a:ext>
+            </a:extLst>
+          </p:cNvPr>
+          <p:cNvGrpSpPr/>
+          <p:nvPr/>
+        </p:nvGrpSpPr>
+        <p:grpSpPr>
+          <a:xfrm>
+            <a:off x="2260286" y="2948074"/>
+            <a:ext cx="3039682" cy="1541099"/>
+            <a:chOff x="2234759" y="2512307"/>
+            <a:chExt cx="3039682" cy="1541099"/>
+          </a:xfrm>
+        </p:grpSpPr>
+        <p:sp>
+          <p:nvSpPr>
+            <p:cNvPr id="12" name="ZoneTexte 11">
+              <a:extLst>
+                <a:ext uri="{FF2B5EF4-FFF2-40B4-BE49-F238E27FC236}">
+                  <a16:creationId xmlns:a16="http://schemas.microsoft.com/office/drawing/2014/main" id="{7CCA8639-03DE-0EDB-EA5A-5C632D3770AE}"/>
+                </a:ext>
+              </a:extLst>
+            </p:cNvPr>
+            <p:cNvSpPr txBox="1"/>
+            <p:nvPr/>
+          </p:nvSpPr>
+          <p:spPr>
+            <a:xfrm>
+              <a:off x="2948560" y="2719464"/>
+              <a:ext cx="2325881" cy="1200329"/>
+            </a:xfrm>
+            <a:prstGeom prst="rect">
+              <a:avLst/>
+            </a:prstGeom>
+            <a:noFill/>
+          </p:spPr>
+          <p:txBody>
+            <a:bodyPr wrap="square" rtlCol="0">
+              <a:spAutoFit/>
+            </a:bodyPr>
+            <a:lstStyle/>
+            <a:p>
+              <a:r>
+                <a:rPr lang="fr-FR" sz="1200" dirty="0"/>
+                <a:t>POO – classes d’objets</a:t>
+              </a:r>
+            </a:p>
+            <a:p>
+              <a:r>
+                <a:rPr lang="fr-FR" sz="1200" dirty="0"/>
+                <a:t>Architecture client/serveur</a:t>
+              </a:r>
+            </a:p>
+            <a:p>
+              <a:r>
+                <a:rPr lang="fr-FR" sz="1200" dirty="0"/>
+                <a:t>Langages de programmation</a:t>
+              </a:r>
+            </a:p>
+            <a:p>
+              <a:r>
+                <a:rPr lang="fr-FR" sz="1200" dirty="0"/>
+                <a:t>    JavaScript</a:t>
+              </a:r>
+            </a:p>
+            <a:p>
+              <a:r>
+                <a:rPr lang="fr-FR" sz="1200" dirty="0"/>
+                <a:t>    Python…</a:t>
+              </a:r>
+            </a:p>
+            <a:p>
+              <a:r>
+                <a:rPr lang="fr-FR" sz="1200" dirty="0"/>
+                <a:t>SQL</a:t>
+              </a:r>
+            </a:p>
+          </p:txBody>
+        </p:sp>
+        <p:sp>
+          <p:nvSpPr>
+            <p:cNvPr id="15" name="ZoneTexte 14">
+              <a:extLst>
+                <a:ext uri="{FF2B5EF4-FFF2-40B4-BE49-F238E27FC236}">
+                  <a16:creationId xmlns:a16="http://schemas.microsoft.com/office/drawing/2014/main" id="{94A37F25-6671-4BBE-AAC3-9F68AB0E34D8}"/>
+                </a:ext>
+              </a:extLst>
+            </p:cNvPr>
+            <p:cNvSpPr txBox="1"/>
+            <p:nvPr/>
+          </p:nvSpPr>
+          <p:spPr>
+            <a:xfrm rot="18208827">
+              <a:off x="1787375" y="2959691"/>
+              <a:ext cx="1541099" cy="646331"/>
+            </a:xfrm>
+            <a:prstGeom prst="rect">
+              <a:avLst/>
+            </a:prstGeom>
+            <a:noFill/>
+          </p:spPr>
+          <p:txBody>
+            <a:bodyPr wrap="square" rtlCol="0">
+              <a:spAutoFit/>
+            </a:bodyPr>
+            <a:lstStyle/>
+            <a:p>
+              <a:pPr algn="ctr"/>
+              <a:r>
+                <a:rPr lang="fr-FR" sz="1200" dirty="0">
+                  <a:solidFill>
+                    <a:schemeClr val="accent2">
+                      <a:lumMod val="75000"/>
+                    </a:schemeClr>
+                  </a:solidFill>
+                </a:rPr>
+                <a:t>Découvertes pendant la formation</a:t>
+              </a:r>
+            </a:p>
+          </p:txBody>
+        </p:sp>
+      </p:grpSp>
+      <p:grpSp>
+        <p:nvGrpSpPr>
+          <p:cNvPr id="19" name="Groupe 18">
+            <a:extLst>
+              <a:ext uri="{FF2B5EF4-FFF2-40B4-BE49-F238E27FC236}">
+                <a16:creationId xmlns:a16="http://schemas.microsoft.com/office/drawing/2014/main" id="{539BD146-FA06-D43F-BCA9-7CDE07123996}"/>
+              </a:ext>
+            </a:extLst>
+          </p:cNvPr>
+          <p:cNvGrpSpPr/>
+          <p:nvPr/>
+        </p:nvGrpSpPr>
+        <p:grpSpPr>
+          <a:xfrm>
+            <a:off x="2638070" y="4377473"/>
+            <a:ext cx="3798241" cy="1225749"/>
+            <a:chOff x="1118860" y="4280655"/>
+            <a:chExt cx="2837970" cy="1225749"/>
+          </a:xfrm>
+        </p:grpSpPr>
+        <p:sp>
+          <p:nvSpPr>
+            <p:cNvPr id="13" name="ZoneTexte 12">
+              <a:extLst>
+                <a:ext uri="{FF2B5EF4-FFF2-40B4-BE49-F238E27FC236}">
+                  <a16:creationId xmlns:a16="http://schemas.microsoft.com/office/drawing/2014/main" id="{7B9F2A18-D2D0-0935-2C50-8ED18ABE8D59}"/>
+                </a:ext>
+              </a:extLst>
+            </p:cNvPr>
+            <p:cNvSpPr txBox="1"/>
+            <p:nvPr/>
+          </p:nvSpPr>
+          <p:spPr>
+            <a:xfrm>
+              <a:off x="1565356" y="4573954"/>
+              <a:ext cx="2391474" cy="830997"/>
+            </a:xfrm>
+            <a:prstGeom prst="rect">
+              <a:avLst/>
+            </a:prstGeom>
+            <a:noFill/>
+          </p:spPr>
+          <p:txBody>
+            <a:bodyPr wrap="square" rtlCol="0">
+              <a:spAutoFit/>
+            </a:bodyPr>
+            <a:lstStyle/>
+            <a:p>
+              <a:r>
+                <a:rPr lang="fr-FR" sz="1200" dirty="0"/>
+                <a:t>    Concept ORM -&gt; tuto </a:t>
+              </a:r>
+              <a:r>
+                <a:rPr lang="fr-FR" sz="1200" dirty="0" err="1"/>
+                <a:t>Sequelize</a:t>
+              </a:r>
+              <a:endParaRPr lang="fr-FR" sz="1200" dirty="0"/>
+            </a:p>
+            <a:p>
+              <a:r>
+                <a:rPr lang="fr-FR" sz="1200" dirty="0"/>
+                <a:t>    </a:t>
+              </a:r>
+              <a:r>
+                <a:rPr lang="fr-FR" sz="1200" dirty="0" err="1"/>
+                <a:t>Jest</a:t>
+              </a:r>
+              <a:r>
+                <a:rPr lang="fr-FR" sz="1200" dirty="0"/>
+                <a:t> -&gt; tests unitaires -&gt; Pipe line GitHub</a:t>
+              </a:r>
+            </a:p>
+            <a:p>
+              <a:r>
+                <a:rPr lang="fr-FR" sz="1200" dirty="0"/>
+                <a:t>    Postman -&gt; les services</a:t>
+              </a:r>
+            </a:p>
+            <a:p>
+              <a:r>
+                <a:rPr lang="fr-FR" sz="1200" dirty="0"/>
+                <a:t>    Préparer des mails en JS  </a:t>
+              </a:r>
+            </a:p>
+          </p:txBody>
+        </p:sp>
+        <p:sp>
+          <p:nvSpPr>
+            <p:cNvPr id="16" name="ZoneTexte 15">
+              <a:extLst>
+                <a:ext uri="{FF2B5EF4-FFF2-40B4-BE49-F238E27FC236}">
+                  <a16:creationId xmlns:a16="http://schemas.microsoft.com/office/drawing/2014/main" id="{D840381B-565E-54E3-7722-E773C7FAE264}"/>
+                </a:ext>
+              </a:extLst>
+            </p:cNvPr>
+            <p:cNvSpPr txBox="1"/>
+            <p:nvPr/>
+          </p:nvSpPr>
+          <p:spPr>
+            <a:xfrm rot="18208827">
+              <a:off x="747448" y="4652067"/>
+              <a:ext cx="1225749" cy="482926"/>
+            </a:xfrm>
+            <a:prstGeom prst="rect">
+              <a:avLst/>
+            </a:prstGeom>
+            <a:noFill/>
+          </p:spPr>
+          <p:txBody>
+            <a:bodyPr wrap="square" rtlCol="0">
+              <a:spAutoFit/>
+            </a:bodyPr>
+            <a:lstStyle/>
+            <a:p>
+              <a:pPr algn="ctr"/>
+              <a:r>
+                <a:rPr lang="fr-FR" sz="1200" dirty="0">
+                  <a:solidFill>
+                    <a:schemeClr val="accent2">
+                      <a:lumMod val="75000"/>
+                    </a:schemeClr>
+                  </a:solidFill>
+                </a:rPr>
+                <a:t>Recherches après la formation</a:t>
+              </a:r>
+            </a:p>
+          </p:txBody>
+        </p:sp>
+      </p:grpSp>
+      <p:grpSp>
+        <p:nvGrpSpPr>
+          <p:cNvPr id="27" name="Groupe 26">
+            <a:extLst>
+              <a:ext uri="{FF2B5EF4-FFF2-40B4-BE49-F238E27FC236}">
+                <a16:creationId xmlns:a16="http://schemas.microsoft.com/office/drawing/2014/main" id="{E4370E69-F457-089C-21A1-DBA5BEEA3152}"/>
+              </a:ext>
+            </a:extLst>
+          </p:cNvPr>
+          <p:cNvGrpSpPr/>
+          <p:nvPr/>
+        </p:nvGrpSpPr>
+        <p:grpSpPr>
+          <a:xfrm>
+            <a:off x="7677632" y="3192877"/>
+            <a:ext cx="2585164" cy="1225749"/>
+            <a:chOff x="7677632" y="3192877"/>
+            <a:chExt cx="2585164" cy="1225749"/>
+          </a:xfrm>
+        </p:grpSpPr>
+        <p:sp>
+          <p:nvSpPr>
+            <p:cNvPr id="21" name="ZoneTexte 20">
+              <a:extLst>
+                <a:ext uri="{FF2B5EF4-FFF2-40B4-BE49-F238E27FC236}">
+                  <a16:creationId xmlns:a16="http://schemas.microsoft.com/office/drawing/2014/main" id="{3A3039ED-3CC9-7B7E-DCA2-B7F1CADE228F}"/>
+                </a:ext>
+              </a:extLst>
+            </p:cNvPr>
+            <p:cNvSpPr txBox="1"/>
+            <p:nvPr/>
+          </p:nvSpPr>
+          <p:spPr>
+            <a:xfrm>
+              <a:off x="7891436" y="3273097"/>
+              <a:ext cx="2371360" cy="1015663"/>
+            </a:xfrm>
+            <a:prstGeom prst="rect">
+              <a:avLst/>
+            </a:prstGeom>
+            <a:noFill/>
+          </p:spPr>
+          <p:txBody>
+            <a:bodyPr wrap="square" rtlCol="0">
+              <a:spAutoFit/>
+            </a:bodyPr>
+            <a:lstStyle/>
+            <a:p>
+              <a:r>
+                <a:rPr lang="fr-FR" sz="1200" dirty="0"/>
+                <a:t>    Suivi des incidents</a:t>
+              </a:r>
+            </a:p>
+            <a:p>
+              <a:r>
+                <a:rPr lang="fr-FR" sz="1200" dirty="0"/>
+                <a:t>    Gestion Admin </a:t>
+              </a:r>
+            </a:p>
+            <a:p>
+              <a:r>
+                <a:rPr lang="fr-FR" sz="1200" dirty="0"/>
+                <a:t>        Utilisateurs et habilitations</a:t>
+              </a:r>
+            </a:p>
+            <a:p>
+              <a:r>
+                <a:rPr lang="fr-FR" sz="1200" dirty="0"/>
+                <a:t>        Prestataires</a:t>
+              </a:r>
+            </a:p>
+            <a:p>
+              <a:r>
+                <a:rPr lang="fr-FR" sz="1200" dirty="0"/>
+                <a:t>        Emplacements</a:t>
+              </a:r>
+            </a:p>
+          </p:txBody>
+        </p:sp>
+        <p:sp>
+          <p:nvSpPr>
+            <p:cNvPr id="22" name="ZoneTexte 21">
+              <a:extLst>
+                <a:ext uri="{FF2B5EF4-FFF2-40B4-BE49-F238E27FC236}">
+                  <a16:creationId xmlns:a16="http://schemas.microsoft.com/office/drawing/2014/main" id="{32D27FAA-C85E-5A82-ADA5-166D6AE625AD}"/>
+                </a:ext>
+              </a:extLst>
+            </p:cNvPr>
+            <p:cNvSpPr txBox="1"/>
+            <p:nvPr/>
+          </p:nvSpPr>
+          <p:spPr>
+            <a:xfrm rot="18208827">
+              <a:off x="7203257" y="3667252"/>
+              <a:ext cx="1225749" cy="276999"/>
+            </a:xfrm>
+            <a:prstGeom prst="rect">
+              <a:avLst/>
+            </a:prstGeom>
+            <a:noFill/>
+          </p:spPr>
+          <p:txBody>
+            <a:bodyPr wrap="square" rtlCol="0">
+              <a:spAutoFit/>
+            </a:bodyPr>
+            <a:lstStyle/>
+            <a:p>
+              <a:pPr algn="ctr"/>
+              <a:r>
+                <a:rPr lang="fr-FR" sz="1200" dirty="0">
+                  <a:solidFill>
+                    <a:srgbClr val="FF3300"/>
+                  </a:solidFill>
+                </a:rPr>
+                <a:t>C’est fait !</a:t>
+              </a:r>
+            </a:p>
+          </p:txBody>
+        </p:sp>
+      </p:grpSp>
+      <p:grpSp>
+        <p:nvGrpSpPr>
+          <p:cNvPr id="23" name="Groupe 22">
+            <a:extLst>
+              <a:ext uri="{FF2B5EF4-FFF2-40B4-BE49-F238E27FC236}">
+                <a16:creationId xmlns:a16="http://schemas.microsoft.com/office/drawing/2014/main" id="{74446C23-44F4-D7CB-C84D-59869530F5E7}"/>
+              </a:ext>
+            </a:extLst>
+          </p:cNvPr>
+          <p:cNvGrpSpPr/>
+          <p:nvPr/>
+        </p:nvGrpSpPr>
+        <p:grpSpPr>
+          <a:xfrm>
+            <a:off x="7677631" y="4479345"/>
+            <a:ext cx="3037717" cy="1445244"/>
+            <a:chOff x="1351551" y="4513705"/>
+            <a:chExt cx="3037717" cy="1445244"/>
+          </a:xfrm>
+        </p:grpSpPr>
+        <p:sp>
+          <p:nvSpPr>
+            <p:cNvPr id="24" name="ZoneTexte 23">
+              <a:extLst>
+                <a:ext uri="{FF2B5EF4-FFF2-40B4-BE49-F238E27FC236}">
+                  <a16:creationId xmlns:a16="http://schemas.microsoft.com/office/drawing/2014/main" id="{2014112D-6C55-435B-B016-32E42CCB4109}"/>
+                </a:ext>
+              </a:extLst>
+            </p:cNvPr>
+            <p:cNvSpPr txBox="1"/>
+            <p:nvPr/>
+          </p:nvSpPr>
+          <p:spPr>
+            <a:xfrm>
+              <a:off x="1565355" y="4573954"/>
+              <a:ext cx="2823913" cy="1384995"/>
+            </a:xfrm>
+            <a:prstGeom prst="rect">
+              <a:avLst/>
+            </a:prstGeom>
+            <a:noFill/>
+          </p:spPr>
+          <p:txBody>
+            <a:bodyPr wrap="square" rtlCol="0">
+              <a:spAutoFit/>
+            </a:bodyPr>
+            <a:lstStyle/>
+            <a:p>
+              <a:r>
+                <a:rPr lang="fr-FR" sz="1200" dirty="0"/>
+                <a:t>    Gestion Admin </a:t>
+              </a:r>
+            </a:p>
+            <a:p>
+              <a:r>
+                <a:rPr lang="fr-FR" sz="1200" dirty="0"/>
+                <a:t>        Types d’emplacements</a:t>
+              </a:r>
+            </a:p>
+            <a:p>
+              <a:r>
+                <a:rPr lang="fr-FR" sz="1200" dirty="0"/>
+                <a:t>        Types d’incidents</a:t>
+              </a:r>
+            </a:p>
+            <a:p>
+              <a:r>
+                <a:rPr lang="fr-FR" sz="1200" dirty="0"/>
+                <a:t>    Contrôle d’expiration mot de passe</a:t>
+              </a:r>
+            </a:p>
+            <a:p>
+              <a:r>
+                <a:rPr lang="fr-FR" sz="1200" dirty="0"/>
+                <a:t>    Déploiement web</a:t>
+              </a:r>
+            </a:p>
+            <a:p>
+              <a:r>
+                <a:rPr lang="fr-FR" sz="1200" dirty="0"/>
+                <a:t>    KPI Admin</a:t>
+              </a:r>
+            </a:p>
+            <a:p>
+              <a:r>
+                <a:rPr lang="fr-FR" sz="1200" dirty="0"/>
+                <a:t>    Enquête de satisfaction</a:t>
+              </a:r>
+            </a:p>
+          </p:txBody>
+        </p:sp>
+        <p:sp>
+          <p:nvSpPr>
+            <p:cNvPr id="25" name="ZoneTexte 24">
+              <a:extLst>
+                <a:ext uri="{FF2B5EF4-FFF2-40B4-BE49-F238E27FC236}">
+                  <a16:creationId xmlns:a16="http://schemas.microsoft.com/office/drawing/2014/main" id="{44AFFF67-5696-161A-2D16-D39D5FD3E22E}"/>
+                </a:ext>
+              </a:extLst>
+            </p:cNvPr>
+            <p:cNvSpPr txBox="1"/>
+            <p:nvPr/>
+          </p:nvSpPr>
+          <p:spPr>
+            <a:xfrm rot="18208827">
+              <a:off x="877176" y="4988080"/>
+              <a:ext cx="1225749" cy="276999"/>
+            </a:xfrm>
+            <a:prstGeom prst="rect">
+              <a:avLst/>
+            </a:prstGeom>
+            <a:noFill/>
+          </p:spPr>
+          <p:txBody>
+            <a:bodyPr wrap="square" rtlCol="0">
+              <a:spAutoFit/>
+            </a:bodyPr>
+            <a:lstStyle/>
+            <a:p>
+              <a:pPr algn="ctr"/>
+              <a:r>
+                <a:rPr lang="fr-FR" sz="1200" dirty="0">
+                  <a:solidFill>
+                    <a:srgbClr val="FF3300"/>
+                  </a:solidFill>
+                </a:rPr>
+                <a:t>La suite…</a:t>
+              </a:r>
+            </a:p>
+          </p:txBody>
+        </p:sp>
+      </p:grpSp>
       <p:pic>
         <p:nvPicPr>
-          <p:cNvPr id="5" name="Image 4">
-            <a:extLst>
-              <a:ext uri="{FF2B5EF4-FFF2-40B4-BE49-F238E27FC236}">
-                <a16:creationId xmlns:a16="http://schemas.microsoft.com/office/drawing/2014/main" id="{6065B95F-F38D-A5EC-7220-4444776466A4}"/>
+          <p:cNvPr id="26" name="Espace réservé du contenu 5">
+            <a:extLst>
+              <a:ext uri="{FF2B5EF4-FFF2-40B4-BE49-F238E27FC236}">
+                <a16:creationId xmlns:a16="http://schemas.microsoft.com/office/drawing/2014/main" id="{38759312-5124-47B9-0955-E97E9B69ECD1}"/>
+              </a:ext>
+            </a:extLst>
+          </p:cNvPr>
+          <p:cNvPicPr>
+            <a:picLocks noGrp="1" noChangeAspect="1"/>
+          </p:cNvPicPr>
+          <p:nvPr>
+            <p:ph idx="1"/>
+          </p:nvPr>
+        </p:nvPicPr>
+        <p:blipFill>
+          <a:blip r:embed="rId3">
+            <a:extLst>
+              <a:ext uri="{28A0092B-C50C-407E-A947-70E740481C1C}">
+                <a14:useLocalDpi xmlns:a14="http://schemas.microsoft.com/office/drawing/2010/main" val="0"/>
+              </a:ext>
+            </a:extLst>
+          </a:blip>
+          <a:stretch>
+            <a:fillRect/>
+          </a:stretch>
+        </p:blipFill>
+        <p:spPr>
+          <a:xfrm>
+            <a:off x="8019372" y="1168698"/>
+            <a:ext cx="1924050" cy="1924050"/>
+          </a:xfrm>
+        </p:spPr>
+      </p:pic>
+    </p:spTree>
+    <p:extLst>
+      <p:ext uri="{BB962C8B-B14F-4D97-AF65-F5344CB8AC3E}">
+        <p14:creationId xmlns:p14="http://schemas.microsoft.com/office/powerpoint/2010/main" val="909714402"/>
+      </p:ext>
+    </p:extLst>
+  </p:cSld>
+  <p:clrMapOvr>
+    <a:masterClrMapping/>
+  </p:clrMapOvr>
+  <p:timing>
+    <p:tnLst>
+      <p:par>
+        <p:cTn id="1" dur="indefinite" restart="never" nodeType="tmRoot">
+          <p:childTnLst>
+            <p:seq concurrent="1" nextAc="seek">
+              <p:cTn id="2" dur="indefinite" nodeType="mainSeq">
+                <p:childTnLst>
+                  <p:par>
+                    <p:cTn id="3" fill="hold">
+                      <p:stCondLst>
+                        <p:cond delay="indefinite"/>
+                        <p:cond evt="onBegin" delay="0">
+                          <p:tn val="2"/>
+                        </p:cond>
+                      </p:stCondLst>
+                      <p:childTnLst>
+                        <p:par>
+                          <p:cTn id="4" fill="hold">
+                            <p:stCondLst>
+                              <p:cond delay="0"/>
+                            </p:stCondLst>
+                            <p:childTnLst>
+                              <p:par>
+                                <p:cTn id="5" presetID="1" presetClass="entr" presetSubtype="0" fill="hold" nodeType="afterEffect">
+                                  <p:stCondLst>
+                                    <p:cond delay="0"/>
+                                  </p:stCondLst>
+                                  <p:childTnLst>
+                                    <p:set>
+                                      <p:cBhvr>
+                                        <p:cTn id="6" dur="1" fill="hold">
+                                          <p:stCondLst>
+                                            <p:cond delay="0"/>
+                                          </p:stCondLst>
+                                        </p:cTn>
+                                        <p:tgtEl>
+                                          <p:spTgt spid="10"/>
+                                        </p:tgtEl>
+                                        <p:attrNameLst>
+                                          <p:attrName>style.visibility</p:attrName>
+                                        </p:attrNameLst>
+                                      </p:cBhvr>
+                                      <p:to>
+                                        <p:strVal val="visible"/>
+                                      </p:to>
+                                    </p:set>
+                                  </p:childTnLst>
+                                  <p:subTnLst>
+                                    <p:set>
+                                      <p:cBhvr override="childStyle">
+                                        <p:cTn dur="1" fill="hold" display="0" masterRel="nextClick" afterEffect="1"/>
+                                        <p:tgtEl>
+                                          <p:spTgt spid="10"/>
+                                        </p:tgtEl>
+                                        <p:attrNameLst>
+                                          <p:attrName>style.visibility</p:attrName>
+                                        </p:attrNameLst>
+                                      </p:cBhvr>
+                                      <p:to>
+                                        <p:strVal val="hidden"/>
+                                      </p:to>
+                                    </p:set>
+                                  </p:subTnLst>
+                                </p:cTn>
+                              </p:par>
+                            </p:childTnLst>
+                          </p:cTn>
+                        </p:par>
+                      </p:childTnLst>
+                    </p:cTn>
+                  </p:par>
+                  <p:par>
+                    <p:cTn id="7" fill="hold">
+                      <p:stCondLst>
+                        <p:cond delay="indefinite"/>
+                      </p:stCondLst>
+                      <p:childTnLst>
+                        <p:par>
+                          <p:cTn id="8" fill="hold">
+                            <p:stCondLst>
+                              <p:cond delay="0"/>
+                            </p:stCondLst>
+                            <p:childTnLst>
+                              <p:par>
+                                <p:cTn id="9" presetID="1" presetClass="entr" presetSubtype="0" fill="hold" nodeType="clickEffect">
+                                  <p:stCondLst>
+                                    <p:cond delay="0"/>
+                                  </p:stCondLst>
+                                  <p:childTnLst>
+                                    <p:set>
+                                      <p:cBhvr>
+                                        <p:cTn id="10" dur="1" fill="hold">
+                                          <p:stCondLst>
+                                            <p:cond delay="0"/>
+                                          </p:stCondLst>
+                                        </p:cTn>
+                                        <p:tgtEl>
+                                          <p:spTgt spid="17"/>
+                                        </p:tgtEl>
+                                        <p:attrNameLst>
+                                          <p:attrName>style.visibility</p:attrName>
+                                        </p:attrNameLst>
+                                      </p:cBhvr>
+                                      <p:to>
+                                        <p:strVal val="visible"/>
+                                      </p:to>
+                                    </p:set>
+                                  </p:childTnLst>
+                                </p:cTn>
+                              </p:par>
+                            </p:childTnLst>
+                          </p:cTn>
+                        </p:par>
+                      </p:childTnLst>
+                    </p:cTn>
+                  </p:par>
+                  <p:par>
+                    <p:cTn id="11" fill="hold">
+                      <p:stCondLst>
+                        <p:cond delay="indefinite"/>
+                      </p:stCondLst>
+                      <p:childTnLst>
+                        <p:par>
+                          <p:cTn id="12" fill="hold">
+                            <p:stCondLst>
+                              <p:cond delay="0"/>
+                            </p:stCondLst>
+                            <p:childTnLst>
+                              <p:par>
+                                <p:cTn id="13" presetID="1" presetClass="entr" presetSubtype="0" fill="hold" nodeType="clickEffect">
+                                  <p:stCondLst>
+                                    <p:cond delay="0"/>
+                                  </p:stCondLst>
+                                  <p:childTnLst>
+                                    <p:set>
+                                      <p:cBhvr>
+                                        <p:cTn id="14" dur="1" fill="hold">
+                                          <p:stCondLst>
+                                            <p:cond delay="0"/>
+                                          </p:stCondLst>
+                                        </p:cTn>
+                                        <p:tgtEl>
+                                          <p:spTgt spid="18"/>
+                                        </p:tgtEl>
+                                        <p:attrNameLst>
+                                          <p:attrName>style.visibility</p:attrName>
+                                        </p:attrNameLst>
+                                      </p:cBhvr>
+                                      <p:to>
+                                        <p:strVal val="visible"/>
+                                      </p:to>
+                                    </p:set>
+                                  </p:childTnLst>
+                                </p:cTn>
+                              </p:par>
+                            </p:childTnLst>
+                          </p:cTn>
+                        </p:par>
+                      </p:childTnLst>
+                    </p:cTn>
+                  </p:par>
+                  <p:par>
+                    <p:cTn id="15" fill="hold">
+                      <p:stCondLst>
+                        <p:cond delay="indefinite"/>
+                      </p:stCondLst>
+                      <p:childTnLst>
+                        <p:par>
+                          <p:cTn id="16" fill="hold">
+                            <p:stCondLst>
+                              <p:cond delay="0"/>
+                            </p:stCondLst>
+                            <p:childTnLst>
+                              <p:par>
+                                <p:cTn id="17" presetID="1" presetClass="entr" presetSubtype="0" fill="hold" nodeType="clickEffect">
+                                  <p:stCondLst>
+                                    <p:cond delay="0"/>
+                                  </p:stCondLst>
+                                  <p:childTnLst>
+                                    <p:set>
+                                      <p:cBhvr>
+                                        <p:cTn id="18" dur="1" fill="hold">
+                                          <p:stCondLst>
+                                            <p:cond delay="0"/>
+                                          </p:stCondLst>
+                                        </p:cTn>
+                                        <p:tgtEl>
+                                          <p:spTgt spid="19"/>
+                                        </p:tgtEl>
+                                        <p:attrNameLst>
+                                          <p:attrName>style.visibility</p:attrName>
+                                        </p:attrNameLst>
+                                      </p:cBhvr>
+                                      <p:to>
+                                        <p:strVal val="visible"/>
+                                      </p:to>
+                                    </p:set>
+                                  </p:childTnLst>
+                                </p:cTn>
+                              </p:par>
+                            </p:childTnLst>
+                          </p:cTn>
+                        </p:par>
+                      </p:childTnLst>
+                    </p:cTn>
+                  </p:par>
+                  <p:par>
+                    <p:cTn id="19" fill="hold">
+                      <p:stCondLst>
+                        <p:cond delay="indefinite"/>
+                      </p:stCondLst>
+                      <p:childTnLst>
+                        <p:par>
+                          <p:cTn id="20" fill="hold">
+                            <p:stCondLst>
+                              <p:cond delay="0"/>
+                            </p:stCondLst>
+                            <p:childTnLst>
+                              <p:par>
+                                <p:cTn id="21" presetID="1" presetClass="entr" presetSubtype="0" fill="hold" nodeType="clickEffect">
+                                  <p:stCondLst>
+                                    <p:cond delay="0"/>
+                                  </p:stCondLst>
+                                  <p:childTnLst>
+                                    <p:set>
+                                      <p:cBhvr>
+                                        <p:cTn id="22" dur="1" fill="hold">
+                                          <p:stCondLst>
+                                            <p:cond delay="0"/>
+                                          </p:stCondLst>
+                                        </p:cTn>
+                                        <p:tgtEl>
+                                          <p:spTgt spid="26"/>
+                                        </p:tgtEl>
+                                        <p:attrNameLst>
+                                          <p:attrName>style.visibility</p:attrName>
+                                        </p:attrNameLst>
+                                      </p:cBhvr>
+                                      <p:to>
+                                        <p:strVal val="visible"/>
+                                      </p:to>
+                                    </p:set>
+                                  </p:childTnLst>
+                                </p:cTn>
+                              </p:par>
+                              <p:par>
+                                <p:cTn id="23" presetID="1" presetClass="entr" presetSubtype="0" fill="hold" nodeType="withEffect">
+                                  <p:stCondLst>
+                                    <p:cond delay="0"/>
+                                  </p:stCondLst>
+                                  <p:childTnLst>
+                                    <p:set>
+                                      <p:cBhvr>
+                                        <p:cTn id="24" dur="1" fill="hold">
+                                          <p:stCondLst>
+                                            <p:cond delay="0"/>
+                                          </p:stCondLst>
+                                        </p:cTn>
+                                        <p:tgtEl>
+                                          <p:spTgt spid="27"/>
+                                        </p:tgtEl>
+                                        <p:attrNameLst>
+                                          <p:attrName>style.visibility</p:attrName>
+                                        </p:attrNameLst>
+                                      </p:cBhvr>
+                                      <p:to>
+                                        <p:strVal val="visible"/>
+                                      </p:to>
+                                    </p:set>
+                                  </p:childTnLst>
+                                </p:cTn>
+                              </p:par>
+                            </p:childTnLst>
+                          </p:cTn>
+                        </p:par>
+                      </p:childTnLst>
+                    </p:cTn>
+                  </p:par>
+                  <p:par>
+                    <p:cTn id="25" fill="hold">
+                      <p:stCondLst>
+                        <p:cond delay="indefinite"/>
+                      </p:stCondLst>
+                      <p:childTnLst>
+                        <p:par>
+                          <p:cTn id="26" fill="hold">
+                            <p:stCondLst>
+                              <p:cond delay="0"/>
+                            </p:stCondLst>
+                            <p:childTnLst>
+                              <p:par>
+                                <p:cTn id="27" presetID="1" presetClass="entr" presetSubtype="0" fill="hold" nodeType="clickEffect">
+                                  <p:stCondLst>
+                                    <p:cond delay="0"/>
+                                  </p:stCondLst>
+                                  <p:childTnLst>
+                                    <p:set>
+                                      <p:cBhvr>
+                                        <p:cTn id="28" dur="1" fill="hold">
+                                          <p:stCondLst>
+                                            <p:cond delay="0"/>
+                                          </p:stCondLst>
+                                        </p:cTn>
+                                        <p:tgtEl>
+                                          <p:spTgt spid="23"/>
+                                        </p:tgtEl>
+                                        <p:attrNameLst>
+                                          <p:attrName>style.visibility</p:attrName>
+                                        </p:attrNameLst>
+                                      </p:cBhvr>
+                                      <p:to>
+                                        <p:strVal val="visible"/>
+                                      </p:to>
+                                    </p:set>
+                                  </p:childTnLst>
+                                </p:cTn>
+                              </p:par>
+                            </p:childTnLst>
+                          </p:cTn>
+                        </p:par>
+                      </p:childTnLst>
+                    </p:cTn>
+                  </p:par>
+                </p:childTnLst>
+              </p:cTn>
+              <p:prevCondLst>
+                <p:cond evt="onPrev" delay="0">
+                  <p:tgtEl>
+                    <p:sldTgt/>
+                  </p:tgtEl>
+                </p:cond>
+              </p:prevCondLst>
+              <p:nextCondLst>
+                <p:cond evt="onNext" delay="0">
+                  <p:tgtEl>
+                    <p:sldTgt/>
+                  </p:tgtEl>
+                </p:cond>
+              </p:nextCondLst>
+            </p:seq>
+          </p:childTnLst>
+        </p:cTn>
+      </p:par>
+    </p:tnLst>
+  </p:timing>
+</p:sld>
+</file>
+
+<file path=ppt/slides/slide21.xml><?xml version="1.0" encoding="utf-8"?>
+<p:sld xmlns:a="http://schemas.openxmlformats.org/drawingml/2006/main" xmlns:r="http://schemas.openxmlformats.org/officeDocument/2006/relationships" xmlns:p="http://schemas.openxmlformats.org/presentationml/2006/main">
+  <p:cSld>
+    <p:spTree>
+      <p:nvGrpSpPr>
+        <p:cNvPr id="1" name=""/>
+        <p:cNvGrpSpPr/>
+        <p:nvPr/>
+      </p:nvGrpSpPr>
+      <p:grpSpPr>
+        <a:xfrm>
+          <a:off x="0" y="0"/>
+          <a:ext cx="0" cy="0"/>
+          <a:chOff x="0" y="0"/>
+          <a:chExt cx="0" cy="0"/>
+        </a:xfrm>
+      </p:grpSpPr>
+      <p:pic>
+        <p:nvPicPr>
+          <p:cNvPr id="7" name="Image 6">
+            <a:extLst>
+              <a:ext uri="{FF2B5EF4-FFF2-40B4-BE49-F238E27FC236}">
+                <a16:creationId xmlns:a16="http://schemas.microsoft.com/office/drawing/2014/main" id="{BBE78B0F-867F-4ECB-A437-381017ECF6FE}"/>
               </a:ext>
             </a:extLst>
           </p:cNvPr>
@@ -8951,38 +10126,8 @@
         </p:blipFill>
         <p:spPr>
           <a:xfrm>
-            <a:off x="2906162" y="4109407"/>
-            <a:ext cx="2121558" cy="1546752"/>
-          </a:xfrm>
-          <a:prstGeom prst="rect">
-            <a:avLst/>
-          </a:prstGeom>
-        </p:spPr>
-      </p:pic>
-      <p:pic>
-        <p:nvPicPr>
-          <p:cNvPr id="7" name="Image 6">
-            <a:extLst>
-              <a:ext uri="{FF2B5EF4-FFF2-40B4-BE49-F238E27FC236}">
-                <a16:creationId xmlns:a16="http://schemas.microsoft.com/office/drawing/2014/main" id="{BBE78B0F-867F-4ECB-A437-381017ECF6FE}"/>
-              </a:ext>
-            </a:extLst>
-          </p:cNvPr>
-          <p:cNvPicPr>
-            <a:picLocks noChangeAspect="1"/>
-          </p:cNvPicPr>
-          <p:nvPr/>
-        </p:nvPicPr>
-        <p:blipFill>
-          <a:blip r:embed="rId3"/>
-          <a:stretch>
-            <a:fillRect/>
-          </a:stretch>
-        </p:blipFill>
-        <p:spPr>
-          <a:xfrm>
-            <a:off x="8060924" y="4576562"/>
-            <a:ext cx="2121558" cy="1375982"/>
+            <a:off x="4262120" y="2239598"/>
+            <a:ext cx="3667759" cy="2378804"/>
           </a:xfrm>
           <a:prstGeom prst="rect">
             <a:avLst/>
@@ -8991,148 +10136,33 @@
       </p:pic>
       <p:sp>
         <p:nvSpPr>
-          <p:cNvPr id="4" name="ZoneTexte 3">
-            <a:extLst>
-              <a:ext uri="{FF2B5EF4-FFF2-40B4-BE49-F238E27FC236}">
-                <a16:creationId xmlns:a16="http://schemas.microsoft.com/office/drawing/2014/main" id="{D3BB03B3-C8F9-A8A2-0D1D-0F47C80FD991}"/>
-              </a:ext>
-            </a:extLst>
-          </p:cNvPr>
-          <p:cNvSpPr txBox="1"/>
-          <p:nvPr/>
+          <p:cNvPr id="12" name="Titre 11">
+            <a:extLst>
+              <a:ext uri="{FF2B5EF4-FFF2-40B4-BE49-F238E27FC236}">
+                <a16:creationId xmlns:a16="http://schemas.microsoft.com/office/drawing/2014/main" id="{618635D3-132F-4369-AA8F-C20CF6CA5384}"/>
+              </a:ext>
+            </a:extLst>
+          </p:cNvPr>
+          <p:cNvSpPr>
+            <a:spLocks noGrp="1"/>
+          </p:cNvSpPr>
+          <p:nvPr>
+            <p:ph type="title"/>
+          </p:nvPr>
         </p:nvSpPr>
-        <p:spPr>
-          <a:xfrm>
-            <a:off x="2268444" y="2054564"/>
-            <a:ext cx="4792659" cy="369332"/>
-          </a:xfrm>
-          <a:prstGeom prst="rect">
-            <a:avLst/>
-          </a:prstGeom>
-          <a:noFill/>
-        </p:spPr>
+        <p:spPr/>
         <p:txBody>
-          <a:bodyPr wrap="none" rtlCol="0">
-            <a:spAutoFit/>
-          </a:bodyPr>
+          <a:bodyPr/>
           <a:lstStyle/>
           <a:p>
-            <a:r>
-              <a:rPr lang="fr-FR" dirty="0"/>
-              <a:t>Acquisition/consolidation de connaissances</a:t>
-            </a:r>
-          </a:p>
-        </p:txBody>
-      </p:sp>
-      <p:sp>
-        <p:nvSpPr>
-          <p:cNvPr id="6" name="ZoneTexte 5">
-            <a:extLst>
-              <a:ext uri="{FF2B5EF4-FFF2-40B4-BE49-F238E27FC236}">
-                <a16:creationId xmlns:a16="http://schemas.microsoft.com/office/drawing/2014/main" id="{8BCCB28F-E72B-5F9A-69AA-A92BFEE605F8}"/>
-              </a:ext>
-            </a:extLst>
-          </p:cNvPr>
-          <p:cNvSpPr txBox="1"/>
-          <p:nvPr/>
-        </p:nvSpPr>
-        <p:spPr>
-          <a:xfrm>
-            <a:off x="3377335" y="2723449"/>
-            <a:ext cx="1778051" cy="369332"/>
-          </a:xfrm>
-          <a:prstGeom prst="rect">
-            <a:avLst/>
-          </a:prstGeom>
-          <a:noFill/>
-        </p:spPr>
-        <p:txBody>
-          <a:bodyPr wrap="none" rtlCol="0">
-            <a:spAutoFit/>
-          </a:bodyPr>
-          <a:lstStyle/>
-          <a:p>
-            <a:r>
-              <a:rPr lang="fr-FR" dirty="0"/>
-              <a:t>Rôles multiples</a:t>
-            </a:r>
-          </a:p>
-        </p:txBody>
-      </p:sp>
-      <p:sp>
-        <p:nvSpPr>
-          <p:cNvPr id="8" name="ZoneTexte 7">
-            <a:extLst>
-              <a:ext uri="{FF2B5EF4-FFF2-40B4-BE49-F238E27FC236}">
-                <a16:creationId xmlns:a16="http://schemas.microsoft.com/office/drawing/2014/main" id="{9E0E4B0B-40A7-FBAE-99DD-EAC551C006D1}"/>
-              </a:ext>
-            </a:extLst>
-          </p:cNvPr>
-          <p:cNvSpPr txBox="1"/>
-          <p:nvPr/>
-        </p:nvSpPr>
-        <p:spPr>
-          <a:xfrm>
-            <a:off x="3943911" y="3069569"/>
-            <a:ext cx="3205942" cy="369332"/>
-          </a:xfrm>
-          <a:prstGeom prst="rect">
-            <a:avLst/>
-          </a:prstGeom>
-          <a:noFill/>
-        </p:spPr>
-        <p:txBody>
-          <a:bodyPr wrap="none" rtlCol="0">
-            <a:spAutoFit/>
-          </a:bodyPr>
-          <a:lstStyle/>
-          <a:p>
-            <a:r>
-              <a:rPr lang="fr-FR" dirty="0"/>
-              <a:t>C’est pas fini mais presque…</a:t>
-            </a:r>
-          </a:p>
-        </p:txBody>
-      </p:sp>
-      <p:sp>
-        <p:nvSpPr>
-          <p:cNvPr id="3" name="ZoneTexte 2">
-            <a:extLst>
-              <a:ext uri="{FF2B5EF4-FFF2-40B4-BE49-F238E27FC236}">
-                <a16:creationId xmlns:a16="http://schemas.microsoft.com/office/drawing/2014/main" id="{55246098-10A2-5287-8047-B97F7276AA9E}"/>
-              </a:ext>
-            </a:extLst>
-          </p:cNvPr>
-          <p:cNvSpPr txBox="1"/>
-          <p:nvPr/>
-        </p:nvSpPr>
-        <p:spPr>
-          <a:xfrm>
-            <a:off x="2778002" y="2402304"/>
-            <a:ext cx="2249718" cy="369332"/>
-          </a:xfrm>
-          <a:prstGeom prst="rect">
-            <a:avLst/>
-          </a:prstGeom>
-          <a:noFill/>
-        </p:spPr>
-        <p:txBody>
-          <a:bodyPr wrap="none" rtlCol="0">
-            <a:spAutoFit/>
-          </a:bodyPr>
-          <a:lstStyle/>
-          <a:p>
-            <a:r>
-              <a:rPr lang="fr-FR" dirty="0"/>
-              <a:t>Remise en question</a:t>
-            </a:r>
+            <a:endParaRPr lang="fr-FR"/>
           </a:p>
         </p:txBody>
       </p:sp>
     </p:spTree>
     <p:extLst>
       <p:ext uri="{BB962C8B-B14F-4D97-AF65-F5344CB8AC3E}">
-        <p14:creationId xmlns:p14="http://schemas.microsoft.com/office/powerpoint/2010/main" val="909714402"/>
+        <p14:creationId xmlns:p14="http://schemas.microsoft.com/office/powerpoint/2010/main" val="3031788151"/>
       </p:ext>
     </p:extLst>
   </p:cSld>
@@ -9828,8 +10858,8 @@
         </p:nvSpPr>
         <p:spPr>
           <a:xfrm>
-            <a:off x="904875" y="909855"/>
-            <a:ext cx="5553075" cy="733942"/>
+            <a:off x="904876" y="909855"/>
+            <a:ext cx="3264290" cy="733942"/>
           </a:xfrm>
         </p:spPr>
         <p:txBody>
@@ -9857,7 +10887,7 @@
                   <a:tileRect/>
                 </a:gradFill>
               </a:rPr>
-              <a:t>Use case diagram</a:t>
+              <a:t>Use case</a:t>
             </a:r>
           </a:p>
         </p:txBody>
@@ -10227,10 +11257,10 @@
       </p:sp>
       <p:pic>
         <p:nvPicPr>
-          <p:cNvPr id="12" name="Image 11">
-            <a:extLst>
-              <a:ext uri="{FF2B5EF4-FFF2-40B4-BE49-F238E27FC236}">
-                <a16:creationId xmlns:a16="http://schemas.microsoft.com/office/drawing/2014/main" id="{F427CC42-483B-63CF-1772-0D4230932891}"/>
+          <p:cNvPr id="15" name="Image 14">
+            <a:extLst>
+              <a:ext uri="{FF2B5EF4-FFF2-40B4-BE49-F238E27FC236}">
+                <a16:creationId xmlns:a16="http://schemas.microsoft.com/office/drawing/2014/main" id="{A5AC74F4-9EA3-7D55-6111-A85D983DDE79}"/>
               </a:ext>
             </a:extLst>
           </p:cNvPr>
@@ -10247,8 +11277,8 @@
         </p:blipFill>
         <p:spPr>
           <a:xfrm>
-            <a:off x="4035813" y="1857597"/>
-            <a:ext cx="7106461" cy="4090548"/>
+            <a:off x="4011346" y="909855"/>
+            <a:ext cx="7234563" cy="5274352"/>
           </a:xfrm>
           <a:prstGeom prst="rect">
             <a:avLst/>
@@ -10719,6 +11749,162 @@
           </a:p>
         </p:txBody>
       </p:sp>
+      <p:grpSp>
+        <p:nvGrpSpPr>
+          <p:cNvPr id="16" name="Groupe 15">
+            <a:extLst>
+              <a:ext uri="{FF2B5EF4-FFF2-40B4-BE49-F238E27FC236}">
+                <a16:creationId xmlns:a16="http://schemas.microsoft.com/office/drawing/2014/main" id="{607C8BB4-138E-9990-CABA-B71E5EB8F160}"/>
+              </a:ext>
+            </a:extLst>
+          </p:cNvPr>
+          <p:cNvGrpSpPr/>
+          <p:nvPr/>
+        </p:nvGrpSpPr>
+        <p:grpSpPr>
+          <a:xfrm>
+            <a:off x="1200642" y="2957143"/>
+            <a:ext cx="2505782" cy="1839848"/>
+            <a:chOff x="1196206" y="2938509"/>
+            <a:chExt cx="2505782" cy="1839848"/>
+          </a:xfrm>
+        </p:grpSpPr>
+        <p:pic>
+          <p:nvPicPr>
+            <p:cNvPr id="11" name="Image 10">
+              <a:extLst>
+                <a:ext uri="{FF2B5EF4-FFF2-40B4-BE49-F238E27FC236}">
+                  <a16:creationId xmlns:a16="http://schemas.microsoft.com/office/drawing/2014/main" id="{AE104945-B4BA-22D4-EC57-EDAFF2008546}"/>
+                </a:ext>
+              </a:extLst>
+            </p:cNvPr>
+            <p:cNvPicPr>
+              <a:picLocks noChangeAspect="1"/>
+            </p:cNvPicPr>
+            <p:nvPr/>
+          </p:nvPicPr>
+          <p:blipFill>
+            <a:blip r:embed="rId3"/>
+            <a:stretch>
+              <a:fillRect/>
+            </a:stretch>
+          </p:blipFill>
+          <p:spPr>
+            <a:xfrm>
+              <a:off x="1196206" y="4387832"/>
+              <a:ext cx="809625" cy="390525"/>
+            </a:xfrm>
+            <a:prstGeom prst="rect">
+              <a:avLst/>
+            </a:prstGeom>
+          </p:spPr>
+        </p:pic>
+        <p:cxnSp>
+          <p:nvCxnSpPr>
+            <p:cNvPr id="13" name="Connecteur droit avec flèche 12">
+              <a:extLst>
+                <a:ext uri="{FF2B5EF4-FFF2-40B4-BE49-F238E27FC236}">
+                  <a16:creationId xmlns:a16="http://schemas.microsoft.com/office/drawing/2014/main" id="{42608F91-E209-10A0-E173-821524F3AAFF}"/>
+                </a:ext>
+              </a:extLst>
+            </p:cNvPr>
+            <p:cNvCxnSpPr>
+              <a:cxnSpLocks/>
+            </p:cNvCxnSpPr>
+            <p:nvPr/>
+          </p:nvCxnSpPr>
+          <p:spPr>
+            <a:xfrm flipH="1">
+              <a:off x="1918252" y="2938509"/>
+              <a:ext cx="1783736" cy="1411223"/>
+            </a:xfrm>
+            <a:prstGeom prst="straightConnector1">
+              <a:avLst/>
+            </a:prstGeom>
+            <a:ln w="19050">
+              <a:solidFill>
+                <a:schemeClr val="tx1"/>
+              </a:solidFill>
+              <a:prstDash val="sysDash"/>
+              <a:tailEnd type="triangle"/>
+            </a:ln>
+          </p:spPr>
+          <p:style>
+            <a:lnRef idx="1">
+              <a:schemeClr val="accent1"/>
+            </a:lnRef>
+            <a:fillRef idx="0">
+              <a:schemeClr val="accent1"/>
+            </a:fillRef>
+            <a:effectRef idx="0">
+              <a:schemeClr val="accent1"/>
+            </a:effectRef>
+            <a:fontRef idx="minor">
+              <a:schemeClr val="tx1"/>
+            </a:fontRef>
+          </p:style>
+        </p:cxnSp>
+      </p:grpSp>
+      <p:pic>
+        <p:nvPicPr>
+          <p:cNvPr id="5" name="Image 4">
+            <a:extLst>
+              <a:ext uri="{FF2B5EF4-FFF2-40B4-BE49-F238E27FC236}">
+                <a16:creationId xmlns:a16="http://schemas.microsoft.com/office/drawing/2014/main" id="{88A1A31A-4E65-EB9D-625F-452E9181ED8B}"/>
+              </a:ext>
+            </a:extLst>
+          </p:cNvPr>
+          <p:cNvPicPr>
+            <a:picLocks noChangeAspect="1"/>
+          </p:cNvPicPr>
+          <p:nvPr/>
+        </p:nvPicPr>
+        <p:blipFill>
+          <a:blip r:embed="rId4"/>
+          <a:stretch>
+            <a:fillRect/>
+          </a:stretch>
+        </p:blipFill>
+        <p:spPr>
+          <a:xfrm>
+            <a:off x="1200642" y="4368781"/>
+            <a:ext cx="2133600" cy="428625"/>
+          </a:xfrm>
+          <a:prstGeom prst="rect">
+            <a:avLst/>
+          </a:prstGeom>
+        </p:spPr>
+      </p:pic>
+      <p:pic>
+        <p:nvPicPr>
+          <p:cNvPr id="18" name="Image 17">
+            <a:extLst>
+              <a:ext uri="{FF2B5EF4-FFF2-40B4-BE49-F238E27FC236}">
+                <a16:creationId xmlns:a16="http://schemas.microsoft.com/office/drawing/2014/main" id="{BBC595E1-AA64-C56C-F5E5-6254D6086C4D}"/>
+              </a:ext>
+            </a:extLst>
+          </p:cNvPr>
+          <p:cNvPicPr>
+            <a:picLocks noChangeAspect="1"/>
+          </p:cNvPicPr>
+          <p:nvPr/>
+        </p:nvPicPr>
+        <p:blipFill>
+          <a:blip r:embed="rId5"/>
+          <a:stretch>
+            <a:fillRect/>
+          </a:stretch>
+        </p:blipFill>
+        <p:spPr>
+          <a:xfrm>
+            <a:off x="1206465" y="4387416"/>
+            <a:ext cx="2124075" cy="409575"/>
+          </a:xfrm>
+          <a:prstGeom prst="rect">
+            <a:avLst/>
+          </a:prstGeom>
+        </p:spPr>
+      </p:pic>
     </p:spTree>
     <p:extLst>
       <p:ext uri="{BB962C8B-B14F-4D97-AF65-F5344CB8AC3E}">
@@ -10729,6 +11915,174 @@
   <p:clrMapOvr>
     <a:masterClrMapping/>
   </p:clrMapOvr>
+  <p:timing>
+    <p:tnLst>
+      <p:par>
+        <p:cTn id="1" dur="indefinite" restart="never" nodeType="tmRoot">
+          <p:childTnLst>
+            <p:seq concurrent="1" nextAc="seek">
+              <p:cTn id="2" dur="indefinite" nodeType="mainSeq">
+                <p:childTnLst>
+                  <p:par>
+                    <p:cTn id="3" fill="hold">
+                      <p:stCondLst>
+                        <p:cond delay="indefinite"/>
+                        <p:cond evt="onBegin" delay="0">
+                          <p:tn val="2"/>
+                        </p:cond>
+                      </p:stCondLst>
+                      <p:childTnLst>
+                        <p:par>
+                          <p:cTn id="4" fill="hold">
+                            <p:stCondLst>
+                              <p:cond delay="0"/>
+                            </p:stCondLst>
+                            <p:childTnLst>
+                              <p:par>
+                                <p:cTn id="5" presetID="1" presetClass="entr" presetSubtype="0" fill="hold" nodeType="withEffect">
+                                  <p:stCondLst>
+                                    <p:cond delay="0"/>
+                                  </p:stCondLst>
+                                  <p:childTnLst>
+                                    <p:set>
+                                      <p:cBhvr>
+                                        <p:cTn id="6" dur="1" fill="hold">
+                                          <p:stCondLst>
+                                            <p:cond delay="0"/>
+                                          </p:stCondLst>
+                                        </p:cTn>
+                                        <p:tgtEl>
+                                          <p:spTgt spid="16"/>
+                                        </p:tgtEl>
+                                        <p:attrNameLst>
+                                          <p:attrName>style.visibility</p:attrName>
+                                        </p:attrNameLst>
+                                      </p:cBhvr>
+                                      <p:to>
+                                        <p:strVal val="visible"/>
+                                      </p:to>
+                                    </p:set>
+                                  </p:childTnLst>
+                                </p:cTn>
+                              </p:par>
+                            </p:childTnLst>
+                          </p:cTn>
+                        </p:par>
+                      </p:childTnLst>
+                    </p:cTn>
+                  </p:par>
+                  <p:par>
+                    <p:cTn id="7" fill="hold">
+                      <p:stCondLst>
+                        <p:cond delay="indefinite"/>
+                      </p:stCondLst>
+                      <p:childTnLst>
+                        <p:par>
+                          <p:cTn id="8" fill="hold">
+                            <p:stCondLst>
+                              <p:cond delay="0"/>
+                            </p:stCondLst>
+                            <p:childTnLst>
+                              <p:par>
+                                <p:cTn id="9" presetID="1" presetClass="entr" presetSubtype="0" fill="hold" nodeType="clickEffect">
+                                  <p:stCondLst>
+                                    <p:cond delay="0"/>
+                                  </p:stCondLst>
+                                  <p:childTnLst>
+                                    <p:set>
+                                      <p:cBhvr>
+                                        <p:cTn id="10" dur="1" fill="hold">
+                                          <p:stCondLst>
+                                            <p:cond delay="0"/>
+                                          </p:stCondLst>
+                                        </p:cTn>
+                                        <p:tgtEl>
+                                          <p:spTgt spid="5"/>
+                                        </p:tgtEl>
+                                        <p:attrNameLst>
+                                          <p:attrName>style.visibility</p:attrName>
+                                        </p:attrNameLst>
+                                      </p:cBhvr>
+                                      <p:to>
+                                        <p:strVal val="visible"/>
+                                      </p:to>
+                                    </p:set>
+                                  </p:childTnLst>
+                                </p:cTn>
+                              </p:par>
+                            </p:childTnLst>
+                          </p:cTn>
+                        </p:par>
+                      </p:childTnLst>
+                    </p:cTn>
+                  </p:par>
+                  <p:par>
+                    <p:cTn id="11" fill="hold">
+                      <p:stCondLst>
+                        <p:cond delay="indefinite"/>
+                      </p:stCondLst>
+                      <p:childTnLst>
+                        <p:par>
+                          <p:cTn id="12" fill="hold">
+                            <p:stCondLst>
+                              <p:cond delay="0"/>
+                            </p:stCondLst>
+                            <p:childTnLst>
+                              <p:par>
+                                <p:cTn id="13" presetID="1" presetClass="entr" presetSubtype="0" fill="hold" nodeType="clickEffect">
+                                  <p:stCondLst>
+                                    <p:cond delay="0"/>
+                                  </p:stCondLst>
+                                  <p:childTnLst>
+                                    <p:set>
+                                      <p:cBhvr>
+                                        <p:cTn id="14" dur="1" fill="hold">
+                                          <p:stCondLst>
+                                            <p:cond delay="0"/>
+                                          </p:stCondLst>
+                                        </p:cTn>
+                                        <p:tgtEl>
+                                          <p:spTgt spid="18"/>
+                                        </p:tgtEl>
+                                        <p:attrNameLst>
+                                          <p:attrName>style.visibility</p:attrName>
+                                        </p:attrNameLst>
+                                      </p:cBhvr>
+                                      <p:to>
+                                        <p:strVal val="visible"/>
+                                      </p:to>
+                                    </p:set>
+                                  </p:childTnLst>
+                                </p:cTn>
+                              </p:par>
+                            </p:childTnLst>
+                          </p:cTn>
+                        </p:par>
+                      </p:childTnLst>
+                    </p:cTn>
+                  </p:par>
+                </p:childTnLst>
+              </p:cTn>
+              <p:prevCondLst>
+                <p:cond evt="onPrev" delay="0">
+                  <p:tgtEl>
+                    <p:sldTgt/>
+                  </p:tgtEl>
+                </p:cond>
+              </p:prevCondLst>
+              <p:nextCondLst>
+                <p:cond evt="onNext" delay="0">
+                  <p:tgtEl>
+                    <p:sldTgt/>
+                  </p:tgtEl>
+                </p:cond>
+              </p:nextCondLst>
+            </p:seq>
+          </p:childTnLst>
+        </p:cTn>
+      </p:par>
+    </p:tnLst>
+  </p:timing>
 </p:sld>
 </file>
 
@@ -10803,10 +12157,10 @@
       </p:sp>
       <p:pic>
         <p:nvPicPr>
-          <p:cNvPr id="9" name="Image 8">
-            <a:extLst>
-              <a:ext uri="{FF2B5EF4-FFF2-40B4-BE49-F238E27FC236}">
-                <a16:creationId xmlns:a16="http://schemas.microsoft.com/office/drawing/2014/main" id="{7F22A77D-0CCB-4B19-21C0-D20F8B534653}"/>
+          <p:cNvPr id="4" name="Image 3">
+            <a:extLst>
+              <a:ext uri="{FF2B5EF4-FFF2-40B4-BE49-F238E27FC236}">
+                <a16:creationId xmlns:a16="http://schemas.microsoft.com/office/drawing/2014/main" id="{735B629E-D8DB-2CCA-6D22-E7139B6D9454}"/>
               </a:ext>
             </a:extLst>
           </p:cNvPr>
@@ -10823,8 +12177,8 @@
         </p:blipFill>
         <p:spPr>
           <a:xfrm>
-            <a:off x="1050256" y="1923549"/>
-            <a:ext cx="10308845" cy="3598946"/>
+            <a:off x="975896" y="1756596"/>
+            <a:ext cx="10027236" cy="3587114"/>
           </a:xfrm>
           <a:prstGeom prst="rect">
             <a:avLst/>

--- a/doc/présentation V3.pptx
+++ b/doc/présentation V3.pptx
@@ -286,7 +286,7 @@
           <a:p>
             <a:fld id="{AA70F276-1833-4A75-9C1D-A56E2295A68D}" type="datetimeFigureOut">
               <a:rPr lang="en-US" smtClean="0"/>
-              <a:t>11/7/2022</a:t>
+              <a:t>11/8/2022</a:t>
             </a:fld>
             <a:endParaRPr lang="en-US"/>
           </a:p>
@@ -484,7 +484,7 @@
           <a:p>
             <a:fld id="{AA70F276-1833-4A75-9C1D-A56E2295A68D}" type="datetimeFigureOut">
               <a:rPr lang="en-US" smtClean="0"/>
-              <a:t>11/7/2022</a:t>
+              <a:t>11/8/2022</a:t>
             </a:fld>
             <a:endParaRPr lang="en-US"/>
           </a:p>
@@ -692,7 +692,7 @@
           <a:p>
             <a:fld id="{AA70F276-1833-4A75-9C1D-A56E2295A68D}" type="datetimeFigureOut">
               <a:rPr lang="en-US" smtClean="0"/>
-              <a:t>11/7/2022</a:t>
+              <a:t>11/8/2022</a:t>
             </a:fld>
             <a:endParaRPr lang="en-US"/>
           </a:p>
@@ -917,7 +917,7 @@
           <a:p>
             <a:fld id="{AA70F276-1833-4A75-9C1D-A56E2295A68D}" type="datetimeFigureOut">
               <a:rPr lang="en-US" smtClean="0"/>
-              <a:t>11/7/2022</a:t>
+              <a:t>11/8/2022</a:t>
             </a:fld>
             <a:endParaRPr lang="en-US"/>
           </a:p>
@@ -1193,7 +1193,7 @@
           <a:p>
             <a:fld id="{AA70F276-1833-4A75-9C1D-A56E2295A68D}" type="datetimeFigureOut">
               <a:rPr lang="en-US" smtClean="0"/>
-              <a:t>11/7/2022</a:t>
+              <a:t>11/8/2022</a:t>
             </a:fld>
             <a:endParaRPr lang="en-US"/>
           </a:p>
@@ -1463,7 +1463,7 @@
           <a:p>
             <a:fld id="{AA70F276-1833-4A75-9C1D-A56E2295A68D}" type="datetimeFigureOut">
               <a:rPr lang="en-US" smtClean="0"/>
-              <a:t>11/7/2022</a:t>
+              <a:t>11/8/2022</a:t>
             </a:fld>
             <a:endParaRPr lang="en-US"/>
           </a:p>
@@ -1875,7 +1875,7 @@
           <a:p>
             <a:fld id="{AA70F276-1833-4A75-9C1D-A56E2295A68D}" type="datetimeFigureOut">
               <a:rPr lang="en-US" smtClean="0"/>
-              <a:t>11/7/2022</a:t>
+              <a:t>11/8/2022</a:t>
             </a:fld>
             <a:endParaRPr lang="en-US"/>
           </a:p>
@@ -2016,7 +2016,7 @@
           <a:p>
             <a:fld id="{AA70F276-1833-4A75-9C1D-A56E2295A68D}" type="datetimeFigureOut">
               <a:rPr lang="en-US" smtClean="0"/>
-              <a:t>11/7/2022</a:t>
+              <a:t>11/8/2022</a:t>
             </a:fld>
             <a:endParaRPr lang="en-US"/>
           </a:p>
@@ -2129,7 +2129,7 @@
           <a:p>
             <a:fld id="{AA70F276-1833-4A75-9C1D-A56E2295A68D}" type="datetimeFigureOut">
               <a:rPr lang="en-US" smtClean="0"/>
-              <a:t>11/7/2022</a:t>
+              <a:t>11/8/2022</a:t>
             </a:fld>
             <a:endParaRPr lang="en-US"/>
           </a:p>
@@ -2440,7 +2440,7 @@
           <a:p>
             <a:fld id="{AA70F276-1833-4A75-9C1D-A56E2295A68D}" type="datetimeFigureOut">
               <a:rPr lang="en-US" smtClean="0"/>
-              <a:t>11/7/2022</a:t>
+              <a:t>11/8/2022</a:t>
             </a:fld>
             <a:endParaRPr lang="en-US"/>
           </a:p>
@@ -2731,7 +2731,7 @@
           <a:p>
             <a:fld id="{AA70F276-1833-4A75-9C1D-A56E2295A68D}" type="datetimeFigureOut">
               <a:rPr lang="en-US" smtClean="0"/>
-              <a:t>11/7/2022</a:t>
+              <a:t>11/8/2022</a:t>
             </a:fld>
             <a:endParaRPr lang="en-US"/>
           </a:p>
@@ -3039,7 +3039,7 @@
             <a:fld id="{AA70F276-1833-4A75-9C1D-A56E2295A68D}" type="datetimeFigureOut">
               <a:rPr lang="en-US" smtClean="0"/>
               <a:pPr/>
-              <a:t>11/7/2022</a:t>
+              <a:t>11/8/2022</a:t>
             </a:fld>
             <a:endParaRPr lang="en-US" dirty="0"/>
           </a:p>
@@ -4848,8 +4848,68 @@
         </p:blipFill>
         <p:spPr>
           <a:xfrm>
-            <a:off x="1573870" y="1657436"/>
+            <a:off x="1256534" y="1716919"/>
             <a:ext cx="3143250" cy="4076700"/>
+          </a:xfrm>
+          <a:prstGeom prst="rect">
+            <a:avLst/>
+          </a:prstGeom>
+        </p:spPr>
+      </p:pic>
+      <p:pic>
+        <p:nvPicPr>
+          <p:cNvPr id="22" name="Image 21">
+            <a:extLst>
+              <a:ext uri="{FF2B5EF4-FFF2-40B4-BE49-F238E27FC236}">
+                <a16:creationId xmlns:a16="http://schemas.microsoft.com/office/drawing/2014/main" id="{5B7335ED-3D24-A620-6185-7186F7A77EBE}"/>
+              </a:ext>
+            </a:extLst>
+          </p:cNvPr>
+          <p:cNvPicPr>
+            <a:picLocks noChangeAspect="1"/>
+          </p:cNvPicPr>
+          <p:nvPr/>
+        </p:nvPicPr>
+        <p:blipFill>
+          <a:blip r:embed="rId3"/>
+          <a:stretch>
+            <a:fillRect/>
+          </a:stretch>
+        </p:blipFill>
+        <p:spPr>
+          <a:xfrm>
+            <a:off x="1274290" y="1739700"/>
+            <a:ext cx="8210550" cy="4410075"/>
+          </a:xfrm>
+          <a:prstGeom prst="rect">
+            <a:avLst/>
+          </a:prstGeom>
+        </p:spPr>
+      </p:pic>
+      <p:pic>
+        <p:nvPicPr>
+          <p:cNvPr id="24" name="Image 23">
+            <a:extLst>
+              <a:ext uri="{FF2B5EF4-FFF2-40B4-BE49-F238E27FC236}">
+                <a16:creationId xmlns:a16="http://schemas.microsoft.com/office/drawing/2014/main" id="{68D60937-C30F-971D-81C6-5DB389905030}"/>
+              </a:ext>
+            </a:extLst>
+          </p:cNvPr>
+          <p:cNvPicPr>
+            <a:picLocks noChangeAspect="1"/>
+          </p:cNvPicPr>
+          <p:nvPr/>
+        </p:nvPicPr>
+        <p:blipFill>
+          <a:blip r:embed="rId4"/>
+          <a:stretch>
+            <a:fillRect/>
+          </a:stretch>
+        </p:blipFill>
+        <p:spPr>
+          <a:xfrm>
+            <a:off x="1279703" y="1716919"/>
+            <a:ext cx="8210550" cy="4400550"/>
           </a:xfrm>
           <a:prstGeom prst="rect">
             <a:avLst/>
@@ -4888,66 +4948,6 @@
       </p:sp>
       <p:pic>
         <p:nvPicPr>
-          <p:cNvPr id="22" name="Image 21">
-            <a:extLst>
-              <a:ext uri="{FF2B5EF4-FFF2-40B4-BE49-F238E27FC236}">
-                <a16:creationId xmlns:a16="http://schemas.microsoft.com/office/drawing/2014/main" id="{5B7335ED-3D24-A620-6185-7186F7A77EBE}"/>
-              </a:ext>
-            </a:extLst>
-          </p:cNvPr>
-          <p:cNvPicPr>
-            <a:picLocks noChangeAspect="1"/>
-          </p:cNvPicPr>
-          <p:nvPr/>
-        </p:nvPicPr>
-        <p:blipFill>
-          <a:blip r:embed="rId3"/>
-          <a:stretch>
-            <a:fillRect/>
-          </a:stretch>
-        </p:blipFill>
-        <p:spPr>
-          <a:xfrm>
-            <a:off x="1593748" y="1685209"/>
-            <a:ext cx="8210550" cy="4410075"/>
-          </a:xfrm>
-          <a:prstGeom prst="rect">
-            <a:avLst/>
-          </a:prstGeom>
-        </p:spPr>
-      </p:pic>
-      <p:pic>
-        <p:nvPicPr>
-          <p:cNvPr id="24" name="Image 23">
-            <a:extLst>
-              <a:ext uri="{FF2B5EF4-FFF2-40B4-BE49-F238E27FC236}">
-                <a16:creationId xmlns:a16="http://schemas.microsoft.com/office/drawing/2014/main" id="{68D60937-C30F-971D-81C6-5DB389905030}"/>
-              </a:ext>
-            </a:extLst>
-          </p:cNvPr>
-          <p:cNvPicPr>
-            <a:picLocks noChangeAspect="1"/>
-          </p:cNvPicPr>
-          <p:nvPr/>
-        </p:nvPicPr>
-        <p:blipFill>
-          <a:blip r:embed="rId4"/>
-          <a:stretch>
-            <a:fillRect/>
-          </a:stretch>
-        </p:blipFill>
-        <p:spPr>
-          <a:xfrm>
-            <a:off x="1593748" y="1688950"/>
-            <a:ext cx="8210550" cy="4400550"/>
-          </a:xfrm>
-          <a:prstGeom prst="rect">
-            <a:avLst/>
-          </a:prstGeom>
-        </p:spPr>
-      </p:pic>
-      <p:pic>
-        <p:nvPicPr>
           <p:cNvPr id="26" name="Image 25">
             <a:extLst>
               <a:ext uri="{FF2B5EF4-FFF2-40B4-BE49-F238E27FC236}">
@@ -4968,7 +4968,7 @@
         </p:blipFill>
         <p:spPr>
           <a:xfrm>
-            <a:off x="1593748" y="1702215"/>
+            <a:off x="1279703" y="1726444"/>
             <a:ext cx="8420100" cy="4391025"/>
           </a:xfrm>
           <a:prstGeom prst="rect">
@@ -4998,7 +4998,7 @@
         </p:blipFill>
         <p:spPr>
           <a:xfrm>
-            <a:off x="1594162" y="1707254"/>
+            <a:off x="1275650" y="1726444"/>
             <a:ext cx="8429625" cy="4410075"/>
           </a:xfrm>
           <a:prstGeom prst="rect">
@@ -11669,10 +11669,10 @@
       </p:grpSpPr>
       <p:pic>
         <p:nvPicPr>
-          <p:cNvPr id="4" name="Image 3">
-            <a:extLst>
-              <a:ext uri="{FF2B5EF4-FFF2-40B4-BE49-F238E27FC236}">
-                <a16:creationId xmlns:a16="http://schemas.microsoft.com/office/drawing/2014/main" id="{B356C7E9-DE91-15CA-1788-7BE0683689D5}"/>
+          <p:cNvPr id="24" name="Image 23">
+            <a:extLst>
+              <a:ext uri="{FF2B5EF4-FFF2-40B4-BE49-F238E27FC236}">
+                <a16:creationId xmlns:a16="http://schemas.microsoft.com/office/drawing/2014/main" id="{187DBE70-FC72-0E2C-E4EB-7FD01D0F77A8}"/>
               </a:ext>
             </a:extLst>
           </p:cNvPr>
@@ -11689,14 +11689,112 @@
         </p:blipFill>
         <p:spPr>
           <a:xfrm>
-            <a:off x="2159563" y="1153907"/>
-            <a:ext cx="8187085" cy="4794239"/>
+            <a:off x="2123568" y="1385381"/>
+            <a:ext cx="7439025" cy="4191000"/>
           </a:xfrm>
           <a:prstGeom prst="rect">
             <a:avLst/>
           </a:prstGeom>
         </p:spPr>
       </p:pic>
+      <p:grpSp>
+        <p:nvGrpSpPr>
+          <p:cNvPr id="18" name="Groupe 17">
+            <a:extLst>
+              <a:ext uri="{FF2B5EF4-FFF2-40B4-BE49-F238E27FC236}">
+                <a16:creationId xmlns:a16="http://schemas.microsoft.com/office/drawing/2014/main" id="{CC3561CC-E4C7-A347-B459-EF659B93F8C5}"/>
+              </a:ext>
+            </a:extLst>
+          </p:cNvPr>
+          <p:cNvGrpSpPr/>
+          <p:nvPr/>
+        </p:nvGrpSpPr>
+        <p:grpSpPr>
+          <a:xfrm>
+            <a:off x="1467788" y="2927646"/>
+            <a:ext cx="2203241" cy="2134716"/>
+            <a:chOff x="1467788" y="2927646"/>
+            <a:chExt cx="2203241" cy="2134716"/>
+          </a:xfrm>
+        </p:grpSpPr>
+        <p:cxnSp>
+          <p:nvCxnSpPr>
+            <p:cNvPr id="13" name="Connecteur droit avec flèche 12">
+              <a:extLst>
+                <a:ext uri="{FF2B5EF4-FFF2-40B4-BE49-F238E27FC236}">
+                  <a16:creationId xmlns:a16="http://schemas.microsoft.com/office/drawing/2014/main" id="{42608F91-E209-10A0-E173-821524F3AAFF}"/>
+                </a:ext>
+              </a:extLst>
+            </p:cNvPr>
+            <p:cNvCxnSpPr>
+              <a:cxnSpLocks/>
+            </p:cNvCxnSpPr>
+            <p:nvPr/>
+          </p:nvCxnSpPr>
+          <p:spPr>
+            <a:xfrm flipH="1">
+              <a:off x="1887293" y="2927646"/>
+              <a:ext cx="1783736" cy="1411223"/>
+            </a:xfrm>
+            <a:prstGeom prst="straightConnector1">
+              <a:avLst/>
+            </a:prstGeom>
+            <a:ln w="19050" cap="flat" cmpd="sng" algn="ctr">
+              <a:solidFill>
+                <a:schemeClr val="accent5"/>
+              </a:solidFill>
+              <a:prstDash val="sysDash"/>
+              <a:round/>
+              <a:headEnd type="none" w="med" len="med"/>
+              <a:tailEnd type="arrow" w="med" len="med"/>
+            </a:ln>
+          </p:spPr>
+          <p:style>
+            <a:lnRef idx="0">
+              <a:scrgbClr r="0" g="0" b="0"/>
+            </a:lnRef>
+            <a:fillRef idx="0">
+              <a:scrgbClr r="0" g="0" b="0"/>
+            </a:fillRef>
+            <a:effectRef idx="0">
+              <a:scrgbClr r="0" g="0" b="0"/>
+            </a:effectRef>
+            <a:fontRef idx="minor">
+              <a:schemeClr val="tx1"/>
+            </a:fontRef>
+          </p:style>
+        </p:cxnSp>
+        <p:pic>
+          <p:nvPicPr>
+            <p:cNvPr id="17" name="Image 16">
+              <a:extLst>
+                <a:ext uri="{FF2B5EF4-FFF2-40B4-BE49-F238E27FC236}">
+                  <a16:creationId xmlns:a16="http://schemas.microsoft.com/office/drawing/2014/main" id="{3409A220-F20F-0577-B9D2-654AB41AF433}"/>
+                </a:ext>
+              </a:extLst>
+            </p:cNvPr>
+            <p:cNvPicPr>
+              <a:picLocks noChangeAspect="1"/>
+            </p:cNvPicPr>
+            <p:nvPr/>
+          </p:nvPicPr>
+          <p:blipFill>
+            <a:blip r:embed="rId3"/>
+            <a:stretch>
+              <a:fillRect/>
+            </a:stretch>
+          </p:blipFill>
+          <p:spPr>
+            <a:xfrm>
+              <a:off x="1467788" y="4395612"/>
+              <a:ext cx="800100" cy="666750"/>
+            </a:xfrm>
+            <a:prstGeom prst="rect">
+              <a:avLst/>
+            </a:prstGeom>
+          </p:spPr>
+        </p:pic>
+      </p:grpSp>
       <p:sp>
         <p:nvSpPr>
           <p:cNvPr id="2" name="Titre 1">
@@ -11749,108 +11847,12 @@
           </a:p>
         </p:txBody>
       </p:sp>
-      <p:grpSp>
-        <p:nvGrpSpPr>
-          <p:cNvPr id="16" name="Groupe 15">
-            <a:extLst>
-              <a:ext uri="{FF2B5EF4-FFF2-40B4-BE49-F238E27FC236}">
-                <a16:creationId xmlns:a16="http://schemas.microsoft.com/office/drawing/2014/main" id="{607C8BB4-138E-9990-CABA-B71E5EB8F160}"/>
-              </a:ext>
-            </a:extLst>
-          </p:cNvPr>
-          <p:cNvGrpSpPr/>
-          <p:nvPr/>
-        </p:nvGrpSpPr>
-        <p:grpSpPr>
-          <a:xfrm>
-            <a:off x="1200642" y="2957143"/>
-            <a:ext cx="2505782" cy="1839848"/>
-            <a:chOff x="1196206" y="2938509"/>
-            <a:chExt cx="2505782" cy="1839848"/>
-          </a:xfrm>
-        </p:grpSpPr>
-        <p:pic>
-          <p:nvPicPr>
-            <p:cNvPr id="11" name="Image 10">
-              <a:extLst>
-                <a:ext uri="{FF2B5EF4-FFF2-40B4-BE49-F238E27FC236}">
-                  <a16:creationId xmlns:a16="http://schemas.microsoft.com/office/drawing/2014/main" id="{AE104945-B4BA-22D4-EC57-EDAFF2008546}"/>
-                </a:ext>
-              </a:extLst>
-            </p:cNvPr>
-            <p:cNvPicPr>
-              <a:picLocks noChangeAspect="1"/>
-            </p:cNvPicPr>
-            <p:nvPr/>
-          </p:nvPicPr>
-          <p:blipFill>
-            <a:blip r:embed="rId3"/>
-            <a:stretch>
-              <a:fillRect/>
-            </a:stretch>
-          </p:blipFill>
-          <p:spPr>
-            <a:xfrm>
-              <a:off x="1196206" y="4387832"/>
-              <a:ext cx="809625" cy="390525"/>
-            </a:xfrm>
-            <a:prstGeom prst="rect">
-              <a:avLst/>
-            </a:prstGeom>
-          </p:spPr>
-        </p:pic>
-        <p:cxnSp>
-          <p:nvCxnSpPr>
-            <p:cNvPr id="13" name="Connecteur droit avec flèche 12">
-              <a:extLst>
-                <a:ext uri="{FF2B5EF4-FFF2-40B4-BE49-F238E27FC236}">
-                  <a16:creationId xmlns:a16="http://schemas.microsoft.com/office/drawing/2014/main" id="{42608F91-E209-10A0-E173-821524F3AAFF}"/>
-                </a:ext>
-              </a:extLst>
-            </p:cNvPr>
-            <p:cNvCxnSpPr>
-              <a:cxnSpLocks/>
-            </p:cNvCxnSpPr>
-            <p:nvPr/>
-          </p:nvCxnSpPr>
-          <p:spPr>
-            <a:xfrm flipH="1">
-              <a:off x="1918252" y="2938509"/>
-              <a:ext cx="1783736" cy="1411223"/>
-            </a:xfrm>
-            <a:prstGeom prst="straightConnector1">
-              <a:avLst/>
-            </a:prstGeom>
-            <a:ln w="19050">
-              <a:solidFill>
-                <a:schemeClr val="tx1"/>
-              </a:solidFill>
-              <a:prstDash val="sysDash"/>
-              <a:tailEnd type="triangle"/>
-            </a:ln>
-          </p:spPr>
-          <p:style>
-            <a:lnRef idx="1">
-              <a:schemeClr val="accent1"/>
-            </a:lnRef>
-            <a:fillRef idx="0">
-              <a:schemeClr val="accent1"/>
-            </a:fillRef>
-            <a:effectRef idx="0">
-              <a:schemeClr val="accent1"/>
-            </a:effectRef>
-            <a:fontRef idx="minor">
-              <a:schemeClr val="tx1"/>
-            </a:fontRef>
-          </p:style>
-        </p:cxnSp>
-      </p:grpSp>
       <p:pic>
         <p:nvPicPr>
-          <p:cNvPr id="5" name="Image 4">
-            <a:extLst>
-              <a:ext uri="{FF2B5EF4-FFF2-40B4-BE49-F238E27FC236}">
-                <a16:creationId xmlns:a16="http://schemas.microsoft.com/office/drawing/2014/main" id="{88A1A31A-4E65-EB9D-625F-452E9181ED8B}"/>
+          <p:cNvPr id="10" name="Image 9">
+            <a:extLst>
+              <a:ext uri="{FF2B5EF4-FFF2-40B4-BE49-F238E27FC236}">
+                <a16:creationId xmlns:a16="http://schemas.microsoft.com/office/drawing/2014/main" id="{F6416919-6B7B-FA36-6058-DBE3E048D2BB}"/>
               </a:ext>
             </a:extLst>
           </p:cNvPr>
@@ -11867,8 +11869,8 @@
         </p:blipFill>
         <p:spPr>
           <a:xfrm>
-            <a:off x="1200642" y="4368781"/>
-            <a:ext cx="2133600" cy="428625"/>
+            <a:off x="1448333" y="4387397"/>
+            <a:ext cx="2143125" cy="695325"/>
           </a:xfrm>
           <a:prstGeom prst="rect">
             <a:avLst/>
@@ -11877,10 +11879,10 @@
       </p:pic>
       <p:pic>
         <p:nvPicPr>
-          <p:cNvPr id="18" name="Image 17">
-            <a:extLst>
-              <a:ext uri="{FF2B5EF4-FFF2-40B4-BE49-F238E27FC236}">
-                <a16:creationId xmlns:a16="http://schemas.microsoft.com/office/drawing/2014/main" id="{BBC595E1-AA64-C56C-F5E5-6254D6086C4D}"/>
+          <p:cNvPr id="22" name="Image 21">
+            <a:extLst>
+              <a:ext uri="{FF2B5EF4-FFF2-40B4-BE49-F238E27FC236}">
+                <a16:creationId xmlns:a16="http://schemas.microsoft.com/office/drawing/2014/main" id="{7DFC5104-42A8-6C93-E9F5-DCB97CA410D6}"/>
               </a:ext>
             </a:extLst>
           </p:cNvPr>
@@ -11897,8 +11899,8 @@
         </p:blipFill>
         <p:spPr>
           <a:xfrm>
-            <a:off x="1206465" y="4387416"/>
-            <a:ext cx="2124075" cy="409575"/>
+            <a:off x="1446180" y="4375150"/>
+            <a:ext cx="2152650" cy="704850"/>
           </a:xfrm>
           <a:prstGeom prst="rect">
             <a:avLst/>
@@ -11952,7 +11954,7 @@
                                           </p:stCondLst>
                                         </p:cTn>
                                         <p:tgtEl>
-                                          <p:spTgt spid="16"/>
+                                          <p:spTgt spid="18"/>
                                         </p:tgtEl>
                                         <p:attrNameLst>
                                           <p:attrName>style.visibility</p:attrName>
@@ -11997,7 +11999,7 @@
                                           </p:stCondLst>
                                         </p:cTn>
                                         <p:tgtEl>
-                                          <p:spTgt spid="5"/>
+                                          <p:spTgt spid="10"/>
                                         </p:tgtEl>
                                         <p:attrNameLst>
                                           <p:attrName>style.visibility</p:attrName>
@@ -12042,7 +12044,7 @@
                                           </p:stCondLst>
                                         </p:cTn>
                                         <p:tgtEl>
-                                          <p:spTgt spid="18"/>
+                                          <p:spTgt spid="22"/>
                                         </p:tgtEl>
                                         <p:attrNameLst>
                                           <p:attrName>style.visibility</p:attrName>

--- a/doc/présentation V3.pptx
+++ b/doc/présentation V3.pptx
@@ -286,7 +286,7 @@
           <a:p>
             <a:fld id="{AA70F276-1833-4A75-9C1D-A56E2295A68D}" type="datetimeFigureOut">
               <a:rPr lang="en-US" smtClean="0"/>
-              <a:t>11/8/2022</a:t>
+              <a:t>11/9/2022</a:t>
             </a:fld>
             <a:endParaRPr lang="en-US"/>
           </a:p>
@@ -484,7 +484,7 @@
           <a:p>
             <a:fld id="{AA70F276-1833-4A75-9C1D-A56E2295A68D}" type="datetimeFigureOut">
               <a:rPr lang="en-US" smtClean="0"/>
-              <a:t>11/8/2022</a:t>
+              <a:t>11/9/2022</a:t>
             </a:fld>
             <a:endParaRPr lang="en-US"/>
           </a:p>
@@ -692,7 +692,7 @@
           <a:p>
             <a:fld id="{AA70F276-1833-4A75-9C1D-A56E2295A68D}" type="datetimeFigureOut">
               <a:rPr lang="en-US" smtClean="0"/>
-              <a:t>11/8/2022</a:t>
+              <a:t>11/9/2022</a:t>
             </a:fld>
             <a:endParaRPr lang="en-US"/>
           </a:p>
@@ -917,7 +917,7 @@
           <a:p>
             <a:fld id="{AA70F276-1833-4A75-9C1D-A56E2295A68D}" type="datetimeFigureOut">
               <a:rPr lang="en-US" smtClean="0"/>
-              <a:t>11/8/2022</a:t>
+              <a:t>11/9/2022</a:t>
             </a:fld>
             <a:endParaRPr lang="en-US"/>
           </a:p>
@@ -1193,7 +1193,7 @@
           <a:p>
             <a:fld id="{AA70F276-1833-4A75-9C1D-A56E2295A68D}" type="datetimeFigureOut">
               <a:rPr lang="en-US" smtClean="0"/>
-              <a:t>11/8/2022</a:t>
+              <a:t>11/9/2022</a:t>
             </a:fld>
             <a:endParaRPr lang="en-US"/>
           </a:p>
@@ -1463,7 +1463,7 @@
           <a:p>
             <a:fld id="{AA70F276-1833-4A75-9C1D-A56E2295A68D}" type="datetimeFigureOut">
               <a:rPr lang="en-US" smtClean="0"/>
-              <a:t>11/8/2022</a:t>
+              <a:t>11/9/2022</a:t>
             </a:fld>
             <a:endParaRPr lang="en-US"/>
           </a:p>
@@ -1875,7 +1875,7 @@
           <a:p>
             <a:fld id="{AA70F276-1833-4A75-9C1D-A56E2295A68D}" type="datetimeFigureOut">
               <a:rPr lang="en-US" smtClean="0"/>
-              <a:t>11/8/2022</a:t>
+              <a:t>11/9/2022</a:t>
             </a:fld>
             <a:endParaRPr lang="en-US"/>
           </a:p>
@@ -2016,7 +2016,7 @@
           <a:p>
             <a:fld id="{AA70F276-1833-4A75-9C1D-A56E2295A68D}" type="datetimeFigureOut">
               <a:rPr lang="en-US" smtClean="0"/>
-              <a:t>11/8/2022</a:t>
+              <a:t>11/9/2022</a:t>
             </a:fld>
             <a:endParaRPr lang="en-US"/>
           </a:p>
@@ -2129,7 +2129,7 @@
           <a:p>
             <a:fld id="{AA70F276-1833-4A75-9C1D-A56E2295A68D}" type="datetimeFigureOut">
               <a:rPr lang="en-US" smtClean="0"/>
-              <a:t>11/8/2022</a:t>
+              <a:t>11/9/2022</a:t>
             </a:fld>
             <a:endParaRPr lang="en-US"/>
           </a:p>
@@ -2440,7 +2440,7 @@
           <a:p>
             <a:fld id="{AA70F276-1833-4A75-9C1D-A56E2295A68D}" type="datetimeFigureOut">
               <a:rPr lang="en-US" smtClean="0"/>
-              <a:t>11/8/2022</a:t>
+              <a:t>11/9/2022</a:t>
             </a:fld>
             <a:endParaRPr lang="en-US"/>
           </a:p>
@@ -2731,7 +2731,7 @@
           <a:p>
             <a:fld id="{AA70F276-1833-4A75-9C1D-A56E2295A68D}" type="datetimeFigureOut">
               <a:rPr lang="en-US" smtClean="0"/>
-              <a:t>11/8/2022</a:t>
+              <a:t>11/9/2022</a:t>
             </a:fld>
             <a:endParaRPr lang="en-US"/>
           </a:p>
@@ -3039,7 +3039,7 @@
             <a:fld id="{AA70F276-1833-4A75-9C1D-A56E2295A68D}" type="datetimeFigureOut">
               <a:rPr lang="en-US" smtClean="0"/>
               <a:pPr/>
-              <a:t>11/8/2022</a:t>
+              <a:t>11/9/2022</a:t>
             </a:fld>
             <a:endParaRPr lang="en-US" dirty="0"/>
           </a:p>
@@ -7374,10 +7374,10 @@
         </p:nvGrpSpPr>
         <p:grpSpPr>
           <a:xfrm>
-            <a:off x="2679250" y="1884696"/>
-            <a:ext cx="4230950" cy="1003104"/>
+            <a:off x="2726938" y="1647729"/>
+            <a:ext cx="3891927" cy="1003104"/>
             <a:chOff x="751987" y="1588004"/>
-            <a:chExt cx="4230950" cy="1003104"/>
+            <a:chExt cx="3845332" cy="1003104"/>
           </a:xfrm>
         </p:grpSpPr>
         <p:pic>
@@ -7425,7 +7425,7 @@
           <p:spPr>
             <a:xfrm>
               <a:off x="751987" y="2078147"/>
-              <a:ext cx="4230950" cy="512961"/>
+              <a:ext cx="3577295" cy="512961"/>
             </a:xfrm>
             <a:prstGeom prst="rect">
               <a:avLst/>
@@ -7552,7 +7552,7 @@
         </p:nvSpPr>
         <p:spPr>
           <a:xfrm>
-            <a:off x="8898912" y="2681834"/>
+            <a:off x="8902695" y="2754601"/>
             <a:ext cx="674672" cy="338554"/>
           </a:xfrm>
           <a:prstGeom prst="rect">
@@ -7587,8 +7587,8 @@
         </p:nvSpPr>
         <p:spPr>
           <a:xfrm rot="333097" flipH="1">
-            <a:off x="7160676" y="1705446"/>
-            <a:ext cx="45719" cy="4324271"/>
+            <a:off x="7108577" y="2779965"/>
+            <a:ext cx="45719" cy="3247226"/>
           </a:xfrm>
           <a:prstGeom prst="flowChartInputOutput">
             <a:avLst/>
@@ -7695,6 +7695,366 @@
           </a:p>
         </p:txBody>
       </p:sp>
+      <p:pic>
+        <p:nvPicPr>
+          <p:cNvPr id="19" name="Image 18">
+            <a:extLst>
+              <a:ext uri="{FF2B5EF4-FFF2-40B4-BE49-F238E27FC236}">
+                <a16:creationId xmlns:a16="http://schemas.microsoft.com/office/drawing/2014/main" id="{54449151-0D32-88A9-33B0-27F3BF390A80}"/>
+              </a:ext>
+            </a:extLst>
+          </p:cNvPr>
+          <p:cNvPicPr>
+            <a:picLocks noChangeAspect="1"/>
+          </p:cNvPicPr>
+          <p:nvPr/>
+        </p:nvPicPr>
+        <p:blipFill>
+          <a:blip r:embed="rId9"/>
+          <a:stretch>
+            <a:fillRect/>
+          </a:stretch>
+        </p:blipFill>
+        <p:spPr>
+          <a:xfrm>
+            <a:off x="7035616" y="1610088"/>
+            <a:ext cx="360000" cy="318263"/>
+          </a:xfrm>
+          <a:prstGeom prst="rect">
+            <a:avLst/>
+          </a:prstGeom>
+        </p:spPr>
+      </p:pic>
+      <p:pic>
+        <p:nvPicPr>
+          <p:cNvPr id="22" name="Image 21">
+            <a:extLst>
+              <a:ext uri="{FF2B5EF4-FFF2-40B4-BE49-F238E27FC236}">
+                <a16:creationId xmlns:a16="http://schemas.microsoft.com/office/drawing/2014/main" id="{9644EFF5-68C5-454C-565C-1C96F0B276B3}"/>
+              </a:ext>
+            </a:extLst>
+          </p:cNvPr>
+          <p:cNvPicPr>
+            <a:picLocks noChangeAspect="1"/>
+          </p:cNvPicPr>
+          <p:nvPr/>
+        </p:nvPicPr>
+        <p:blipFill>
+          <a:blip r:embed="rId10"/>
+          <a:stretch>
+            <a:fillRect/>
+          </a:stretch>
+        </p:blipFill>
+        <p:spPr>
+          <a:xfrm>
+            <a:off x="9921950" y="2120953"/>
+            <a:ext cx="360000" cy="357163"/>
+          </a:xfrm>
+          <a:prstGeom prst="rect">
+            <a:avLst/>
+          </a:prstGeom>
+        </p:spPr>
+      </p:pic>
+      <p:pic>
+        <p:nvPicPr>
+          <p:cNvPr id="24" name="Image 23">
+            <a:extLst>
+              <a:ext uri="{FF2B5EF4-FFF2-40B4-BE49-F238E27FC236}">
+                <a16:creationId xmlns:a16="http://schemas.microsoft.com/office/drawing/2014/main" id="{D0451CF5-31B7-0364-0A86-1680EC2DDD4C}"/>
+              </a:ext>
+            </a:extLst>
+          </p:cNvPr>
+          <p:cNvPicPr>
+            <a:picLocks noChangeAspect="1"/>
+          </p:cNvPicPr>
+          <p:nvPr/>
+        </p:nvPicPr>
+        <p:blipFill>
+          <a:blip r:embed="rId11"/>
+          <a:stretch>
+            <a:fillRect/>
+          </a:stretch>
+        </p:blipFill>
+        <p:spPr>
+          <a:xfrm>
+            <a:off x="8860086" y="2042381"/>
+            <a:ext cx="360000" cy="357212"/>
+          </a:xfrm>
+          <a:prstGeom prst="rect">
+            <a:avLst/>
+          </a:prstGeom>
+        </p:spPr>
+      </p:pic>
+      <p:pic>
+        <p:nvPicPr>
+          <p:cNvPr id="26" name="Image 25">
+            <a:extLst>
+              <a:ext uri="{FF2B5EF4-FFF2-40B4-BE49-F238E27FC236}">
+                <a16:creationId xmlns:a16="http://schemas.microsoft.com/office/drawing/2014/main" id="{5733F2C4-2831-5B08-EB23-A5D6DEE8F730}"/>
+              </a:ext>
+            </a:extLst>
+          </p:cNvPr>
+          <p:cNvPicPr>
+            <a:picLocks noChangeAspect="1"/>
+          </p:cNvPicPr>
+          <p:nvPr/>
+        </p:nvPicPr>
+        <p:blipFill>
+          <a:blip r:embed="rId12"/>
+          <a:stretch>
+            <a:fillRect/>
+          </a:stretch>
+        </p:blipFill>
+        <p:spPr>
+          <a:xfrm>
+            <a:off x="10239275" y="1479948"/>
+            <a:ext cx="360000" cy="352800"/>
+          </a:xfrm>
+          <a:prstGeom prst="rect">
+            <a:avLst/>
+          </a:prstGeom>
+        </p:spPr>
+      </p:pic>
+      <p:pic>
+        <p:nvPicPr>
+          <p:cNvPr id="28" name="Image 27">
+            <a:extLst>
+              <a:ext uri="{FF2B5EF4-FFF2-40B4-BE49-F238E27FC236}">
+                <a16:creationId xmlns:a16="http://schemas.microsoft.com/office/drawing/2014/main" id="{E87398E1-C49E-D047-50E9-CD485F67A245}"/>
+              </a:ext>
+            </a:extLst>
+          </p:cNvPr>
+          <p:cNvPicPr>
+            <a:picLocks noChangeAspect="1"/>
+          </p:cNvPicPr>
+          <p:nvPr/>
+        </p:nvPicPr>
+        <p:blipFill>
+          <a:blip r:embed="rId13"/>
+          <a:stretch>
+            <a:fillRect/>
+          </a:stretch>
+        </p:blipFill>
+        <p:spPr>
+          <a:xfrm>
+            <a:off x="8174731" y="2084455"/>
+            <a:ext cx="360000" cy="354286"/>
+          </a:xfrm>
+          <a:prstGeom prst="rect">
+            <a:avLst/>
+          </a:prstGeom>
+        </p:spPr>
+      </p:pic>
+      <p:pic>
+        <p:nvPicPr>
+          <p:cNvPr id="32" name="Image 31">
+            <a:extLst>
+              <a:ext uri="{FF2B5EF4-FFF2-40B4-BE49-F238E27FC236}">
+                <a16:creationId xmlns:a16="http://schemas.microsoft.com/office/drawing/2014/main" id="{B0DB5D6D-F01F-BFDC-CE99-69096443F866}"/>
+              </a:ext>
+            </a:extLst>
+          </p:cNvPr>
+          <p:cNvPicPr>
+            <a:picLocks noChangeAspect="1"/>
+          </p:cNvPicPr>
+          <p:nvPr/>
+        </p:nvPicPr>
+        <p:blipFill>
+          <a:blip r:embed="rId14"/>
+          <a:stretch>
+            <a:fillRect/>
+          </a:stretch>
+        </p:blipFill>
+        <p:spPr>
+          <a:xfrm>
+            <a:off x="7709016" y="1531460"/>
+            <a:ext cx="360000" cy="360000"/>
+          </a:xfrm>
+          <a:prstGeom prst="rect">
+            <a:avLst/>
+          </a:prstGeom>
+        </p:spPr>
+      </p:pic>
+      <p:pic>
+        <p:nvPicPr>
+          <p:cNvPr id="34" name="Image 33">
+            <a:extLst>
+              <a:ext uri="{FF2B5EF4-FFF2-40B4-BE49-F238E27FC236}">
+                <a16:creationId xmlns:a16="http://schemas.microsoft.com/office/drawing/2014/main" id="{CC5C5637-D954-A880-067C-6D32CE7E8E14}"/>
+              </a:ext>
+            </a:extLst>
+          </p:cNvPr>
+          <p:cNvPicPr>
+            <a:picLocks noChangeAspect="1"/>
+          </p:cNvPicPr>
+          <p:nvPr/>
+        </p:nvPicPr>
+        <p:blipFill>
+          <a:blip r:embed="rId15"/>
+          <a:stretch>
+            <a:fillRect/>
+          </a:stretch>
+        </p:blipFill>
+        <p:spPr>
+          <a:xfrm>
+            <a:off x="9177398" y="1418097"/>
+            <a:ext cx="360000" cy="324275"/>
+          </a:xfrm>
+          <a:prstGeom prst="rect">
+            <a:avLst/>
+          </a:prstGeom>
+        </p:spPr>
+      </p:pic>
+      <p:pic>
+        <p:nvPicPr>
+          <p:cNvPr id="36" name="Image 35">
+            <a:extLst>
+              <a:ext uri="{FF2B5EF4-FFF2-40B4-BE49-F238E27FC236}">
+                <a16:creationId xmlns:a16="http://schemas.microsoft.com/office/drawing/2014/main" id="{54B22005-D45E-AD32-BFD5-302B85DA2A74}"/>
+              </a:ext>
+            </a:extLst>
+          </p:cNvPr>
+          <p:cNvPicPr>
+            <a:picLocks noChangeAspect="1"/>
+          </p:cNvPicPr>
+          <p:nvPr/>
+        </p:nvPicPr>
+        <p:blipFill>
+          <a:blip r:embed="rId16"/>
+          <a:stretch>
+            <a:fillRect/>
+          </a:stretch>
+        </p:blipFill>
+        <p:spPr>
+          <a:xfrm>
+            <a:off x="10430105" y="1912575"/>
+            <a:ext cx="360000" cy="343759"/>
+          </a:xfrm>
+          <a:prstGeom prst="rect">
+            <a:avLst/>
+          </a:prstGeom>
+        </p:spPr>
+      </p:pic>
+      <p:pic>
+        <p:nvPicPr>
+          <p:cNvPr id="38" name="Image 37">
+            <a:extLst>
+              <a:ext uri="{FF2B5EF4-FFF2-40B4-BE49-F238E27FC236}">
+                <a16:creationId xmlns:a16="http://schemas.microsoft.com/office/drawing/2014/main" id="{FFCD5155-FB75-1D0A-76A3-31E9C92FF07D}"/>
+              </a:ext>
+            </a:extLst>
+          </p:cNvPr>
+          <p:cNvPicPr>
+            <a:picLocks noChangeAspect="1"/>
+          </p:cNvPicPr>
+          <p:nvPr/>
+        </p:nvPicPr>
+        <p:blipFill>
+          <a:blip r:embed="rId17"/>
+          <a:stretch>
+            <a:fillRect/>
+          </a:stretch>
+        </p:blipFill>
+        <p:spPr>
+          <a:xfrm>
+            <a:off x="9437991" y="1989925"/>
+            <a:ext cx="360000" cy="404211"/>
+          </a:xfrm>
+          <a:prstGeom prst="rect">
+            <a:avLst/>
+          </a:prstGeom>
+        </p:spPr>
+      </p:pic>
+      <p:pic>
+        <p:nvPicPr>
+          <p:cNvPr id="40" name="Image 39">
+            <a:extLst>
+              <a:ext uri="{FF2B5EF4-FFF2-40B4-BE49-F238E27FC236}">
+                <a16:creationId xmlns:a16="http://schemas.microsoft.com/office/drawing/2014/main" id="{027E0D50-B4AF-5DEC-1D41-87FD7E7AF10A}"/>
+              </a:ext>
+            </a:extLst>
+          </p:cNvPr>
+          <p:cNvPicPr>
+            <a:picLocks noChangeAspect="1"/>
+          </p:cNvPicPr>
+          <p:nvPr/>
+        </p:nvPicPr>
+        <p:blipFill>
+          <a:blip r:embed="rId18"/>
+          <a:stretch>
+            <a:fillRect/>
+          </a:stretch>
+        </p:blipFill>
+        <p:spPr>
+          <a:xfrm>
+            <a:off x="7395061" y="2056494"/>
+            <a:ext cx="360000" cy="360000"/>
+          </a:xfrm>
+          <a:prstGeom prst="rect">
+            <a:avLst/>
+          </a:prstGeom>
+        </p:spPr>
+      </p:pic>
+      <p:pic>
+        <p:nvPicPr>
+          <p:cNvPr id="42" name="Image 41">
+            <a:extLst>
+              <a:ext uri="{FF2B5EF4-FFF2-40B4-BE49-F238E27FC236}">
+                <a16:creationId xmlns:a16="http://schemas.microsoft.com/office/drawing/2014/main" id="{25740042-E070-DC48-52EE-696E6B85206C}"/>
+              </a:ext>
+            </a:extLst>
+          </p:cNvPr>
+          <p:cNvPicPr>
+            <a:picLocks noChangeAspect="1"/>
+          </p:cNvPicPr>
+          <p:nvPr/>
+        </p:nvPicPr>
+        <p:blipFill>
+          <a:blip r:embed="rId19"/>
+          <a:stretch>
+            <a:fillRect/>
+          </a:stretch>
+        </p:blipFill>
+        <p:spPr>
+          <a:xfrm>
+            <a:off x="9728241" y="1589219"/>
+            <a:ext cx="360000" cy="360000"/>
+          </a:xfrm>
+          <a:prstGeom prst="rect">
+            <a:avLst/>
+          </a:prstGeom>
+        </p:spPr>
+      </p:pic>
+      <p:pic>
+        <p:nvPicPr>
+          <p:cNvPr id="44" name="Image 43">
+            <a:extLst>
+              <a:ext uri="{FF2B5EF4-FFF2-40B4-BE49-F238E27FC236}">
+                <a16:creationId xmlns:a16="http://schemas.microsoft.com/office/drawing/2014/main" id="{B2297728-11B8-8CF4-E843-9DAAE6A304BF}"/>
+              </a:ext>
+            </a:extLst>
+          </p:cNvPr>
+          <p:cNvPicPr>
+            <a:picLocks noChangeAspect="1"/>
+          </p:cNvPicPr>
+          <p:nvPr/>
+        </p:nvPicPr>
+        <p:blipFill>
+          <a:blip r:embed="rId20"/>
+          <a:stretch>
+            <a:fillRect/>
+          </a:stretch>
+        </p:blipFill>
+        <p:spPr>
+          <a:xfrm>
+            <a:off x="8503998" y="1559378"/>
+            <a:ext cx="327938" cy="333102"/>
+          </a:xfrm>
+          <a:prstGeom prst="rect">
+            <a:avLst/>
+          </a:prstGeom>
+        </p:spPr>
+      </p:pic>
     </p:spTree>
     <p:extLst>
       <p:ext uri="{BB962C8B-B14F-4D97-AF65-F5344CB8AC3E}">
@@ -9456,9 +9816,9 @@
         <p:grpSpPr>
           <a:xfrm>
             <a:off x="7677632" y="3192877"/>
-            <a:ext cx="2585164" cy="1225749"/>
+            <a:ext cx="2859738" cy="1280549"/>
             <a:chOff x="7677632" y="3192877"/>
-            <a:chExt cx="2585164" cy="1225749"/>
+            <a:chExt cx="2859738" cy="1280549"/>
           </a:xfrm>
         </p:grpSpPr>
         <p:sp>
@@ -9475,8 +9835,8 @@
           </p:nvSpPr>
           <p:spPr>
             <a:xfrm>
-              <a:off x="7891436" y="3273097"/>
-              <a:ext cx="2371360" cy="1015663"/>
+              <a:off x="7891435" y="3273097"/>
+              <a:ext cx="2645935" cy="1200329"/>
             </a:xfrm>
             <a:prstGeom prst="rect">
               <a:avLst/>
@@ -9492,6 +9852,12 @@
               <a:r>
                 <a:rPr lang="fr-FR" sz="1200" dirty="0"/>
                 <a:t>    Suivi des incidents</a:t>
+              </a:r>
+            </a:p>
+            <a:p>
+              <a:r>
+                <a:rPr lang="fr-FR" sz="1200" dirty="0"/>
+                <a:t>   Gestion du mot de passe</a:t>
               </a:r>
             </a:p>
             <a:p>
@@ -9575,10 +9941,10 @@
         </p:nvGrpSpPr>
         <p:grpSpPr>
           <a:xfrm>
-            <a:off x="7677631" y="4479345"/>
-            <a:ext cx="3037717" cy="1445244"/>
+            <a:off x="7695543" y="4574871"/>
+            <a:ext cx="3037717" cy="1260578"/>
             <a:chOff x="1351551" y="4513705"/>
-            <a:chExt cx="3037717" cy="1445244"/>
+            <a:chExt cx="3037717" cy="1260578"/>
           </a:xfrm>
         </p:grpSpPr>
         <p:sp>
@@ -9596,7 +9962,7 @@
           <p:spPr>
             <a:xfrm>
               <a:off x="1565355" y="4573954"/>
-              <a:ext cx="2823913" cy="1384995"/>
+              <a:ext cx="2823913" cy="1200329"/>
             </a:xfrm>
             <a:prstGeom prst="rect">
               <a:avLst/>
@@ -9624,12 +9990,6 @@
               <a:r>
                 <a:rPr lang="fr-FR" sz="1200" dirty="0"/>
                 <a:t>        Types d’incidents</a:t>
-              </a:r>
-            </a:p>
-            <a:p>
-              <a:r>
-                <a:rPr lang="fr-FR" sz="1200" dirty="0"/>
-                <a:t>    Contrôle d’expiration mot de passe</a:t>
               </a:r>
             </a:p>
             <a:p>
@@ -11697,12 +12057,64 @@
           </a:prstGeom>
         </p:spPr>
       </p:pic>
+      <p:sp>
+        <p:nvSpPr>
+          <p:cNvPr id="2" name="Titre 1">
+            <a:extLst>
+              <a:ext uri="{FF2B5EF4-FFF2-40B4-BE49-F238E27FC236}">
+                <a16:creationId xmlns:a16="http://schemas.microsoft.com/office/drawing/2014/main" id="{099E2E77-954A-DD7C-99BF-B9521D1A2115}"/>
+              </a:ext>
+            </a:extLst>
+          </p:cNvPr>
+          <p:cNvSpPr>
+            <a:spLocks noGrp="1"/>
+          </p:cNvSpPr>
+          <p:nvPr>
+            <p:ph type="title"/>
+          </p:nvPr>
+        </p:nvSpPr>
+        <p:spPr>
+          <a:xfrm>
+            <a:off x="904875" y="909854"/>
+            <a:ext cx="3748148" cy="699027"/>
+          </a:xfrm>
+        </p:spPr>
+        <p:txBody>
+          <a:bodyPr vert="horz" lIns="91440" tIns="45720" rIns="91440" bIns="45720" rtlCol="0" anchor="b">
+            <a:normAutofit/>
+          </a:bodyPr>
+          <a:lstStyle/>
+          <a:p>
+            <a:r>
+              <a:rPr lang="en-US" sz="4000" dirty="0">
+                <a:gradFill flip="none" rotWithShape="1">
+                  <a:gsLst>
+                    <a:gs pos="0">
+                      <a:schemeClr val="accent5">
+                        <a:alpha val="70000"/>
+                      </a:schemeClr>
+                    </a:gs>
+                    <a:gs pos="100000">
+                      <a:schemeClr val="accent1">
+                        <a:alpha val="70000"/>
+                      </a:schemeClr>
+                    </a:gs>
+                  </a:gsLst>
+                  <a:lin ang="0" scaled="1"/>
+                  <a:tileRect/>
+                </a:gradFill>
+              </a:rPr>
+              <a:t>Focus front end</a:t>
+            </a:r>
+          </a:p>
+        </p:txBody>
+      </p:sp>
       <p:grpSp>
         <p:nvGrpSpPr>
-          <p:cNvPr id="18" name="Groupe 17">
-            <a:extLst>
-              <a:ext uri="{FF2B5EF4-FFF2-40B4-BE49-F238E27FC236}">
-                <a16:creationId xmlns:a16="http://schemas.microsoft.com/office/drawing/2014/main" id="{CC3561CC-E4C7-A347-B459-EF659B93F8C5}"/>
+          <p:cNvPr id="15" name="Groupe 14">
+            <a:extLst>
+              <a:ext uri="{FF2B5EF4-FFF2-40B4-BE49-F238E27FC236}">
+                <a16:creationId xmlns:a16="http://schemas.microsoft.com/office/drawing/2014/main" id="{04A5A75F-1031-ABA7-EB27-BAC7F79ED41D}"/>
               </a:ext>
             </a:extLst>
           </p:cNvPr>
@@ -11711,12 +12123,42 @@
         </p:nvGrpSpPr>
         <p:grpSpPr>
           <a:xfrm>
-            <a:off x="1467788" y="2927646"/>
-            <a:ext cx="2203241" cy="2134716"/>
-            <a:chOff x="1467788" y="2927646"/>
-            <a:chExt cx="2203241" cy="2134716"/>
+            <a:off x="1426399" y="3048953"/>
+            <a:ext cx="2126280" cy="2302614"/>
+            <a:chOff x="1426399" y="3048953"/>
+            <a:chExt cx="2126280" cy="2302614"/>
           </a:xfrm>
         </p:grpSpPr>
+        <p:pic>
+          <p:nvPicPr>
+            <p:cNvPr id="14" name="Image 13">
+              <a:extLst>
+                <a:ext uri="{FF2B5EF4-FFF2-40B4-BE49-F238E27FC236}">
+                  <a16:creationId xmlns:a16="http://schemas.microsoft.com/office/drawing/2014/main" id="{CFDC3C9B-3D34-E01E-02E5-8F29C011C822}"/>
+                </a:ext>
+              </a:extLst>
+            </p:cNvPr>
+            <p:cNvPicPr>
+              <a:picLocks noChangeAspect="1"/>
+            </p:cNvPicPr>
+            <p:nvPr/>
+          </p:nvPicPr>
+          <p:blipFill>
+            <a:blip r:embed="rId3"/>
+            <a:stretch>
+              <a:fillRect/>
+            </a:stretch>
+          </p:blipFill>
+          <p:spPr>
+            <a:xfrm>
+              <a:off x="1426399" y="4151417"/>
+              <a:ext cx="1028700" cy="1200150"/>
+            </a:xfrm>
+            <a:prstGeom prst="rect">
+              <a:avLst/>
+            </a:prstGeom>
+          </p:spPr>
+        </p:pic>
         <p:cxnSp>
           <p:nvCxnSpPr>
             <p:cNvPr id="13" name="Connecteur droit avec flèche 12">
@@ -11733,8 +12175,8 @@
           </p:nvCxnSpPr>
           <p:spPr>
             <a:xfrm flipH="1">
-              <a:off x="1887293" y="2927646"/>
-              <a:ext cx="1783736" cy="1411223"/>
+              <a:off x="2005218" y="3048953"/>
+              <a:ext cx="1547461" cy="1087356"/>
             </a:xfrm>
             <a:prstGeom prst="straightConnector1">
               <a:avLst/>
@@ -11764,95 +12206,13 @@
             </a:fontRef>
           </p:style>
         </p:cxnSp>
-        <p:pic>
-          <p:nvPicPr>
-            <p:cNvPr id="17" name="Image 16">
-              <a:extLst>
-                <a:ext uri="{FF2B5EF4-FFF2-40B4-BE49-F238E27FC236}">
-                  <a16:creationId xmlns:a16="http://schemas.microsoft.com/office/drawing/2014/main" id="{3409A220-F20F-0577-B9D2-654AB41AF433}"/>
-                </a:ext>
-              </a:extLst>
-            </p:cNvPr>
-            <p:cNvPicPr>
-              <a:picLocks noChangeAspect="1"/>
-            </p:cNvPicPr>
-            <p:nvPr/>
-          </p:nvPicPr>
-          <p:blipFill>
-            <a:blip r:embed="rId3"/>
-            <a:stretch>
-              <a:fillRect/>
-            </a:stretch>
-          </p:blipFill>
-          <p:spPr>
-            <a:xfrm>
-              <a:off x="1467788" y="4395612"/>
-              <a:ext cx="800100" cy="666750"/>
-            </a:xfrm>
-            <a:prstGeom prst="rect">
-              <a:avLst/>
-            </a:prstGeom>
-          </p:spPr>
-        </p:pic>
       </p:grpSp>
-      <p:sp>
-        <p:nvSpPr>
-          <p:cNvPr id="2" name="Titre 1">
-            <a:extLst>
-              <a:ext uri="{FF2B5EF4-FFF2-40B4-BE49-F238E27FC236}">
-                <a16:creationId xmlns:a16="http://schemas.microsoft.com/office/drawing/2014/main" id="{099E2E77-954A-DD7C-99BF-B9521D1A2115}"/>
-              </a:ext>
-            </a:extLst>
-          </p:cNvPr>
-          <p:cNvSpPr>
-            <a:spLocks noGrp="1"/>
-          </p:cNvSpPr>
-          <p:nvPr>
-            <p:ph type="title"/>
-          </p:nvPr>
-        </p:nvSpPr>
-        <p:spPr>
-          <a:xfrm>
-            <a:off x="904875" y="909854"/>
-            <a:ext cx="3748148" cy="699027"/>
-          </a:xfrm>
-        </p:spPr>
-        <p:txBody>
-          <a:bodyPr vert="horz" lIns="91440" tIns="45720" rIns="91440" bIns="45720" rtlCol="0" anchor="b">
-            <a:normAutofit/>
-          </a:bodyPr>
-          <a:lstStyle/>
-          <a:p>
-            <a:r>
-              <a:rPr lang="en-US" sz="4000" dirty="0">
-                <a:gradFill flip="none" rotWithShape="1">
-                  <a:gsLst>
-                    <a:gs pos="0">
-                      <a:schemeClr val="accent5">
-                        <a:alpha val="70000"/>
-                      </a:schemeClr>
-                    </a:gs>
-                    <a:gs pos="100000">
-                      <a:schemeClr val="accent1">
-                        <a:alpha val="70000"/>
-                      </a:schemeClr>
-                    </a:gs>
-                  </a:gsLst>
-                  <a:lin ang="0" scaled="1"/>
-                  <a:tileRect/>
-                </a:gradFill>
-              </a:rPr>
-              <a:t>Focus front end</a:t>
-            </a:r>
-          </a:p>
-        </p:txBody>
-      </p:sp>
       <p:pic>
         <p:nvPicPr>
-          <p:cNvPr id="10" name="Image 9">
-            <a:extLst>
-              <a:ext uri="{FF2B5EF4-FFF2-40B4-BE49-F238E27FC236}">
-                <a16:creationId xmlns:a16="http://schemas.microsoft.com/office/drawing/2014/main" id="{F6416919-6B7B-FA36-6058-DBE3E048D2BB}"/>
+          <p:cNvPr id="4" name="Image 3">
+            <a:extLst>
+              <a:ext uri="{FF2B5EF4-FFF2-40B4-BE49-F238E27FC236}">
+                <a16:creationId xmlns:a16="http://schemas.microsoft.com/office/drawing/2014/main" id="{E96849FA-B3C0-3035-262D-41525D1A9B2C}"/>
               </a:ext>
             </a:extLst>
           </p:cNvPr>
@@ -11869,8 +12229,8 @@
         </p:blipFill>
         <p:spPr>
           <a:xfrm>
-            <a:off x="1448333" y="4387397"/>
-            <a:ext cx="2143125" cy="695325"/>
+            <a:off x="1418128" y="4170565"/>
+            <a:ext cx="2705100" cy="1171575"/>
           </a:xfrm>
           <a:prstGeom prst="rect">
             <a:avLst/>
@@ -11879,10 +12239,10 @@
       </p:pic>
       <p:pic>
         <p:nvPicPr>
-          <p:cNvPr id="22" name="Image 21">
-            <a:extLst>
-              <a:ext uri="{FF2B5EF4-FFF2-40B4-BE49-F238E27FC236}">
-                <a16:creationId xmlns:a16="http://schemas.microsoft.com/office/drawing/2014/main" id="{7DFC5104-42A8-6C93-E9F5-DCB97CA410D6}"/>
+          <p:cNvPr id="11" name="Image 10">
+            <a:extLst>
+              <a:ext uri="{FF2B5EF4-FFF2-40B4-BE49-F238E27FC236}">
+                <a16:creationId xmlns:a16="http://schemas.microsoft.com/office/drawing/2014/main" id="{9E470C15-FE6B-B290-F1A5-57DAABD25B95}"/>
               </a:ext>
             </a:extLst>
           </p:cNvPr>
@@ -11899,8 +12259,8 @@
         </p:blipFill>
         <p:spPr>
           <a:xfrm>
-            <a:off x="1446180" y="4375150"/>
-            <a:ext cx="2152650" cy="704850"/>
+            <a:off x="1433075" y="4174017"/>
+            <a:ext cx="2676525" cy="1162050"/>
           </a:xfrm>
           <a:prstGeom prst="rect">
             <a:avLst/>
@@ -11929,9 +12289,6 @@
                     <p:cTn id="3" fill="hold">
                       <p:stCondLst>
                         <p:cond delay="indefinite"/>
-                        <p:cond evt="onBegin" delay="0">
-                          <p:tn val="2"/>
-                        </p:cond>
                       </p:stCondLst>
                       <p:childTnLst>
                         <p:par>
@@ -11941,7 +12298,7 @@
                             </p:stCondLst>
                             <p:childTnLst>
                               <p:par>
-                                <p:cTn id="5" presetID="1" presetClass="entr" presetSubtype="0" fill="hold" nodeType="withEffect">
+                                <p:cTn id="5" presetID="1" presetClass="entr" presetSubtype="0" fill="hold" nodeType="clickEffect">
                                   <p:stCondLst>
                                     <p:cond delay="0"/>
                                   </p:stCondLst>
@@ -11954,7 +12311,7 @@
                                           </p:stCondLst>
                                         </p:cTn>
                                         <p:tgtEl>
-                                          <p:spTgt spid="18"/>
+                                          <p:spTgt spid="15"/>
                                         </p:tgtEl>
                                         <p:attrNameLst>
                                           <p:attrName>style.visibility</p:attrName>
@@ -11999,7 +12356,7 @@
                                           </p:stCondLst>
                                         </p:cTn>
                                         <p:tgtEl>
-                                          <p:spTgt spid="10"/>
+                                          <p:spTgt spid="4"/>
                                         </p:tgtEl>
                                         <p:attrNameLst>
                                           <p:attrName>style.visibility</p:attrName>
@@ -12044,7 +12401,7 @@
                                           </p:stCondLst>
                                         </p:cTn>
                                         <p:tgtEl>
-                                          <p:spTgt spid="22"/>
+                                          <p:spTgt spid="11"/>
                                         </p:tgtEl>
                                         <p:attrNameLst>
                                           <p:attrName>style.visibility</p:attrName>

--- a/doc/présentation V3.pptx
+++ b/doc/présentation V3.pptx
@@ -286,7 +286,7 @@
           <a:p>
             <a:fld id="{AA70F276-1833-4A75-9C1D-A56E2295A68D}" type="datetimeFigureOut">
               <a:rPr lang="en-US" smtClean="0"/>
-              <a:t>11/9/2022</a:t>
+              <a:t>11/18/2022</a:t>
             </a:fld>
             <a:endParaRPr lang="en-US"/>
           </a:p>
@@ -484,7 +484,7 @@
           <a:p>
             <a:fld id="{AA70F276-1833-4A75-9C1D-A56E2295A68D}" type="datetimeFigureOut">
               <a:rPr lang="en-US" smtClean="0"/>
-              <a:t>11/9/2022</a:t>
+              <a:t>11/18/2022</a:t>
             </a:fld>
             <a:endParaRPr lang="en-US"/>
           </a:p>
@@ -692,7 +692,7 @@
           <a:p>
             <a:fld id="{AA70F276-1833-4A75-9C1D-A56E2295A68D}" type="datetimeFigureOut">
               <a:rPr lang="en-US" smtClean="0"/>
-              <a:t>11/9/2022</a:t>
+              <a:t>11/18/2022</a:t>
             </a:fld>
             <a:endParaRPr lang="en-US"/>
           </a:p>
@@ -917,7 +917,7 @@
           <a:p>
             <a:fld id="{AA70F276-1833-4A75-9C1D-A56E2295A68D}" type="datetimeFigureOut">
               <a:rPr lang="en-US" smtClean="0"/>
-              <a:t>11/9/2022</a:t>
+              <a:t>11/18/2022</a:t>
             </a:fld>
             <a:endParaRPr lang="en-US"/>
           </a:p>
@@ -1193,7 +1193,7 @@
           <a:p>
             <a:fld id="{AA70F276-1833-4A75-9C1D-A56E2295A68D}" type="datetimeFigureOut">
               <a:rPr lang="en-US" smtClean="0"/>
-              <a:t>11/9/2022</a:t>
+              <a:t>11/18/2022</a:t>
             </a:fld>
             <a:endParaRPr lang="en-US"/>
           </a:p>
@@ -1463,7 +1463,7 @@
           <a:p>
             <a:fld id="{AA70F276-1833-4A75-9C1D-A56E2295A68D}" type="datetimeFigureOut">
               <a:rPr lang="en-US" smtClean="0"/>
-              <a:t>11/9/2022</a:t>
+              <a:t>11/18/2022</a:t>
             </a:fld>
             <a:endParaRPr lang="en-US"/>
           </a:p>
@@ -1875,7 +1875,7 @@
           <a:p>
             <a:fld id="{AA70F276-1833-4A75-9C1D-A56E2295A68D}" type="datetimeFigureOut">
               <a:rPr lang="en-US" smtClean="0"/>
-              <a:t>11/9/2022</a:t>
+              <a:t>11/18/2022</a:t>
             </a:fld>
             <a:endParaRPr lang="en-US"/>
           </a:p>
@@ -2016,7 +2016,7 @@
           <a:p>
             <a:fld id="{AA70F276-1833-4A75-9C1D-A56E2295A68D}" type="datetimeFigureOut">
               <a:rPr lang="en-US" smtClean="0"/>
-              <a:t>11/9/2022</a:t>
+              <a:t>11/18/2022</a:t>
             </a:fld>
             <a:endParaRPr lang="en-US"/>
           </a:p>
@@ -2129,7 +2129,7 @@
           <a:p>
             <a:fld id="{AA70F276-1833-4A75-9C1D-A56E2295A68D}" type="datetimeFigureOut">
               <a:rPr lang="en-US" smtClean="0"/>
-              <a:t>11/9/2022</a:t>
+              <a:t>11/18/2022</a:t>
             </a:fld>
             <a:endParaRPr lang="en-US"/>
           </a:p>
@@ -2440,7 +2440,7 @@
           <a:p>
             <a:fld id="{AA70F276-1833-4A75-9C1D-A56E2295A68D}" type="datetimeFigureOut">
               <a:rPr lang="en-US" smtClean="0"/>
-              <a:t>11/9/2022</a:t>
+              <a:t>11/18/2022</a:t>
             </a:fld>
             <a:endParaRPr lang="en-US"/>
           </a:p>
@@ -2731,7 +2731,7 @@
           <a:p>
             <a:fld id="{AA70F276-1833-4A75-9C1D-A56E2295A68D}" type="datetimeFigureOut">
               <a:rPr lang="en-US" smtClean="0"/>
-              <a:t>11/9/2022</a:t>
+              <a:t>11/18/2022</a:t>
             </a:fld>
             <a:endParaRPr lang="en-US"/>
           </a:p>
@@ -3039,7 +3039,7 @@
             <a:fld id="{AA70F276-1833-4A75-9C1D-A56E2295A68D}" type="datetimeFigureOut">
               <a:rPr lang="en-US" smtClean="0"/>
               <a:pPr/>
-              <a:t>11/9/2022</a:t>
+              <a:t>11/18/2022</a:t>
             </a:fld>
             <a:endParaRPr lang="en-US" dirty="0"/>
           </a:p>
@@ -9353,36 +9353,6 @@
           <a:chExt cx="0" cy="0"/>
         </a:xfrm>
       </p:grpSpPr>
-      <p:pic>
-        <p:nvPicPr>
-          <p:cNvPr id="10" name="Image 9">
-            <a:extLst>
-              <a:ext uri="{FF2B5EF4-FFF2-40B4-BE49-F238E27FC236}">
-                <a16:creationId xmlns:a16="http://schemas.microsoft.com/office/drawing/2014/main" id="{94094275-5F36-E09A-7ABC-AD1393873FFE}"/>
-              </a:ext>
-            </a:extLst>
-          </p:cNvPr>
-          <p:cNvPicPr>
-            <a:picLocks noChangeAspect="1"/>
-          </p:cNvPicPr>
-          <p:nvPr/>
-        </p:nvPicPr>
-        <p:blipFill>
-          <a:blip r:embed="rId2"/>
-          <a:stretch>
-            <a:fillRect/>
-          </a:stretch>
-        </p:blipFill>
-        <p:spPr>
-          <a:xfrm>
-            <a:off x="2409865" y="1551381"/>
-            <a:ext cx="695325" cy="1238250"/>
-          </a:xfrm>
-          <a:prstGeom prst="rect">
-            <a:avLst/>
-          </a:prstGeom>
-        </p:spPr>
-      </p:pic>
       <p:sp>
         <p:nvSpPr>
           <p:cNvPr id="2" name="Titre 1">
@@ -9558,10 +9528,10 @@
         </p:nvGrpSpPr>
         <p:grpSpPr>
           <a:xfrm>
-            <a:off x="2260286" y="2948074"/>
-            <a:ext cx="3039682" cy="1541099"/>
-            <a:chOff x="2234759" y="2512307"/>
-            <a:chExt cx="3039682" cy="1541099"/>
+            <a:off x="2163711" y="3102711"/>
+            <a:ext cx="3136257" cy="1541099"/>
+            <a:chOff x="2138184" y="2666944"/>
+            <a:chExt cx="3136257" cy="1541099"/>
           </a:xfrm>
         </p:grpSpPr>
         <p:sp>
@@ -9579,7 +9549,7 @@
           <p:spPr>
             <a:xfrm>
               <a:off x="2948560" y="2719464"/>
-              <a:ext cx="2325881" cy="1200329"/>
+              <a:ext cx="2325881" cy="1384995"/>
             </a:xfrm>
             <a:prstGeom prst="rect">
               <a:avLst/>
@@ -9601,6 +9571,16 @@
               <a:r>
                 <a:rPr lang="fr-FR" sz="1200" dirty="0"/>
                 <a:t>Architecture client/serveur</a:t>
+              </a:r>
+            </a:p>
+            <a:p>
+              <a:r>
+                <a:rPr lang="fr-FR" sz="1200" dirty="0" err="1"/>
+                <a:t>Devops</a:t>
+              </a:r>
+              <a:r>
+                <a:rPr lang="fr-FR" sz="1200" dirty="0"/>
+                <a:t> -&gt; Pipe line GitHub</a:t>
               </a:r>
             </a:p>
             <a:p>
@@ -9643,7 +9623,7 @@
           </p:nvSpPr>
           <p:spPr>
             <a:xfrm rot="18208827">
-              <a:off x="1787375" y="2959691"/>
+              <a:off x="1690800" y="3114328"/>
               <a:ext cx="1541099" cy="646331"/>
             </a:xfrm>
             <a:prstGeom prst="rect">
@@ -9686,7 +9666,7 @@
         </p:nvGrpSpPr>
         <p:grpSpPr>
           <a:xfrm>
-            <a:off x="2638070" y="4377473"/>
+            <a:off x="2583451" y="4574870"/>
             <a:ext cx="3798241" cy="1225749"/>
             <a:chOff x="1118860" y="4280655"/>
             <a:chExt cx="2837970" cy="1225749"/>
@@ -9741,7 +9721,7 @@
               </a:r>
               <a:r>
                 <a:rPr lang="fr-FR" sz="1200" dirty="0"/>
-                <a:t> -&gt; tests unitaires -&gt; Pipe line GitHub</a:t>
+                <a:t> -&gt; tests unitaires</a:t>
               </a:r>
             </a:p>
             <a:p>
@@ -9857,7 +9837,7 @@
             <a:p>
               <a:r>
                 <a:rPr lang="fr-FR" sz="1200" dirty="0"/>
-                <a:t>   Gestion du mot de passe</a:t>
+                <a:t>    Gestion du mot de passe</a:t>
               </a:r>
             </a:p>
             <a:p>
@@ -10070,7 +10050,7 @@
           </p:nvPr>
         </p:nvPicPr>
         <p:blipFill>
-          <a:blip r:embed="rId3">
+          <a:blip r:embed="rId2">
             <a:extLst>
               <a:ext uri="{28A0092B-C50C-407E-A947-70E740481C1C}">
                 <a14:useLocalDpi xmlns:a14="http://schemas.microsoft.com/office/drawing/2010/main" val="0"/>
@@ -10110,9 +10090,6 @@
                     <p:cTn id="3" fill="hold">
                       <p:stCondLst>
                         <p:cond delay="indefinite"/>
-                        <p:cond evt="onBegin" delay="0">
-                          <p:tn val="2"/>
-                        </p:cond>
                       </p:stCondLst>
                       <p:childTnLst>
                         <p:par>
@@ -10122,7 +10099,7 @@
                             </p:stCondLst>
                             <p:childTnLst>
                               <p:par>
-                                <p:cTn id="5" presetID="1" presetClass="entr" presetSubtype="0" fill="hold" nodeType="afterEffect">
+                                <p:cTn id="5" presetID="1" presetClass="entr" presetSubtype="0" fill="hold" nodeType="clickEffect">
                                   <p:stCondLst>
                                     <p:cond delay="0"/>
                                   </p:stCondLst>
@@ -10135,7 +10112,7 @@
                                           </p:stCondLst>
                                         </p:cTn>
                                         <p:tgtEl>
-                                          <p:spTgt spid="10"/>
+                                          <p:spTgt spid="17"/>
                                         </p:tgtEl>
                                         <p:attrNameLst>
                                           <p:attrName>style.visibility</p:attrName>
@@ -10146,22 +10123,6 @@
                                       </p:to>
                                     </p:set>
                                   </p:childTnLst>
-                                  <p:subTnLst>
-                                    <p:set>
-                                      <p:cBhvr override="childStyle">
-                                        <p:cTn dur="1" fill="hold" display="0" masterRel="nextClick" afterEffect="1"/>
-                                        <p:tgtEl>
-                                          <p:spTgt spid="10"/>
-                                        </p:tgtEl>
-                                        <p:attrNameLst>
-                                          <p:attrName>style.visibility</p:attrName>
-                                        </p:attrNameLst>
-                                      </p:cBhvr>
-                                      <p:to>
-                                        <p:strVal val="hidden"/>
-                                      </p:to>
-                                    </p:set>
-                                  </p:subTnLst>
                                 </p:cTn>
                               </p:par>
                             </p:childTnLst>
@@ -10196,7 +10157,7 @@
                                           </p:stCondLst>
                                         </p:cTn>
                                         <p:tgtEl>
-                                          <p:spTgt spid="17"/>
+                                          <p:spTgt spid="18"/>
                                         </p:tgtEl>
                                         <p:attrNameLst>
                                           <p:attrName>style.visibility</p:attrName>
@@ -10241,7 +10202,7 @@
                                           </p:stCondLst>
                                         </p:cTn>
                                         <p:tgtEl>
-                                          <p:spTgt spid="18"/>
+                                          <p:spTgt spid="19"/>
                                         </p:tgtEl>
                                         <p:attrNameLst>
                                           <p:attrName>style.visibility</p:attrName>
@@ -10286,51 +10247,6 @@
                                           </p:stCondLst>
                                         </p:cTn>
                                         <p:tgtEl>
-                                          <p:spTgt spid="19"/>
-                                        </p:tgtEl>
-                                        <p:attrNameLst>
-                                          <p:attrName>style.visibility</p:attrName>
-                                        </p:attrNameLst>
-                                      </p:cBhvr>
-                                      <p:to>
-                                        <p:strVal val="visible"/>
-                                      </p:to>
-                                    </p:set>
-                                  </p:childTnLst>
-                                </p:cTn>
-                              </p:par>
-                            </p:childTnLst>
-                          </p:cTn>
-                        </p:par>
-                      </p:childTnLst>
-                    </p:cTn>
-                  </p:par>
-                  <p:par>
-                    <p:cTn id="19" fill="hold">
-                      <p:stCondLst>
-                        <p:cond delay="indefinite"/>
-                      </p:stCondLst>
-                      <p:childTnLst>
-                        <p:par>
-                          <p:cTn id="20" fill="hold">
-                            <p:stCondLst>
-                              <p:cond delay="0"/>
-                            </p:stCondLst>
-                            <p:childTnLst>
-                              <p:par>
-                                <p:cTn id="21" presetID="1" presetClass="entr" presetSubtype="0" fill="hold" nodeType="clickEffect">
-                                  <p:stCondLst>
-                                    <p:cond delay="0"/>
-                                  </p:stCondLst>
-                                  <p:childTnLst>
-                                    <p:set>
-                                      <p:cBhvr>
-                                        <p:cTn id="22" dur="1" fill="hold">
-                                          <p:stCondLst>
-                                            <p:cond delay="0"/>
-                                          </p:stCondLst>
-                                        </p:cTn>
-                                        <p:tgtEl>
                                           <p:spTgt spid="26"/>
                                         </p:tgtEl>
                                         <p:attrNameLst>
@@ -10345,14 +10261,14 @@
                                 </p:cTn>
                               </p:par>
                               <p:par>
-                                <p:cTn id="23" presetID="1" presetClass="entr" presetSubtype="0" fill="hold" nodeType="withEffect">
+                                <p:cTn id="19" presetID="1" presetClass="entr" presetSubtype="0" fill="hold" nodeType="withEffect">
                                   <p:stCondLst>
                                     <p:cond delay="0"/>
                                   </p:stCondLst>
                                   <p:childTnLst>
                                     <p:set>
                                       <p:cBhvr>
-                                        <p:cTn id="24" dur="1" fill="hold">
+                                        <p:cTn id="20" dur="1" fill="hold">
                                           <p:stCondLst>
                                             <p:cond delay="0"/>
                                           </p:stCondLst>
@@ -10378,26 +10294,26 @@
                     </p:cTn>
                   </p:par>
                   <p:par>
-                    <p:cTn id="25" fill="hold">
+                    <p:cTn id="21" fill="hold">
                       <p:stCondLst>
                         <p:cond delay="indefinite"/>
                       </p:stCondLst>
                       <p:childTnLst>
                         <p:par>
-                          <p:cTn id="26" fill="hold">
+                          <p:cTn id="22" fill="hold">
                             <p:stCondLst>
                               <p:cond delay="0"/>
                             </p:stCondLst>
                             <p:childTnLst>
                               <p:par>
-                                <p:cTn id="27" presetID="1" presetClass="entr" presetSubtype="0" fill="hold" nodeType="clickEffect">
+                                <p:cTn id="23" presetID="1" presetClass="entr" presetSubtype="0" fill="hold" nodeType="clickEffect">
                                   <p:stCondLst>
                                     <p:cond delay="0"/>
                                   </p:stCondLst>
                                   <p:childTnLst>
                                     <p:set>
                                       <p:cBhvr>
-                                        <p:cTn id="28" dur="1" fill="hold">
+                                        <p:cTn id="24" dur="1" fill="hold">
                                           <p:stCondLst>
                                             <p:cond delay="0"/>
                                           </p:stCondLst>

--- a/doc/présentation V3.pptx
+++ b/doc/présentation V3.pptx
@@ -12,20 +12,21 @@
     <p:sldId id="275" r:id="rId6"/>
     <p:sldId id="284" r:id="rId7"/>
     <p:sldId id="268" r:id="rId8"/>
-    <p:sldId id="262" r:id="rId9"/>
-    <p:sldId id="270" r:id="rId10"/>
-    <p:sldId id="278" r:id="rId11"/>
-    <p:sldId id="281" r:id="rId12"/>
-    <p:sldId id="264" r:id="rId13"/>
-    <p:sldId id="283" r:id="rId14"/>
-    <p:sldId id="280" r:id="rId15"/>
-    <p:sldId id="285" r:id="rId16"/>
-    <p:sldId id="286" r:id="rId17"/>
-    <p:sldId id="282" r:id="rId18"/>
-    <p:sldId id="274" r:id="rId19"/>
-    <p:sldId id="277" r:id="rId20"/>
-    <p:sldId id="276" r:id="rId21"/>
-    <p:sldId id="287" r:id="rId22"/>
+    <p:sldId id="288" r:id="rId9"/>
+    <p:sldId id="262" r:id="rId10"/>
+    <p:sldId id="270" r:id="rId11"/>
+    <p:sldId id="278" r:id="rId12"/>
+    <p:sldId id="281" r:id="rId13"/>
+    <p:sldId id="264" r:id="rId14"/>
+    <p:sldId id="283" r:id="rId15"/>
+    <p:sldId id="280" r:id="rId16"/>
+    <p:sldId id="285" r:id="rId17"/>
+    <p:sldId id="286" r:id="rId18"/>
+    <p:sldId id="282" r:id="rId19"/>
+    <p:sldId id="274" r:id="rId20"/>
+    <p:sldId id="277" r:id="rId21"/>
+    <p:sldId id="276" r:id="rId22"/>
+    <p:sldId id="287" r:id="rId23"/>
   </p:sldIdLst>
   <p:sldSz cx="12192000" cy="6858000"/>
   <p:notesSz cx="7315200" cy="9601200"/>
@@ -286,7 +287,7 @@
           <a:p>
             <a:fld id="{AA70F276-1833-4A75-9C1D-A56E2295A68D}" type="datetimeFigureOut">
               <a:rPr lang="en-US" smtClean="0"/>
-              <a:t>11/18/2022</a:t>
+              <a:t>11/22/2022</a:t>
             </a:fld>
             <a:endParaRPr lang="en-US"/>
           </a:p>
@@ -484,7 +485,7 @@
           <a:p>
             <a:fld id="{AA70F276-1833-4A75-9C1D-A56E2295A68D}" type="datetimeFigureOut">
               <a:rPr lang="en-US" smtClean="0"/>
-              <a:t>11/18/2022</a:t>
+              <a:t>11/22/2022</a:t>
             </a:fld>
             <a:endParaRPr lang="en-US"/>
           </a:p>
@@ -692,7 +693,7 @@
           <a:p>
             <a:fld id="{AA70F276-1833-4A75-9C1D-A56E2295A68D}" type="datetimeFigureOut">
               <a:rPr lang="en-US" smtClean="0"/>
-              <a:t>11/18/2022</a:t>
+              <a:t>11/22/2022</a:t>
             </a:fld>
             <a:endParaRPr lang="en-US"/>
           </a:p>
@@ -917,7 +918,7 @@
           <a:p>
             <a:fld id="{AA70F276-1833-4A75-9C1D-A56E2295A68D}" type="datetimeFigureOut">
               <a:rPr lang="en-US" smtClean="0"/>
-              <a:t>11/18/2022</a:t>
+              <a:t>11/22/2022</a:t>
             </a:fld>
             <a:endParaRPr lang="en-US"/>
           </a:p>
@@ -1193,7 +1194,7 @@
           <a:p>
             <a:fld id="{AA70F276-1833-4A75-9C1D-A56E2295A68D}" type="datetimeFigureOut">
               <a:rPr lang="en-US" smtClean="0"/>
-              <a:t>11/18/2022</a:t>
+              <a:t>11/22/2022</a:t>
             </a:fld>
             <a:endParaRPr lang="en-US"/>
           </a:p>
@@ -1463,7 +1464,7 @@
           <a:p>
             <a:fld id="{AA70F276-1833-4A75-9C1D-A56E2295A68D}" type="datetimeFigureOut">
               <a:rPr lang="en-US" smtClean="0"/>
-              <a:t>11/18/2022</a:t>
+              <a:t>11/22/2022</a:t>
             </a:fld>
             <a:endParaRPr lang="en-US"/>
           </a:p>
@@ -1875,7 +1876,7 @@
           <a:p>
             <a:fld id="{AA70F276-1833-4A75-9C1D-A56E2295A68D}" type="datetimeFigureOut">
               <a:rPr lang="en-US" smtClean="0"/>
-              <a:t>11/18/2022</a:t>
+              <a:t>11/22/2022</a:t>
             </a:fld>
             <a:endParaRPr lang="en-US"/>
           </a:p>
@@ -2016,7 +2017,7 @@
           <a:p>
             <a:fld id="{AA70F276-1833-4A75-9C1D-A56E2295A68D}" type="datetimeFigureOut">
               <a:rPr lang="en-US" smtClean="0"/>
-              <a:t>11/18/2022</a:t>
+              <a:t>11/22/2022</a:t>
             </a:fld>
             <a:endParaRPr lang="en-US"/>
           </a:p>
@@ -2129,7 +2130,7 @@
           <a:p>
             <a:fld id="{AA70F276-1833-4A75-9C1D-A56E2295A68D}" type="datetimeFigureOut">
               <a:rPr lang="en-US" smtClean="0"/>
-              <a:t>11/18/2022</a:t>
+              <a:t>11/22/2022</a:t>
             </a:fld>
             <a:endParaRPr lang="en-US"/>
           </a:p>
@@ -2440,7 +2441,7 @@
           <a:p>
             <a:fld id="{AA70F276-1833-4A75-9C1D-A56E2295A68D}" type="datetimeFigureOut">
               <a:rPr lang="en-US" smtClean="0"/>
-              <a:t>11/18/2022</a:t>
+              <a:t>11/22/2022</a:t>
             </a:fld>
             <a:endParaRPr lang="en-US"/>
           </a:p>
@@ -2731,7 +2732,7 @@
           <a:p>
             <a:fld id="{AA70F276-1833-4A75-9C1D-A56E2295A68D}" type="datetimeFigureOut">
               <a:rPr lang="en-US" smtClean="0"/>
-              <a:t>11/18/2022</a:t>
+              <a:t>11/22/2022</a:t>
             </a:fld>
             <a:endParaRPr lang="en-US"/>
           </a:p>
@@ -3039,7 +3040,7 @@
             <a:fld id="{AA70F276-1833-4A75-9C1D-A56E2295A68D}" type="datetimeFigureOut">
               <a:rPr lang="en-US" smtClean="0"/>
               <a:pPr/>
-              <a:t>11/18/2022</a:t>
+              <a:t>11/22/2022</a:t>
             </a:fld>
             <a:endParaRPr lang="en-US" dirty="0"/>
           </a:p>
@@ -4226,6 +4227,119 @@
         </p:nvSpPr>
         <p:spPr>
           <a:xfrm>
+            <a:off x="904875" y="909855"/>
+            <a:ext cx="5553075" cy="733942"/>
+          </a:xfrm>
+        </p:spPr>
+        <p:txBody>
+          <a:bodyPr vert="horz" lIns="91440" tIns="45720" rIns="91440" bIns="45720" rtlCol="0" anchor="b">
+            <a:normAutofit/>
+          </a:bodyPr>
+          <a:lstStyle/>
+          <a:p>
+            <a:r>
+              <a:rPr lang="fr-FR" sz="4000" dirty="0"/>
+              <a:t>Cinématique admin</a:t>
+            </a:r>
+            <a:endParaRPr lang="en-US" sz="4000" dirty="0">
+              <a:gradFill flip="none" rotWithShape="1">
+                <a:gsLst>
+                  <a:gs pos="0">
+                    <a:schemeClr val="accent5">
+                      <a:alpha val="70000"/>
+                    </a:schemeClr>
+                  </a:gs>
+                  <a:gs pos="100000">
+                    <a:schemeClr val="accent1">
+                      <a:alpha val="70000"/>
+                    </a:schemeClr>
+                  </a:gs>
+                </a:gsLst>
+                <a:lin ang="0" scaled="1"/>
+                <a:tileRect/>
+              </a:gradFill>
+            </a:endParaRPr>
+          </a:p>
+        </p:txBody>
+      </p:sp>
+      <p:pic>
+        <p:nvPicPr>
+          <p:cNvPr id="5" name="Image 4">
+            <a:extLst>
+              <a:ext uri="{FF2B5EF4-FFF2-40B4-BE49-F238E27FC236}">
+                <a16:creationId xmlns:a16="http://schemas.microsoft.com/office/drawing/2014/main" id="{ACD1CF64-F3AA-20ED-62CC-6DC3083F4CF8}"/>
+              </a:ext>
+            </a:extLst>
+          </p:cNvPr>
+          <p:cNvPicPr>
+            <a:picLocks noChangeAspect="1"/>
+          </p:cNvPicPr>
+          <p:nvPr/>
+        </p:nvPicPr>
+        <p:blipFill>
+          <a:blip r:embed="rId2"/>
+          <a:stretch>
+            <a:fillRect/>
+          </a:stretch>
+        </p:blipFill>
+        <p:spPr>
+          <a:xfrm>
+            <a:off x="1061545" y="1643797"/>
+            <a:ext cx="10363200" cy="4306039"/>
+          </a:xfrm>
+          <a:prstGeom prst="rect">
+            <a:avLst/>
+          </a:prstGeom>
+        </p:spPr>
+      </p:pic>
+    </p:spTree>
+    <p:extLst>
+      <p:ext uri="{BB962C8B-B14F-4D97-AF65-F5344CB8AC3E}">
+        <p14:creationId xmlns:p14="http://schemas.microsoft.com/office/powerpoint/2010/main" val="1066339523"/>
+      </p:ext>
+    </p:extLst>
+  </p:cSld>
+  <p:clrMapOvr>
+    <a:masterClrMapping/>
+  </p:clrMapOvr>
+</p:sld>
+</file>
+
+<file path=ppt/slides/slide11.xml><?xml version="1.0" encoding="utf-8"?>
+<p:sld xmlns:a="http://schemas.openxmlformats.org/drawingml/2006/main" xmlns:r="http://schemas.openxmlformats.org/officeDocument/2006/relationships" xmlns:p="http://schemas.openxmlformats.org/presentationml/2006/main">
+  <p:cSld>
+    <p:spTree>
+      <p:nvGrpSpPr>
+        <p:cNvPr id="1" name=""/>
+        <p:cNvGrpSpPr/>
+        <p:nvPr/>
+      </p:nvGrpSpPr>
+      <p:grpSpPr>
+        <a:xfrm>
+          <a:off x="0" y="0"/>
+          <a:ext cx="0" cy="0"/>
+          <a:chOff x="0" y="0"/>
+          <a:chExt cx="0" cy="0"/>
+        </a:xfrm>
+      </p:grpSpPr>
+      <p:sp>
+        <p:nvSpPr>
+          <p:cNvPr id="2" name="Titre 1">
+            <a:extLst>
+              <a:ext uri="{FF2B5EF4-FFF2-40B4-BE49-F238E27FC236}">
+                <a16:creationId xmlns:a16="http://schemas.microsoft.com/office/drawing/2014/main" id="{099E2E77-954A-DD7C-99BF-B9521D1A2115}"/>
+              </a:ext>
+            </a:extLst>
+          </p:cNvPr>
+          <p:cNvSpPr>
+            <a:spLocks noGrp="1"/>
+          </p:cNvSpPr>
+          <p:nvPr>
+            <p:ph type="title"/>
+          </p:nvPr>
+        </p:nvSpPr>
+        <p:spPr>
+          <a:xfrm>
             <a:off x="827707" y="808038"/>
             <a:ext cx="10515600" cy="783378"/>
           </a:xfrm>
@@ -4286,7 +4400,7 @@
 </p:sld>
 </file>
 
-<file path=ppt/slides/slide11.xml><?xml version="1.0" encoding="utf-8"?>
+<file path=ppt/slides/slide12.xml><?xml version="1.0" encoding="utf-8"?>
 <p:sld xmlns:a="http://schemas.openxmlformats.org/drawingml/2006/main" xmlns:r="http://schemas.openxmlformats.org/officeDocument/2006/relationships" xmlns:p="http://schemas.openxmlformats.org/presentationml/2006/main">
   <p:cSld>
     <p:spTree>
@@ -4486,178 +4600,6 @@
 </p:sld>
 </file>
 
-<file path=ppt/slides/slide12.xml><?xml version="1.0" encoding="utf-8"?>
-<p:sld xmlns:a="http://schemas.openxmlformats.org/drawingml/2006/main" xmlns:r="http://schemas.openxmlformats.org/officeDocument/2006/relationships" xmlns:p="http://schemas.openxmlformats.org/presentationml/2006/main">
-  <p:cSld>
-    <p:spTree>
-      <p:nvGrpSpPr>
-        <p:cNvPr id="1" name=""/>
-        <p:cNvGrpSpPr/>
-        <p:nvPr/>
-      </p:nvGrpSpPr>
-      <p:grpSpPr>
-        <a:xfrm>
-          <a:off x="0" y="0"/>
-          <a:ext cx="0" cy="0"/>
-          <a:chOff x="0" y="0"/>
-          <a:chExt cx="0" cy="0"/>
-        </a:xfrm>
-      </p:grpSpPr>
-      <p:sp>
-        <p:nvSpPr>
-          <p:cNvPr id="2" name="Titre 1">
-            <a:extLst>
-              <a:ext uri="{FF2B5EF4-FFF2-40B4-BE49-F238E27FC236}">
-                <a16:creationId xmlns:a16="http://schemas.microsoft.com/office/drawing/2014/main" id="{099E2E77-954A-DD7C-99BF-B9521D1A2115}"/>
-              </a:ext>
-            </a:extLst>
-          </p:cNvPr>
-          <p:cNvSpPr>
-            <a:spLocks noGrp="1"/>
-          </p:cNvSpPr>
-          <p:nvPr>
-            <p:ph type="title"/>
-          </p:nvPr>
-        </p:nvSpPr>
-        <p:spPr>
-          <a:xfrm>
-            <a:off x="838200" y="681038"/>
-            <a:ext cx="10515600" cy="783378"/>
-          </a:xfrm>
-        </p:spPr>
-        <p:txBody>
-          <a:bodyPr>
-            <a:normAutofit/>
-          </a:bodyPr>
-          <a:lstStyle/>
-          <a:p>
-            <a:r>
-              <a:rPr lang="fr-FR" sz="3200" dirty="0"/>
-              <a:t>Focus incident - détail</a:t>
-            </a:r>
-          </a:p>
-        </p:txBody>
-      </p:sp>
-      <p:sp>
-        <p:nvSpPr>
-          <p:cNvPr id="6" name="ZoneTexte 5">
-            <a:extLst>
-              <a:ext uri="{FF2B5EF4-FFF2-40B4-BE49-F238E27FC236}">
-                <a16:creationId xmlns:a16="http://schemas.microsoft.com/office/drawing/2014/main" id="{A7CA0B62-E92C-35E8-5521-B60FD03F7DD4}"/>
-              </a:ext>
-            </a:extLst>
-          </p:cNvPr>
-          <p:cNvSpPr txBox="1"/>
-          <p:nvPr/>
-        </p:nvSpPr>
-        <p:spPr>
-          <a:xfrm>
-            <a:off x="8314699" y="1499835"/>
-            <a:ext cx="1365611" cy="258725"/>
-          </a:xfrm>
-          <a:prstGeom prst="rect">
-            <a:avLst/>
-          </a:prstGeom>
-          <a:noFill/>
-        </p:spPr>
-        <p:txBody>
-          <a:bodyPr wrap="square">
-            <a:spAutoFit/>
-          </a:bodyPr>
-          <a:lstStyle/>
-          <a:p>
-            <a:pPr algn="ctr">
-              <a:lnSpc>
-                <a:spcPct val="107000"/>
-              </a:lnSpc>
-              <a:spcAft>
-                <a:spcPts val="800"/>
-              </a:spcAft>
-            </a:pPr>
-            <a:r>
-              <a:rPr lang="fr-FR" sz="1050" dirty="0">
-                <a:latin typeface="Book Antiqua" panose="02040602050305030304" pitchFamily="18" charset="0"/>
-                <a:ea typeface="Calibri" panose="020F0502020204030204" pitchFamily="34" charset="0"/>
-                <a:cs typeface="Times New Roman" panose="02020603050405020304" pitchFamily="18" charset="0"/>
-              </a:rPr>
-              <a:t>selon son statut.</a:t>
-            </a:r>
-          </a:p>
-        </p:txBody>
-      </p:sp>
-      <p:pic>
-        <p:nvPicPr>
-          <p:cNvPr id="9" name="Image 8">
-            <a:extLst>
-              <a:ext uri="{FF2B5EF4-FFF2-40B4-BE49-F238E27FC236}">
-                <a16:creationId xmlns:a16="http://schemas.microsoft.com/office/drawing/2014/main" id="{86E166F9-14A5-DB7A-B9CB-F0C49F7AD91E}"/>
-              </a:ext>
-            </a:extLst>
-          </p:cNvPr>
-          <p:cNvPicPr>
-            <a:picLocks noChangeAspect="1"/>
-          </p:cNvPicPr>
-          <p:nvPr/>
-        </p:nvPicPr>
-        <p:blipFill>
-          <a:blip r:embed="rId2"/>
-          <a:stretch>
-            <a:fillRect/>
-          </a:stretch>
-        </p:blipFill>
-        <p:spPr>
-          <a:xfrm>
-            <a:off x="728620" y="1621510"/>
-            <a:ext cx="5467350" cy="3911449"/>
-          </a:xfrm>
-          <a:prstGeom prst="rect">
-            <a:avLst/>
-          </a:prstGeom>
-        </p:spPr>
-      </p:pic>
-      <p:pic>
-        <p:nvPicPr>
-          <p:cNvPr id="4" name="Image 3">
-            <a:extLst>
-              <a:ext uri="{FF2B5EF4-FFF2-40B4-BE49-F238E27FC236}">
-                <a16:creationId xmlns:a16="http://schemas.microsoft.com/office/drawing/2014/main" id="{41F1F279-0739-1801-CE6B-618F11AA1BAC}"/>
-              </a:ext>
-            </a:extLst>
-          </p:cNvPr>
-          <p:cNvPicPr>
-            <a:picLocks noChangeAspect="1"/>
-          </p:cNvPicPr>
-          <p:nvPr/>
-        </p:nvPicPr>
-        <p:blipFill>
-          <a:blip r:embed="rId3"/>
-          <a:stretch>
-            <a:fillRect/>
-          </a:stretch>
-        </p:blipFill>
-        <p:spPr>
-          <a:xfrm>
-            <a:off x="6531630" y="1758560"/>
-            <a:ext cx="4931750" cy="4104489"/>
-          </a:xfrm>
-          <a:prstGeom prst="rect">
-            <a:avLst/>
-          </a:prstGeom>
-        </p:spPr>
-      </p:pic>
-    </p:spTree>
-    <p:extLst>
-      <p:ext uri="{BB962C8B-B14F-4D97-AF65-F5344CB8AC3E}">
-        <p14:creationId xmlns:p14="http://schemas.microsoft.com/office/powerpoint/2010/main" val="982067693"/>
-      </p:ext>
-    </p:extLst>
-  </p:cSld>
-  <p:clrMapOvr>
-    <a:masterClrMapping/>
-  </p:clrMapOvr>
-</p:sld>
-</file>
-
 <file path=ppt/slides/slide13.xml><?xml version="1.0" encoding="utf-8"?>
 <p:sld xmlns:a="http://schemas.openxmlformats.org/drawingml/2006/main" xmlns:r="http://schemas.openxmlformats.org/officeDocument/2006/relationships" xmlns:p="http://schemas.openxmlformats.org/presentationml/2006/main">
   <p:cSld>
@@ -4693,85 +4635,76 @@
         </p:nvSpPr>
         <p:spPr>
           <a:xfrm>
-            <a:off x="904875" y="909854"/>
-            <a:ext cx="2112645" cy="1426945"/>
+            <a:off x="838200" y="681038"/>
+            <a:ext cx="10515600" cy="783378"/>
           </a:xfrm>
         </p:spPr>
         <p:txBody>
-          <a:bodyPr vert="horz" lIns="91440" tIns="45720" rIns="91440" bIns="45720" rtlCol="0" anchor="b">
+          <a:bodyPr>
             <a:normAutofit/>
           </a:bodyPr>
           <a:lstStyle/>
           <a:p>
             <a:r>
-              <a:rPr lang="en-US" sz="4000" dirty="0">
-                <a:gradFill flip="none" rotWithShape="1">
-                  <a:gsLst>
-                    <a:gs pos="0">
-                      <a:schemeClr val="accent5">
-                        <a:alpha val="70000"/>
-                      </a:schemeClr>
-                    </a:gs>
-                    <a:gs pos="100000">
-                      <a:schemeClr val="accent1">
-                        <a:alpha val="70000"/>
-                      </a:schemeClr>
-                    </a:gs>
-                  </a:gsLst>
-                  <a:lin ang="0" scaled="1"/>
-                  <a:tileRect/>
-                </a:gradFill>
+              <a:rPr lang="fr-FR" sz="3200" dirty="0"/>
+              <a:t>Focus incident - détail</a:t>
+            </a:r>
+          </a:p>
+        </p:txBody>
+      </p:sp>
+      <p:sp>
+        <p:nvSpPr>
+          <p:cNvPr id="6" name="ZoneTexte 5">
+            <a:extLst>
+              <a:ext uri="{FF2B5EF4-FFF2-40B4-BE49-F238E27FC236}">
+                <a16:creationId xmlns:a16="http://schemas.microsoft.com/office/drawing/2014/main" id="{A7CA0B62-E92C-35E8-5521-B60FD03F7DD4}"/>
+              </a:ext>
+            </a:extLst>
+          </p:cNvPr>
+          <p:cNvSpPr txBox="1"/>
+          <p:nvPr/>
+        </p:nvSpPr>
+        <p:spPr>
+          <a:xfrm>
+            <a:off x="8314699" y="1499835"/>
+            <a:ext cx="1365611" cy="258725"/>
+          </a:xfrm>
+          <a:prstGeom prst="rect">
+            <a:avLst/>
+          </a:prstGeom>
+          <a:noFill/>
+        </p:spPr>
+        <p:txBody>
+          <a:bodyPr wrap="square">
+            <a:spAutoFit/>
+          </a:bodyPr>
+          <a:lstStyle/>
+          <a:p>
+            <a:pPr algn="ctr">
+              <a:lnSpc>
+                <a:spcPct val="107000"/>
+              </a:lnSpc>
+              <a:spcAft>
+                <a:spcPts val="800"/>
+              </a:spcAft>
+            </a:pPr>
+            <a:r>
+              <a:rPr lang="fr-FR" sz="1050" dirty="0">
+                <a:latin typeface="Book Antiqua" panose="02040602050305030304" pitchFamily="18" charset="0"/>
+                <a:ea typeface="Calibri" panose="020F0502020204030204" pitchFamily="34" charset="0"/>
+                <a:cs typeface="Times New Roman" panose="02020603050405020304" pitchFamily="18" charset="0"/>
               </a:rPr>
-              <a:t>Base de </a:t>
-            </a:r>
-            <a:r>
-              <a:rPr lang="en-US" sz="4000" dirty="0" err="1">
-                <a:gradFill flip="none" rotWithShape="1">
-                  <a:gsLst>
-                    <a:gs pos="0">
-                      <a:schemeClr val="accent5">
-                        <a:alpha val="70000"/>
-                      </a:schemeClr>
-                    </a:gs>
-                    <a:gs pos="100000">
-                      <a:schemeClr val="accent1">
-                        <a:alpha val="70000"/>
-                      </a:schemeClr>
-                    </a:gs>
-                  </a:gsLst>
-                  <a:lin ang="0" scaled="1"/>
-                  <a:tileRect/>
-                </a:gradFill>
-              </a:rPr>
-              <a:t>données</a:t>
-            </a:r>
-            <a:endParaRPr lang="en-US" sz="4000" dirty="0">
-              <a:gradFill flip="none" rotWithShape="1">
-                <a:gsLst>
-                  <a:gs pos="0">
-                    <a:schemeClr val="accent5">
-                      <a:alpha val="70000"/>
-                    </a:schemeClr>
-                  </a:gs>
-                  <a:gs pos="100000">
-                    <a:schemeClr val="accent1">
-                      <a:alpha val="70000"/>
-                    </a:schemeClr>
-                  </a:gs>
-                </a:gsLst>
-                <a:lin ang="0" scaled="1"/>
-                <a:tileRect/>
-              </a:gradFill>
-            </a:endParaRPr>
+              <a:t>selon son statut.</a:t>
+            </a:r>
           </a:p>
         </p:txBody>
       </p:sp>
       <p:pic>
         <p:nvPicPr>
-          <p:cNvPr id="4" name="Image 3">
-            <a:extLst>
-              <a:ext uri="{FF2B5EF4-FFF2-40B4-BE49-F238E27FC236}">
-                <a16:creationId xmlns:a16="http://schemas.microsoft.com/office/drawing/2014/main" id="{CAF1176A-3CD9-0F4E-F4EB-D491873DFE92}"/>
+          <p:cNvPr id="9" name="Image 8">
+            <a:extLst>
+              <a:ext uri="{FF2B5EF4-FFF2-40B4-BE49-F238E27FC236}">
+                <a16:creationId xmlns:a16="http://schemas.microsoft.com/office/drawing/2014/main" id="{86E166F9-14A5-DB7A-B9CB-F0C49F7AD91E}"/>
               </a:ext>
             </a:extLst>
           </p:cNvPr>
@@ -4788,8 +4721,606 @@
         </p:blipFill>
         <p:spPr>
           <a:xfrm>
-            <a:off x="2918129" y="691612"/>
-            <a:ext cx="8546037" cy="5626982"/>
+            <a:off x="728620" y="1621510"/>
+            <a:ext cx="5467350" cy="3911449"/>
+          </a:xfrm>
+          <a:prstGeom prst="rect">
+            <a:avLst/>
+          </a:prstGeom>
+        </p:spPr>
+      </p:pic>
+      <p:pic>
+        <p:nvPicPr>
+          <p:cNvPr id="4" name="Image 3">
+            <a:extLst>
+              <a:ext uri="{FF2B5EF4-FFF2-40B4-BE49-F238E27FC236}">
+                <a16:creationId xmlns:a16="http://schemas.microsoft.com/office/drawing/2014/main" id="{41F1F279-0739-1801-CE6B-618F11AA1BAC}"/>
+              </a:ext>
+            </a:extLst>
+          </p:cNvPr>
+          <p:cNvPicPr>
+            <a:picLocks noChangeAspect="1"/>
+          </p:cNvPicPr>
+          <p:nvPr/>
+        </p:nvPicPr>
+        <p:blipFill>
+          <a:blip r:embed="rId3"/>
+          <a:stretch>
+            <a:fillRect/>
+          </a:stretch>
+        </p:blipFill>
+        <p:spPr>
+          <a:xfrm>
+            <a:off x="6531630" y="1758560"/>
+            <a:ext cx="4931750" cy="4104489"/>
+          </a:xfrm>
+          <a:prstGeom prst="rect">
+            <a:avLst/>
+          </a:prstGeom>
+        </p:spPr>
+      </p:pic>
+    </p:spTree>
+    <p:extLst>
+      <p:ext uri="{BB962C8B-B14F-4D97-AF65-F5344CB8AC3E}">
+        <p14:creationId xmlns:p14="http://schemas.microsoft.com/office/powerpoint/2010/main" val="982067693"/>
+      </p:ext>
+    </p:extLst>
+  </p:cSld>
+  <p:clrMapOvr>
+    <a:masterClrMapping/>
+  </p:clrMapOvr>
+</p:sld>
+</file>
+
+<file path=ppt/slides/slide14.xml><?xml version="1.0" encoding="utf-8"?>
+<p:sld xmlns:a="http://schemas.openxmlformats.org/drawingml/2006/main" xmlns:r="http://schemas.openxmlformats.org/officeDocument/2006/relationships" xmlns:p="http://schemas.openxmlformats.org/presentationml/2006/main">
+  <p:cSld>
+    <p:spTree>
+      <p:nvGrpSpPr>
+        <p:cNvPr id="1" name=""/>
+        <p:cNvGrpSpPr/>
+        <p:nvPr/>
+      </p:nvGrpSpPr>
+      <p:grpSpPr>
+        <a:xfrm>
+          <a:off x="0" y="0"/>
+          <a:ext cx="0" cy="0"/>
+          <a:chOff x="0" y="0"/>
+          <a:chExt cx="0" cy="0"/>
+        </a:xfrm>
+      </p:grpSpPr>
+      <p:sp>
+        <p:nvSpPr>
+          <p:cNvPr id="3" name="Titre 1">
+            <a:extLst>
+              <a:ext uri="{FF2B5EF4-FFF2-40B4-BE49-F238E27FC236}">
+                <a16:creationId xmlns:a16="http://schemas.microsoft.com/office/drawing/2014/main" id="{575CFBE2-659F-6E42-5DDB-EB888CD813F8}"/>
+              </a:ext>
+            </a:extLst>
+          </p:cNvPr>
+          <p:cNvSpPr txBox="1">
+            <a:spLocks/>
+          </p:cNvSpPr>
+          <p:nvPr/>
+        </p:nvSpPr>
+        <p:spPr>
+          <a:xfrm>
+            <a:off x="827707" y="808038"/>
+            <a:ext cx="10515600" cy="783378"/>
+          </a:xfrm>
+          <a:prstGeom prst="rect">
+            <a:avLst/>
+          </a:prstGeom>
+        </p:spPr>
+        <p:txBody>
+          <a:bodyPr vert="horz" lIns="91440" tIns="45720" rIns="91440" bIns="45720" rtlCol="0" anchor="ctr">
+            <a:normAutofit/>
+          </a:bodyPr>
+          <a:lstStyle>
+            <a:lvl1pPr marL="0" algn="l" defTabSz="914400" rtl="0" eaLnBrk="1" latinLnBrk="0" hangingPunct="1">
+              <a:lnSpc>
+                <a:spcPct val="90000"/>
+              </a:lnSpc>
+              <a:spcBef>
+                <a:spcPct val="0"/>
+              </a:spcBef>
+              <a:buNone/>
+              <a:defRPr lang="en-US" sz="5200" kern="1200" dirty="0">
+                <a:gradFill flip="none" rotWithShape="1">
+                  <a:gsLst>
+                    <a:gs pos="0">
+                      <a:schemeClr val="accent5"/>
+                    </a:gs>
+                    <a:gs pos="100000">
+                      <a:schemeClr val="accent1">
+                        <a:alpha val="70000"/>
+                      </a:schemeClr>
+                    </a:gs>
+                  </a:gsLst>
+                  <a:lin ang="0" scaled="1"/>
+                  <a:tileRect/>
+                </a:gradFill>
+                <a:latin typeface="+mj-lt"/>
+                <a:ea typeface="+mn-ea"/>
+                <a:cs typeface="Angsana New" panose="02020603050405020304" pitchFamily="18" charset="-34"/>
+              </a:defRPr>
+            </a:lvl1pPr>
+          </a:lstStyle>
+          <a:p>
+            <a:r>
+              <a:rPr lang="fr-FR" sz="3200" dirty="0"/>
+              <a:t>Focus incident - table</a:t>
+            </a:r>
+          </a:p>
+        </p:txBody>
+      </p:sp>
+      <p:sp>
+        <p:nvSpPr>
+          <p:cNvPr id="10" name="Accolade ouvrante 9">
+            <a:extLst>
+              <a:ext uri="{FF2B5EF4-FFF2-40B4-BE49-F238E27FC236}">
+                <a16:creationId xmlns:a16="http://schemas.microsoft.com/office/drawing/2014/main" id="{97A5999A-C167-EAD9-EDB9-1348996B4989}"/>
+              </a:ext>
+            </a:extLst>
+          </p:cNvPr>
+          <p:cNvSpPr/>
+          <p:nvPr/>
+        </p:nvSpPr>
+        <p:spPr>
+          <a:xfrm>
+            <a:off x="3968321" y="2952922"/>
+            <a:ext cx="131077" cy="1224792"/>
+          </a:xfrm>
+          <a:prstGeom prst="leftBrace">
+            <a:avLst/>
+          </a:prstGeom>
+        </p:spPr>
+        <p:style>
+          <a:lnRef idx="1">
+            <a:schemeClr val="accent2"/>
+          </a:lnRef>
+          <a:fillRef idx="0">
+            <a:schemeClr val="accent2"/>
+          </a:fillRef>
+          <a:effectRef idx="0">
+            <a:schemeClr val="accent2"/>
+          </a:effectRef>
+          <a:fontRef idx="minor">
+            <a:schemeClr val="tx1"/>
+          </a:fontRef>
+        </p:style>
+        <p:txBody>
+          <a:bodyPr rtlCol="0" anchor="ctr"/>
+          <a:lstStyle/>
+          <a:p>
+            <a:pPr algn="r"/>
+            <a:endParaRPr lang="fr-FR"/>
+          </a:p>
+        </p:txBody>
+      </p:sp>
+      <p:sp>
+        <p:nvSpPr>
+          <p:cNvPr id="11" name="ZoneTexte 10">
+            <a:extLst>
+              <a:ext uri="{FF2B5EF4-FFF2-40B4-BE49-F238E27FC236}">
+                <a16:creationId xmlns:a16="http://schemas.microsoft.com/office/drawing/2014/main" id="{867F0765-677F-05B4-4DDF-C4536EEF4350}"/>
+              </a:ext>
+            </a:extLst>
+          </p:cNvPr>
+          <p:cNvSpPr txBox="1"/>
+          <p:nvPr/>
+        </p:nvSpPr>
+        <p:spPr>
+          <a:xfrm>
+            <a:off x="2132629" y="3434466"/>
+            <a:ext cx="1835690" cy="232051"/>
+          </a:xfrm>
+          <a:prstGeom prst="rect">
+            <a:avLst/>
+          </a:prstGeom>
+          <a:noFill/>
+        </p:spPr>
+        <p:txBody>
+          <a:bodyPr wrap="square">
+            <a:spAutoFit/>
+          </a:bodyPr>
+          <a:lstStyle/>
+          <a:p>
+            <a:pPr algn="r">
+              <a:lnSpc>
+                <a:spcPct val="107000"/>
+              </a:lnSpc>
+              <a:spcBef>
+                <a:spcPts val="1000"/>
+              </a:spcBef>
+            </a:pPr>
+            <a:r>
+              <a:rPr lang="fr-CA" sz="900" dirty="0"/>
+              <a:t>utilisateurs impliqués / status</a:t>
+            </a:r>
+            <a:endParaRPr lang="fr-FR" sz="900" dirty="0"/>
+          </a:p>
+        </p:txBody>
+      </p:sp>
+      <p:sp>
+        <p:nvSpPr>
+          <p:cNvPr id="12" name="ZoneTexte 11">
+            <a:extLst>
+              <a:ext uri="{FF2B5EF4-FFF2-40B4-BE49-F238E27FC236}">
+                <a16:creationId xmlns:a16="http://schemas.microsoft.com/office/drawing/2014/main" id="{8590BBF9-A6F1-A4CD-599B-E5641D19DA32}"/>
+              </a:ext>
+            </a:extLst>
+          </p:cNvPr>
+          <p:cNvSpPr txBox="1"/>
+          <p:nvPr/>
+        </p:nvSpPr>
+        <p:spPr>
+          <a:xfrm>
+            <a:off x="2132630" y="2405816"/>
+            <a:ext cx="1835690" cy="232051"/>
+          </a:xfrm>
+          <a:prstGeom prst="rect">
+            <a:avLst/>
+          </a:prstGeom>
+          <a:noFill/>
+        </p:spPr>
+        <p:txBody>
+          <a:bodyPr wrap="square">
+            <a:spAutoFit/>
+          </a:bodyPr>
+          <a:lstStyle/>
+          <a:p>
+            <a:pPr algn="r">
+              <a:lnSpc>
+                <a:spcPct val="107000"/>
+              </a:lnSpc>
+              <a:spcBef>
+                <a:spcPts val="1000"/>
+              </a:spcBef>
+            </a:pPr>
+            <a:r>
+              <a:rPr lang="fr-FR" sz="900" dirty="0"/>
+              <a:t>Données signalement</a:t>
+            </a:r>
+          </a:p>
+        </p:txBody>
+      </p:sp>
+      <p:sp>
+        <p:nvSpPr>
+          <p:cNvPr id="13" name="ZoneTexte 12">
+            <a:extLst>
+              <a:ext uri="{FF2B5EF4-FFF2-40B4-BE49-F238E27FC236}">
+                <a16:creationId xmlns:a16="http://schemas.microsoft.com/office/drawing/2014/main" id="{3C028DBF-B311-03E5-35A6-C096FC2CAB4C}"/>
+              </a:ext>
+            </a:extLst>
+          </p:cNvPr>
+          <p:cNvSpPr txBox="1"/>
+          <p:nvPr/>
+        </p:nvSpPr>
+        <p:spPr>
+          <a:xfrm>
+            <a:off x="2268156" y="2708552"/>
+            <a:ext cx="1680601" cy="232051"/>
+          </a:xfrm>
+          <a:prstGeom prst="rect">
+            <a:avLst/>
+          </a:prstGeom>
+          <a:noFill/>
+        </p:spPr>
+        <p:txBody>
+          <a:bodyPr wrap="square">
+            <a:spAutoFit/>
+          </a:bodyPr>
+          <a:lstStyle/>
+          <a:p>
+            <a:pPr algn="r">
+              <a:lnSpc>
+                <a:spcPct val="107000"/>
+              </a:lnSpc>
+              <a:spcBef>
+                <a:spcPts val="1000"/>
+              </a:spcBef>
+            </a:pPr>
+            <a:r>
+              <a:rPr lang="fr-CA" sz="900" dirty="0"/>
+              <a:t>prestataire calculé/désigné</a:t>
+            </a:r>
+            <a:endParaRPr lang="fr-FR" sz="900" dirty="0"/>
+          </a:p>
+        </p:txBody>
+      </p:sp>
+      <p:sp>
+        <p:nvSpPr>
+          <p:cNvPr id="14" name="ZoneTexte 13">
+            <a:extLst>
+              <a:ext uri="{FF2B5EF4-FFF2-40B4-BE49-F238E27FC236}">
+                <a16:creationId xmlns:a16="http://schemas.microsoft.com/office/drawing/2014/main" id="{ADD0E3E2-9F6E-0F01-B514-2DE322CF28C9}"/>
+              </a:ext>
+            </a:extLst>
+          </p:cNvPr>
+          <p:cNvSpPr txBox="1"/>
+          <p:nvPr/>
+        </p:nvSpPr>
+        <p:spPr>
+          <a:xfrm>
+            <a:off x="2444241" y="4282095"/>
+            <a:ext cx="1504516" cy="232051"/>
+          </a:xfrm>
+          <a:prstGeom prst="rect">
+            <a:avLst/>
+          </a:prstGeom>
+          <a:noFill/>
+        </p:spPr>
+        <p:txBody>
+          <a:bodyPr wrap="square">
+            <a:spAutoFit/>
+          </a:bodyPr>
+          <a:lstStyle/>
+          <a:p>
+            <a:pPr algn="r">
+              <a:lnSpc>
+                <a:spcPct val="107000"/>
+              </a:lnSpc>
+              <a:spcBef>
+                <a:spcPts val="1000"/>
+              </a:spcBef>
+            </a:pPr>
+            <a:r>
+              <a:rPr lang="fr-CA" sz="900" dirty="0"/>
+              <a:t>satisfaction</a:t>
+            </a:r>
+            <a:endParaRPr lang="fr-FR" sz="900" dirty="0"/>
+          </a:p>
+        </p:txBody>
+      </p:sp>
+      <p:sp>
+        <p:nvSpPr>
+          <p:cNvPr id="15" name="ZoneTexte 14">
+            <a:extLst>
+              <a:ext uri="{FF2B5EF4-FFF2-40B4-BE49-F238E27FC236}">
+                <a16:creationId xmlns:a16="http://schemas.microsoft.com/office/drawing/2014/main" id="{E40AE4E1-00B0-5D3B-408E-96516C34248A}"/>
+              </a:ext>
+            </a:extLst>
+          </p:cNvPr>
+          <p:cNvSpPr txBox="1"/>
+          <p:nvPr/>
+        </p:nvSpPr>
+        <p:spPr>
+          <a:xfrm>
+            <a:off x="1752319" y="2110982"/>
+            <a:ext cx="2216001" cy="232051"/>
+          </a:xfrm>
+          <a:prstGeom prst="rect">
+            <a:avLst/>
+          </a:prstGeom>
+          <a:noFill/>
+        </p:spPr>
+        <p:txBody>
+          <a:bodyPr wrap="square">
+            <a:spAutoFit/>
+          </a:bodyPr>
+          <a:lstStyle/>
+          <a:p>
+            <a:pPr algn="r">
+              <a:lnSpc>
+                <a:spcPct val="107000"/>
+              </a:lnSpc>
+              <a:spcBef>
+                <a:spcPts val="1000"/>
+              </a:spcBef>
+            </a:pPr>
+            <a:r>
+              <a:rPr lang="fr-CA" sz="900" dirty="0"/>
+              <a:t>Clé primaire  - </a:t>
+            </a:r>
+            <a:r>
+              <a:rPr lang="fr-CA" sz="900" dirty="0" err="1"/>
+              <a:t>auto-incrément</a:t>
+            </a:r>
+            <a:endParaRPr lang="fr-FR" sz="900" dirty="0"/>
+          </a:p>
+        </p:txBody>
+      </p:sp>
+      <p:sp>
+        <p:nvSpPr>
+          <p:cNvPr id="16" name="Accolade ouvrante 15">
+            <a:extLst>
+              <a:ext uri="{FF2B5EF4-FFF2-40B4-BE49-F238E27FC236}">
+                <a16:creationId xmlns:a16="http://schemas.microsoft.com/office/drawing/2014/main" id="{0C8AA796-927E-EABA-573A-7C2CDD9E014F}"/>
+              </a:ext>
+            </a:extLst>
+          </p:cNvPr>
+          <p:cNvSpPr/>
+          <p:nvPr/>
+        </p:nvSpPr>
+        <p:spPr>
+          <a:xfrm>
+            <a:off x="3968321" y="2126236"/>
+            <a:ext cx="127190" cy="195885"/>
+          </a:xfrm>
+          <a:prstGeom prst="leftBrace">
+            <a:avLst/>
+          </a:prstGeom>
+        </p:spPr>
+        <p:style>
+          <a:lnRef idx="1">
+            <a:schemeClr val="accent2"/>
+          </a:lnRef>
+          <a:fillRef idx="0">
+            <a:schemeClr val="accent2"/>
+          </a:fillRef>
+          <a:effectRef idx="0">
+            <a:schemeClr val="accent2"/>
+          </a:effectRef>
+          <a:fontRef idx="minor">
+            <a:schemeClr val="tx1"/>
+          </a:fontRef>
+        </p:style>
+        <p:txBody>
+          <a:bodyPr rtlCol="0" anchor="ctr"/>
+          <a:lstStyle/>
+          <a:p>
+            <a:pPr algn="r"/>
+            <a:endParaRPr lang="fr-FR"/>
+          </a:p>
+        </p:txBody>
+      </p:sp>
+      <p:sp>
+        <p:nvSpPr>
+          <p:cNvPr id="17" name="Accolade ouvrante 16">
+            <a:extLst>
+              <a:ext uri="{FF2B5EF4-FFF2-40B4-BE49-F238E27FC236}">
+                <a16:creationId xmlns:a16="http://schemas.microsoft.com/office/drawing/2014/main" id="{F5D3D459-88D8-58AB-1F08-3051CE96E936}"/>
+              </a:ext>
+            </a:extLst>
+          </p:cNvPr>
+          <p:cNvSpPr/>
+          <p:nvPr/>
+        </p:nvSpPr>
+        <p:spPr>
+          <a:xfrm>
+            <a:off x="3968319" y="2359512"/>
+            <a:ext cx="131077" cy="298576"/>
+          </a:xfrm>
+          <a:prstGeom prst="leftBrace">
+            <a:avLst/>
+          </a:prstGeom>
+        </p:spPr>
+        <p:style>
+          <a:lnRef idx="1">
+            <a:schemeClr val="accent2"/>
+          </a:lnRef>
+          <a:fillRef idx="0">
+            <a:schemeClr val="accent2"/>
+          </a:fillRef>
+          <a:effectRef idx="0">
+            <a:schemeClr val="accent2"/>
+          </a:effectRef>
+          <a:fontRef idx="minor">
+            <a:schemeClr val="tx1"/>
+          </a:fontRef>
+        </p:style>
+        <p:txBody>
+          <a:bodyPr rtlCol="0" anchor="ctr"/>
+          <a:lstStyle/>
+          <a:p>
+            <a:pPr algn="r"/>
+            <a:endParaRPr lang="fr-FR"/>
+          </a:p>
+        </p:txBody>
+      </p:sp>
+      <p:sp>
+        <p:nvSpPr>
+          <p:cNvPr id="18" name="Accolade ouvrante 17">
+            <a:extLst>
+              <a:ext uri="{FF2B5EF4-FFF2-40B4-BE49-F238E27FC236}">
+                <a16:creationId xmlns:a16="http://schemas.microsoft.com/office/drawing/2014/main" id="{2FDC24A9-87B2-64BC-69DC-E72C0E59AB68}"/>
+              </a:ext>
+            </a:extLst>
+          </p:cNvPr>
+          <p:cNvSpPr/>
+          <p:nvPr/>
+        </p:nvSpPr>
+        <p:spPr>
+          <a:xfrm>
+            <a:off x="3964433" y="2708552"/>
+            <a:ext cx="131077" cy="211139"/>
+          </a:xfrm>
+          <a:prstGeom prst="leftBrace">
+            <a:avLst/>
+          </a:prstGeom>
+        </p:spPr>
+        <p:style>
+          <a:lnRef idx="1">
+            <a:schemeClr val="accent2"/>
+          </a:lnRef>
+          <a:fillRef idx="0">
+            <a:schemeClr val="accent2"/>
+          </a:fillRef>
+          <a:effectRef idx="0">
+            <a:schemeClr val="accent2"/>
+          </a:effectRef>
+          <a:fontRef idx="minor">
+            <a:schemeClr val="tx1"/>
+          </a:fontRef>
+        </p:style>
+        <p:txBody>
+          <a:bodyPr rtlCol="0" anchor="ctr"/>
+          <a:lstStyle/>
+          <a:p>
+            <a:pPr algn="r"/>
+            <a:endParaRPr lang="fr-FR"/>
+          </a:p>
+        </p:txBody>
+      </p:sp>
+      <p:sp>
+        <p:nvSpPr>
+          <p:cNvPr id="19" name="Accolade ouvrante 18">
+            <a:extLst>
+              <a:ext uri="{FF2B5EF4-FFF2-40B4-BE49-F238E27FC236}">
+                <a16:creationId xmlns:a16="http://schemas.microsoft.com/office/drawing/2014/main" id="{7DD67F22-AF60-B621-9C11-E4706A1D11BB}"/>
+              </a:ext>
+            </a:extLst>
+          </p:cNvPr>
+          <p:cNvSpPr/>
+          <p:nvPr/>
+        </p:nvSpPr>
+        <p:spPr>
+          <a:xfrm>
+            <a:off x="3968319" y="4248833"/>
+            <a:ext cx="131077" cy="298576"/>
+          </a:xfrm>
+          <a:prstGeom prst="leftBrace">
+            <a:avLst/>
+          </a:prstGeom>
+        </p:spPr>
+        <p:style>
+          <a:lnRef idx="1">
+            <a:schemeClr val="accent2"/>
+          </a:lnRef>
+          <a:fillRef idx="0">
+            <a:schemeClr val="accent2"/>
+          </a:fillRef>
+          <a:effectRef idx="0">
+            <a:schemeClr val="accent2"/>
+          </a:effectRef>
+          <a:fontRef idx="minor">
+            <a:schemeClr val="tx1"/>
+          </a:fontRef>
+        </p:style>
+        <p:txBody>
+          <a:bodyPr rtlCol="0" anchor="ctr"/>
+          <a:lstStyle/>
+          <a:p>
+            <a:pPr algn="r"/>
+            <a:endParaRPr lang="fr-FR"/>
+          </a:p>
+        </p:txBody>
+      </p:sp>
+      <p:pic>
+        <p:nvPicPr>
+          <p:cNvPr id="23" name="Image 22">
+            <a:extLst>
+              <a:ext uri="{FF2B5EF4-FFF2-40B4-BE49-F238E27FC236}">
+                <a16:creationId xmlns:a16="http://schemas.microsoft.com/office/drawing/2014/main" id="{0A78288E-14A9-19F2-A2D1-4F11EB2E5B5E}"/>
+              </a:ext>
+            </a:extLst>
+          </p:cNvPr>
+          <p:cNvPicPr>
+            <a:picLocks noChangeAspect="1"/>
+          </p:cNvPicPr>
+          <p:nvPr/>
+        </p:nvPicPr>
+        <p:blipFill>
+          <a:blip r:embed="rId2"/>
+          <a:stretch>
+            <a:fillRect/>
+          </a:stretch>
+        </p:blipFill>
+        <p:spPr>
+          <a:xfrm>
+            <a:off x="4128009" y="1860564"/>
+            <a:ext cx="5619750" cy="3019425"/>
           </a:xfrm>
           <a:prstGeom prst="rect">
             <a:avLst/>
@@ -4809,7 +5340,7 @@
 </p:sld>
 </file>
 
-<file path=ppt/slides/slide14.xml><?xml version="1.0" encoding="utf-8"?>
+<file path=ppt/slides/slide15.xml><?xml version="1.0" encoding="utf-8"?>
 <p:sld xmlns:a="http://schemas.openxmlformats.org/drawingml/2006/main" xmlns:r="http://schemas.openxmlformats.org/officeDocument/2006/relationships" xmlns:p="http://schemas.openxmlformats.org/presentationml/2006/main">
   <p:cSld>
     <p:spTree>
@@ -5274,7 +5805,7 @@
 </p:sld>
 </file>
 
-<file path=ppt/slides/slide15.xml><?xml version="1.0" encoding="utf-8"?>
+<file path=ppt/slides/slide16.xml><?xml version="1.0" encoding="utf-8"?>
 <p:sld xmlns:a="http://schemas.openxmlformats.org/drawingml/2006/main" xmlns:r="http://schemas.openxmlformats.org/officeDocument/2006/relationships" xmlns:p="http://schemas.openxmlformats.org/presentationml/2006/main">
   <p:cSld>
     <p:spTree>
@@ -5729,7 +6260,7 @@
 </p:sld>
 </file>
 
-<file path=ppt/slides/slide16.xml><?xml version="1.0" encoding="utf-8"?>
+<file path=ppt/slides/slide17.xml><?xml version="1.0" encoding="utf-8"?>
 <p:sld xmlns:a="http://schemas.openxmlformats.org/drawingml/2006/main" xmlns:r="http://schemas.openxmlformats.org/officeDocument/2006/relationships" xmlns:p="http://schemas.openxmlformats.org/presentationml/2006/main">
   <p:cSld>
     <p:spTree>
@@ -6154,7 +6685,7 @@
 </p:sld>
 </file>
 
-<file path=ppt/slides/slide17.xml><?xml version="1.0" encoding="utf-8"?>
+<file path=ppt/slides/slide18.xml><?xml version="1.0" encoding="utf-8"?>
 <p:sld xmlns:a="http://schemas.openxmlformats.org/drawingml/2006/main" xmlns:r="http://schemas.openxmlformats.org/officeDocument/2006/relationships" xmlns:p="http://schemas.openxmlformats.org/presentationml/2006/main">
   <p:cSld>
     <p:spTree>
@@ -6434,512 +6965,6 @@
 </p:sld>
 </file>
 
-<file path=ppt/slides/slide18.xml><?xml version="1.0" encoding="utf-8"?>
-<p:sld xmlns:a="http://schemas.openxmlformats.org/drawingml/2006/main" xmlns:r="http://schemas.openxmlformats.org/officeDocument/2006/relationships" xmlns:p="http://schemas.openxmlformats.org/presentationml/2006/main">
-  <p:cSld>
-    <p:spTree>
-      <p:nvGrpSpPr>
-        <p:cNvPr id="1" name=""/>
-        <p:cNvGrpSpPr/>
-        <p:nvPr/>
-      </p:nvGrpSpPr>
-      <p:grpSpPr>
-        <a:xfrm>
-          <a:off x="0" y="0"/>
-          <a:ext cx="0" cy="0"/>
-          <a:chOff x="0" y="0"/>
-          <a:chExt cx="0" cy="0"/>
-        </a:xfrm>
-      </p:grpSpPr>
-      <p:sp>
-        <p:nvSpPr>
-          <p:cNvPr id="2" name="Titre 1">
-            <a:extLst>
-              <a:ext uri="{FF2B5EF4-FFF2-40B4-BE49-F238E27FC236}">
-                <a16:creationId xmlns:a16="http://schemas.microsoft.com/office/drawing/2014/main" id="{099E2E77-954A-DD7C-99BF-B9521D1A2115}"/>
-              </a:ext>
-            </a:extLst>
-          </p:cNvPr>
-          <p:cNvSpPr>
-            <a:spLocks noGrp="1"/>
-          </p:cNvSpPr>
-          <p:nvPr>
-            <p:ph type="title"/>
-          </p:nvPr>
-        </p:nvSpPr>
-        <p:spPr/>
-        <p:txBody>
-          <a:bodyPr>
-            <a:normAutofit/>
-          </a:bodyPr>
-          <a:lstStyle/>
-          <a:p>
-            <a:r>
-              <a:rPr lang="fr-FR" sz="4000" dirty="0"/>
-              <a:t>La sécurité – cookie de session</a:t>
-            </a:r>
-          </a:p>
-        </p:txBody>
-      </p:sp>
-      <p:sp>
-        <p:nvSpPr>
-          <p:cNvPr id="9" name="ZoneTexte 8">
-            <a:extLst>
-              <a:ext uri="{FF2B5EF4-FFF2-40B4-BE49-F238E27FC236}">
-                <a16:creationId xmlns:a16="http://schemas.microsoft.com/office/drawing/2014/main" id="{BC23ED4F-C6A3-6A63-6E53-A21EC4FABCD5}"/>
-              </a:ext>
-            </a:extLst>
-          </p:cNvPr>
-          <p:cNvSpPr txBox="1"/>
-          <p:nvPr/>
-        </p:nvSpPr>
-        <p:spPr>
-          <a:xfrm>
-            <a:off x="1347063" y="2006600"/>
-            <a:ext cx="7010128" cy="3345531"/>
-          </a:xfrm>
-          <a:prstGeom prst="rect">
-            <a:avLst/>
-          </a:prstGeom>
-          <a:noFill/>
-        </p:spPr>
-        <p:txBody>
-          <a:bodyPr wrap="square">
-            <a:spAutoFit/>
-          </a:bodyPr>
-          <a:lstStyle/>
-          <a:p>
-            <a:pPr>
-              <a:lnSpc>
-                <a:spcPct val="107000"/>
-              </a:lnSpc>
-            </a:pPr>
-            <a:r>
-              <a:rPr lang="fr-FR" sz="1200" dirty="0">
-                <a:latin typeface="Book Antiqua" panose="02040602050305030304" pitchFamily="18" charset="0"/>
-                <a:ea typeface="Calibri" panose="020F0502020204030204" pitchFamily="34" charset="0"/>
-                <a:cs typeface="Times New Roman" panose="02020603050405020304" pitchFamily="18" charset="0"/>
-              </a:rPr>
-              <a:t>Données collectées lors de l’authentification.</a:t>
-            </a:r>
-          </a:p>
-          <a:p>
-            <a:pPr marL="628650" lvl="1" indent="-171450">
-              <a:lnSpc>
-                <a:spcPct val="107000"/>
-              </a:lnSpc>
-              <a:buFont typeface="Wingdings" panose="05000000000000000000" pitchFamily="2" charset="2"/>
-              <a:buChar char="Ø"/>
-            </a:pPr>
-            <a:r>
-              <a:rPr lang="fr-FR" sz="1200" u="sng" dirty="0" err="1">
-                <a:latin typeface="Book Antiqua" panose="02040602050305030304" pitchFamily="18" charset="0"/>
-                <a:ea typeface="Calibri" panose="020F0502020204030204" pitchFamily="34" charset="0"/>
-                <a:cs typeface="Times New Roman" panose="02020603050405020304" pitchFamily="18" charset="0"/>
-              </a:rPr>
-              <a:t>isId</a:t>
-            </a:r>
-            <a:r>
-              <a:rPr lang="fr-FR" sz="1200" dirty="0">
-                <a:latin typeface="Book Antiqua" panose="02040602050305030304" pitchFamily="18" charset="0"/>
-                <a:ea typeface="Calibri" panose="020F0502020204030204" pitchFamily="34" charset="0"/>
-                <a:cs typeface="Times New Roman" panose="02020603050405020304" pitchFamily="18" charset="0"/>
-              </a:rPr>
-              <a:t> : </a:t>
-            </a:r>
-            <a:r>
-              <a:rPr lang="fr-FR" sz="1200" dirty="0" err="1">
-                <a:latin typeface="Book Antiqua" panose="02040602050305030304" pitchFamily="18" charset="0"/>
-                <a:ea typeface="Calibri" panose="020F0502020204030204" pitchFamily="34" charset="0"/>
-                <a:cs typeface="Times New Roman" panose="02020603050405020304" pitchFamily="18" charset="0"/>
-              </a:rPr>
-              <a:t>true</a:t>
-            </a:r>
-            <a:r>
-              <a:rPr lang="fr-FR" sz="1200" dirty="0">
-                <a:latin typeface="Book Antiqua" panose="02040602050305030304" pitchFamily="18" charset="0"/>
-                <a:ea typeface="Calibri" panose="020F0502020204030204" pitchFamily="34" charset="0"/>
-                <a:cs typeface="Times New Roman" panose="02020603050405020304" pitchFamily="18" charset="0"/>
-              </a:rPr>
-              <a:t> après authentification</a:t>
-            </a:r>
-          </a:p>
-          <a:p>
-            <a:pPr marL="628650" lvl="1" indent="-171450">
-              <a:lnSpc>
-                <a:spcPct val="107000"/>
-              </a:lnSpc>
-              <a:buFont typeface="Wingdings" panose="05000000000000000000" pitchFamily="2" charset="2"/>
-              <a:buChar char="Ø"/>
-            </a:pPr>
-            <a:r>
-              <a:rPr lang="fr-FR" sz="1200" u="sng" dirty="0">
-                <a:latin typeface="Book Antiqua" panose="02040602050305030304" pitchFamily="18" charset="0"/>
-                <a:ea typeface="Calibri" panose="020F0502020204030204" pitchFamily="34" charset="0"/>
-                <a:cs typeface="Times New Roman" panose="02020603050405020304" pitchFamily="18" charset="0"/>
-              </a:rPr>
-              <a:t>profil</a:t>
-            </a:r>
-            <a:r>
-              <a:rPr lang="fr-FR" sz="1200" dirty="0">
-                <a:latin typeface="Book Antiqua" panose="02040602050305030304" pitchFamily="18" charset="0"/>
-                <a:ea typeface="Calibri" panose="020F0502020204030204" pitchFamily="34" charset="0"/>
-                <a:cs typeface="Times New Roman" panose="02020603050405020304" pitchFamily="18" charset="0"/>
-              </a:rPr>
-              <a:t> : 1 (usager), 2 (technicien), 3 (valideur) ou 4 (admin)</a:t>
-            </a:r>
-          </a:p>
-          <a:p>
-            <a:pPr marL="628650" lvl="1" indent="-171450">
-              <a:lnSpc>
-                <a:spcPct val="107000"/>
-              </a:lnSpc>
-              <a:buFont typeface="Wingdings" panose="05000000000000000000" pitchFamily="2" charset="2"/>
-              <a:buChar char="Ø"/>
-            </a:pPr>
-            <a:r>
-              <a:rPr lang="fr-FR" sz="1200" u="sng" dirty="0" err="1">
-                <a:latin typeface="Book Antiqua" panose="02040602050305030304" pitchFamily="18" charset="0"/>
-                <a:ea typeface="Calibri" panose="020F0502020204030204" pitchFamily="34" charset="0"/>
-                <a:cs typeface="Times New Roman" panose="02020603050405020304" pitchFamily="18" charset="0"/>
-              </a:rPr>
-              <a:t>uuid</a:t>
-            </a:r>
-            <a:r>
-              <a:rPr lang="fr-FR" sz="1200" dirty="0">
-                <a:latin typeface="Book Antiqua" panose="02040602050305030304" pitchFamily="18" charset="0"/>
-                <a:ea typeface="Calibri" panose="020F0502020204030204" pitchFamily="34" charset="0"/>
-                <a:cs typeface="Times New Roman" panose="02020603050405020304" pitchFamily="18" charset="0"/>
-              </a:rPr>
-              <a:t> de l’utilisateur, attribué à la création du compte</a:t>
-            </a:r>
-          </a:p>
-          <a:p>
-            <a:pPr marL="628650" lvl="1" indent="-171450">
-              <a:lnSpc>
-                <a:spcPct val="107000"/>
-              </a:lnSpc>
-              <a:buFont typeface="Wingdings" panose="05000000000000000000" pitchFamily="2" charset="2"/>
-              <a:buChar char="Ø"/>
-            </a:pPr>
-            <a:r>
-              <a:rPr lang="fr-FR" sz="1200" u="sng" dirty="0">
-                <a:latin typeface="Book Antiqua" panose="02040602050305030304" pitchFamily="18" charset="0"/>
-                <a:ea typeface="Calibri" panose="020F0502020204030204" pitchFamily="34" charset="0"/>
-                <a:cs typeface="Times New Roman" panose="02020603050405020304" pitchFamily="18" charset="0"/>
-              </a:rPr>
-              <a:t>ut</a:t>
-            </a:r>
-            <a:r>
-              <a:rPr lang="fr-FR" sz="1200" dirty="0">
-                <a:latin typeface="Book Antiqua" panose="02040602050305030304" pitchFamily="18" charset="0"/>
-                <a:ea typeface="Calibri" panose="020F0502020204030204" pitchFamily="34" charset="0"/>
-                <a:cs typeface="Times New Roman" panose="02020603050405020304" pitchFamily="18" charset="0"/>
-              </a:rPr>
-              <a:t> : identifiant unique de l’utilisateur</a:t>
-            </a:r>
-          </a:p>
-          <a:p>
-            <a:pPr>
-              <a:lnSpc>
-                <a:spcPct val="107000"/>
-              </a:lnSpc>
-            </a:pPr>
-            <a:endParaRPr lang="fr-FR" dirty="0"/>
-          </a:p>
-          <a:p>
-            <a:pPr>
-              <a:lnSpc>
-                <a:spcPct val="107000"/>
-              </a:lnSpc>
-            </a:pPr>
-            <a:r>
-              <a:rPr lang="fr-FR" sz="1200" dirty="0">
-                <a:latin typeface="Book Antiqua" panose="02040602050305030304" pitchFamily="18" charset="0"/>
-                <a:ea typeface="Calibri" panose="020F0502020204030204" pitchFamily="34" charset="0"/>
-                <a:cs typeface="Times New Roman" panose="02020603050405020304" pitchFamily="18" charset="0"/>
-              </a:rPr>
-              <a:t>Testé à chaque sollicitation de service.</a:t>
-            </a:r>
-          </a:p>
-          <a:p>
-            <a:pPr>
-              <a:lnSpc>
-                <a:spcPct val="107000"/>
-              </a:lnSpc>
-            </a:pPr>
-            <a:r>
-              <a:rPr lang="fr-FR" sz="1200" dirty="0">
-                <a:latin typeface="Book Antiqua" panose="02040602050305030304" pitchFamily="18" charset="0"/>
-                <a:ea typeface="Calibri" panose="020F0502020204030204" pitchFamily="34" charset="0"/>
-                <a:cs typeface="Times New Roman" panose="02020603050405020304" pitchFamily="18" charset="0"/>
-              </a:rPr>
-              <a:t>        exemples</a:t>
-            </a:r>
-          </a:p>
-          <a:p>
-            <a:pPr marL="628650" lvl="1" indent="-171450">
-              <a:lnSpc>
-                <a:spcPct val="107000"/>
-              </a:lnSpc>
-              <a:buFont typeface="Wingdings" panose="05000000000000000000" pitchFamily="2" charset="2"/>
-              <a:buChar char="§"/>
-            </a:pPr>
-            <a:r>
-              <a:rPr lang="fr-FR" sz="1200" dirty="0">
-                <a:latin typeface="Book Antiqua" panose="02040602050305030304" pitchFamily="18" charset="0"/>
-                <a:ea typeface="Calibri" panose="020F0502020204030204" pitchFamily="34" charset="0"/>
-                <a:cs typeface="Times New Roman" panose="02020603050405020304" pitchFamily="18" charset="0"/>
-              </a:rPr>
-              <a:t>Création d’un nouvel utilisateur</a:t>
-            </a:r>
-          </a:p>
-          <a:p>
-            <a:pPr lvl="2">
-              <a:lnSpc>
-                <a:spcPct val="107000"/>
-              </a:lnSpc>
-            </a:pPr>
-            <a:r>
-              <a:rPr lang="fr-FR" sz="1200" dirty="0">
-                <a:latin typeface="Book Antiqua" panose="02040602050305030304" pitchFamily="18" charset="0"/>
-                <a:ea typeface="Calibri" panose="020F0502020204030204" pitchFamily="34" charset="0"/>
-                <a:cs typeface="Times New Roman" panose="02020603050405020304" pitchFamily="18" charset="0"/>
-              </a:rPr>
-              <a:t>=&gt; ? (session. </a:t>
-            </a:r>
-            <a:r>
-              <a:rPr lang="fr-FR" sz="1200" dirty="0" err="1">
-                <a:latin typeface="Book Antiqua" panose="02040602050305030304" pitchFamily="18" charset="0"/>
-                <a:ea typeface="Calibri" panose="020F0502020204030204" pitchFamily="34" charset="0"/>
-                <a:cs typeface="Times New Roman" panose="02020603050405020304" pitchFamily="18" charset="0"/>
-              </a:rPr>
-              <a:t>isId</a:t>
-            </a:r>
-            <a:r>
-              <a:rPr lang="fr-FR" sz="1200" dirty="0">
-                <a:latin typeface="Book Antiqua" panose="02040602050305030304" pitchFamily="18" charset="0"/>
-                <a:ea typeface="Calibri" panose="020F0502020204030204" pitchFamily="34" charset="0"/>
-                <a:cs typeface="Times New Roman" panose="02020603050405020304" pitchFamily="18" charset="0"/>
-              </a:rPr>
-              <a:t> == </a:t>
-            </a:r>
-            <a:r>
-              <a:rPr lang="fr-FR" sz="1200" dirty="0" err="1">
-                <a:latin typeface="Book Antiqua" panose="02040602050305030304" pitchFamily="18" charset="0"/>
-                <a:ea typeface="Calibri" panose="020F0502020204030204" pitchFamily="34" charset="0"/>
-                <a:cs typeface="Times New Roman" panose="02020603050405020304" pitchFamily="18" charset="0"/>
-              </a:rPr>
-              <a:t>true</a:t>
-            </a:r>
-            <a:r>
-              <a:rPr lang="fr-FR" sz="1200" dirty="0">
-                <a:latin typeface="Book Antiqua" panose="02040602050305030304" pitchFamily="18" charset="0"/>
-                <a:ea typeface="Calibri" panose="020F0502020204030204" pitchFamily="34" charset="0"/>
-                <a:cs typeface="Times New Roman" panose="02020603050405020304" pitchFamily="18" charset="0"/>
-              </a:rPr>
-              <a:t> &amp; session. profil == 4) 	</a:t>
-            </a:r>
-          </a:p>
-          <a:p>
-            <a:pPr marL="628650" lvl="1" indent="-171450">
-              <a:lnSpc>
-                <a:spcPct val="107000"/>
-              </a:lnSpc>
-              <a:buFont typeface="Wingdings" panose="05000000000000000000" pitchFamily="2" charset="2"/>
-              <a:buChar char="§"/>
-            </a:pPr>
-            <a:r>
-              <a:rPr lang="fr-FR" sz="1200" dirty="0">
-                <a:latin typeface="Book Antiqua" panose="02040602050305030304" pitchFamily="18" charset="0"/>
-                <a:ea typeface="Calibri" panose="020F0502020204030204" pitchFamily="34" charset="0"/>
-                <a:cs typeface="Times New Roman" panose="02020603050405020304" pitchFamily="18" charset="0"/>
-              </a:rPr>
-              <a:t>Liste des incidents de l’utilisateur</a:t>
-            </a:r>
-          </a:p>
-          <a:p>
-            <a:pPr marL="1085850" lvl="2" indent="-171450">
-              <a:lnSpc>
-                <a:spcPct val="107000"/>
-              </a:lnSpc>
-              <a:buFont typeface="Symbol" panose="05050102010706020507" pitchFamily="18" charset="2"/>
-              <a:buChar char="Þ"/>
-            </a:pPr>
-            <a:r>
-              <a:rPr lang="fr-FR" sz="1200" dirty="0">
-                <a:latin typeface="Book Antiqua" panose="02040602050305030304" pitchFamily="18" charset="0"/>
-                <a:ea typeface="Calibri" panose="020F0502020204030204" pitchFamily="34" charset="0"/>
-                <a:cs typeface="Times New Roman" panose="02020603050405020304" pitchFamily="18" charset="0"/>
-              </a:rPr>
-              <a:t>? (</a:t>
-            </a:r>
-            <a:r>
-              <a:rPr lang="fr-FR" sz="1200" dirty="0" err="1">
-                <a:latin typeface="Book Antiqua" panose="02040602050305030304" pitchFamily="18" charset="0"/>
-                <a:ea typeface="Calibri" panose="020F0502020204030204" pitchFamily="34" charset="0"/>
-                <a:cs typeface="Times New Roman" panose="02020603050405020304" pitchFamily="18" charset="0"/>
-              </a:rPr>
-              <a:t>session.isId</a:t>
-            </a:r>
-            <a:r>
-              <a:rPr lang="fr-FR" sz="1200" dirty="0">
-                <a:latin typeface="Book Antiqua" panose="02040602050305030304" pitchFamily="18" charset="0"/>
-                <a:ea typeface="Calibri" panose="020F0502020204030204" pitchFamily="34" charset="0"/>
-                <a:cs typeface="Times New Roman" panose="02020603050405020304" pitchFamily="18" charset="0"/>
-              </a:rPr>
-              <a:t> == </a:t>
-            </a:r>
-            <a:r>
-              <a:rPr lang="fr-FR" sz="1200" dirty="0" err="1">
-                <a:latin typeface="Book Antiqua" panose="02040602050305030304" pitchFamily="18" charset="0"/>
-                <a:ea typeface="Calibri" panose="020F0502020204030204" pitchFamily="34" charset="0"/>
-                <a:cs typeface="Times New Roman" panose="02020603050405020304" pitchFamily="18" charset="0"/>
-              </a:rPr>
-              <a:t>true</a:t>
-            </a:r>
-            <a:r>
-              <a:rPr lang="fr-FR" sz="1200" dirty="0">
-                <a:latin typeface="Book Antiqua" panose="02040602050305030304" pitchFamily="18" charset="0"/>
-                <a:ea typeface="Calibri" panose="020F0502020204030204" pitchFamily="34" charset="0"/>
-                <a:cs typeface="Times New Roman" panose="02020603050405020304" pitchFamily="18" charset="0"/>
-              </a:rPr>
-              <a:t>)</a:t>
-            </a:r>
-          </a:p>
-          <a:p>
-            <a:pPr marL="1085850" lvl="2" indent="-171450">
-              <a:lnSpc>
-                <a:spcPct val="107000"/>
-              </a:lnSpc>
-              <a:buFont typeface="Symbol" panose="05050102010706020507" pitchFamily="18" charset="2"/>
-              <a:buChar char="Þ"/>
-            </a:pPr>
-            <a:r>
-              <a:rPr lang="fr-FR" sz="1200" dirty="0">
-                <a:latin typeface="Book Antiqua" panose="02040602050305030304" pitchFamily="18" charset="0"/>
-                <a:ea typeface="Calibri" panose="020F0502020204030204" pitchFamily="34" charset="0"/>
-                <a:cs typeface="Times New Roman" panose="02020603050405020304" pitchFamily="18" charset="0"/>
-              </a:rPr>
-              <a:t>Requête de sélection d’incidents =&gt; ? </a:t>
-            </a:r>
-            <a:r>
-              <a:rPr lang="fr-FR" sz="1200" dirty="0" err="1">
-                <a:latin typeface="Book Antiqua" panose="02040602050305030304" pitchFamily="18" charset="0"/>
-                <a:ea typeface="Calibri" panose="020F0502020204030204" pitchFamily="34" charset="0"/>
-                <a:cs typeface="Times New Roman" panose="02020603050405020304" pitchFamily="18" charset="0"/>
-              </a:rPr>
-              <a:t>inc_signal_ut</a:t>
-            </a:r>
-            <a:r>
-              <a:rPr lang="fr-FR" sz="1200" dirty="0">
-                <a:latin typeface="Book Antiqua" panose="02040602050305030304" pitchFamily="18" charset="0"/>
-                <a:ea typeface="Calibri" panose="020F0502020204030204" pitchFamily="34" charset="0"/>
-                <a:cs typeface="Times New Roman" panose="02020603050405020304" pitchFamily="18" charset="0"/>
-              </a:rPr>
-              <a:t> == </a:t>
-            </a:r>
-            <a:r>
-              <a:rPr lang="fr-FR" sz="1200" dirty="0" err="1">
-                <a:latin typeface="Book Antiqua" panose="02040602050305030304" pitchFamily="18" charset="0"/>
-                <a:ea typeface="Calibri" panose="020F0502020204030204" pitchFamily="34" charset="0"/>
-                <a:cs typeface="Times New Roman" panose="02020603050405020304" pitchFamily="18" charset="0"/>
-              </a:rPr>
-              <a:t>session.uuid</a:t>
-            </a:r>
-            <a:r>
-              <a:rPr lang="fr-FR" sz="1200" dirty="0">
-                <a:latin typeface="Book Antiqua" panose="02040602050305030304" pitchFamily="18" charset="0"/>
-                <a:ea typeface="Calibri" panose="020F0502020204030204" pitchFamily="34" charset="0"/>
-                <a:cs typeface="Times New Roman" panose="02020603050405020304" pitchFamily="18" charset="0"/>
-              </a:rPr>
-              <a:t>) </a:t>
-            </a:r>
-          </a:p>
-          <a:p>
-            <a:pPr>
-              <a:lnSpc>
-                <a:spcPct val="107000"/>
-              </a:lnSpc>
-            </a:pPr>
-            <a:endParaRPr lang="fr-FR" sz="1200" dirty="0">
-              <a:latin typeface="Book Antiqua" panose="02040602050305030304" pitchFamily="18" charset="0"/>
-              <a:ea typeface="Calibri" panose="020F0502020204030204" pitchFamily="34" charset="0"/>
-              <a:cs typeface="Times New Roman" panose="02020603050405020304" pitchFamily="18" charset="0"/>
-            </a:endParaRPr>
-          </a:p>
-          <a:p>
-            <a:pPr>
-              <a:lnSpc>
-                <a:spcPct val="107000"/>
-              </a:lnSpc>
-            </a:pPr>
-            <a:endParaRPr lang="fr-FR" sz="1200" dirty="0">
-              <a:latin typeface="Book Antiqua" panose="02040602050305030304" pitchFamily="18" charset="0"/>
-              <a:ea typeface="Calibri" panose="020F0502020204030204" pitchFamily="34" charset="0"/>
-              <a:cs typeface="Times New Roman" panose="02020603050405020304" pitchFamily="18" charset="0"/>
-            </a:endParaRPr>
-          </a:p>
-          <a:p>
-            <a:pPr>
-              <a:lnSpc>
-                <a:spcPct val="107000"/>
-              </a:lnSpc>
-            </a:pPr>
-            <a:r>
-              <a:rPr lang="fr-FR" sz="1200" dirty="0">
-                <a:latin typeface="Book Antiqua" panose="02040602050305030304" pitchFamily="18" charset="0"/>
-                <a:ea typeface="Calibri" panose="020F0502020204030204" pitchFamily="34" charset="0"/>
-                <a:cs typeface="Times New Roman" panose="02020603050405020304" pitchFamily="18" charset="0"/>
-              </a:rPr>
-              <a:t>S’autodétruit 10 minutes après la dernière connexion.</a:t>
-            </a:r>
-          </a:p>
-        </p:txBody>
-      </p:sp>
-      <p:pic>
-        <p:nvPicPr>
-          <p:cNvPr id="5" name="Image 4">
-            <a:extLst>
-              <a:ext uri="{FF2B5EF4-FFF2-40B4-BE49-F238E27FC236}">
-                <a16:creationId xmlns:a16="http://schemas.microsoft.com/office/drawing/2014/main" id="{BA7A1198-FF12-82A3-1975-CA5EFABB0151}"/>
-              </a:ext>
-            </a:extLst>
-          </p:cNvPr>
-          <p:cNvPicPr>
-            <a:picLocks noChangeAspect="1"/>
-          </p:cNvPicPr>
-          <p:nvPr/>
-        </p:nvPicPr>
-        <p:blipFill>
-          <a:blip r:embed="rId2"/>
-          <a:stretch>
-            <a:fillRect/>
-          </a:stretch>
-        </p:blipFill>
-        <p:spPr>
-          <a:xfrm>
-            <a:off x="8566471" y="1047704"/>
-            <a:ext cx="2190750" cy="1781175"/>
-          </a:xfrm>
-          <a:prstGeom prst="rect">
-            <a:avLst/>
-          </a:prstGeom>
-        </p:spPr>
-      </p:pic>
-    </p:spTree>
-    <p:extLst>
-      <p:ext uri="{BB962C8B-B14F-4D97-AF65-F5344CB8AC3E}">
-        <p14:creationId xmlns:p14="http://schemas.microsoft.com/office/powerpoint/2010/main" val="2247162947"/>
-      </p:ext>
-    </p:extLst>
-  </p:cSld>
-  <p:clrMapOvr>
-    <a:masterClrMapping/>
-  </p:clrMapOvr>
-</p:sld>
-</file>
-
 <file path=ppt/slides/slide19.xml><?xml version="1.0" encoding="utf-8"?>
 <p:sld xmlns:a="http://schemas.openxmlformats.org/drawingml/2006/main" xmlns:r="http://schemas.openxmlformats.org/officeDocument/2006/relationships" xmlns:p="http://schemas.openxmlformats.org/presentationml/2006/main">
   <p:cSld>
@@ -6973,12 +6998,7 @@
             <p:ph type="title"/>
           </p:nvPr>
         </p:nvSpPr>
-        <p:spPr>
-          <a:xfrm>
-            <a:off x="838200" y="681038"/>
-            <a:ext cx="10515600" cy="972704"/>
-          </a:xfrm>
-        </p:spPr>
+        <p:spPr/>
         <p:txBody>
           <a:bodyPr>
             <a:normAutofit/>
@@ -6987,17 +7007,433 @@
           <a:p>
             <a:r>
               <a:rPr lang="fr-FR" sz="4000" dirty="0"/>
-              <a:t>Organisation et outils de travail</a:t>
+              <a:t>La sécurité – cookie de session</a:t>
+            </a:r>
+          </a:p>
+        </p:txBody>
+      </p:sp>
+      <p:sp>
+        <p:nvSpPr>
+          <p:cNvPr id="9" name="ZoneTexte 8">
+            <a:extLst>
+              <a:ext uri="{FF2B5EF4-FFF2-40B4-BE49-F238E27FC236}">
+                <a16:creationId xmlns:a16="http://schemas.microsoft.com/office/drawing/2014/main" id="{BC23ED4F-C6A3-6A63-6E53-A21EC4FABCD5}"/>
+              </a:ext>
+            </a:extLst>
+          </p:cNvPr>
+          <p:cNvSpPr txBox="1"/>
+          <p:nvPr/>
+        </p:nvSpPr>
+        <p:spPr>
+          <a:xfrm>
+            <a:off x="1347063" y="2006600"/>
+            <a:ext cx="7010128" cy="3345531"/>
+          </a:xfrm>
+          <a:prstGeom prst="rect">
+            <a:avLst/>
+          </a:prstGeom>
+          <a:noFill/>
+        </p:spPr>
+        <p:txBody>
+          <a:bodyPr wrap="square">
+            <a:spAutoFit/>
+          </a:bodyPr>
+          <a:lstStyle/>
+          <a:p>
+            <a:pPr>
+              <a:lnSpc>
+                <a:spcPct val="107000"/>
+              </a:lnSpc>
+            </a:pPr>
+            <a:r>
+              <a:rPr lang="fr-FR" sz="1200" dirty="0">
+                <a:latin typeface="Book Antiqua" panose="02040602050305030304" pitchFamily="18" charset="0"/>
+                <a:ea typeface="Calibri" panose="020F0502020204030204" pitchFamily="34" charset="0"/>
+                <a:cs typeface="Times New Roman" panose="02020603050405020304" pitchFamily="18" charset="0"/>
+              </a:rPr>
+              <a:t>Données collectées lors de l’authentification.</a:t>
+            </a:r>
+          </a:p>
+          <a:p>
+            <a:pPr marL="628650" lvl="1" indent="-171450">
+              <a:lnSpc>
+                <a:spcPct val="107000"/>
+              </a:lnSpc>
+              <a:buFont typeface="Wingdings" panose="05000000000000000000" pitchFamily="2" charset="2"/>
+              <a:buChar char="Ø"/>
+            </a:pPr>
+            <a:r>
+              <a:rPr lang="fr-FR" sz="1200" u="sng" dirty="0" err="1">
+                <a:latin typeface="Book Antiqua" panose="02040602050305030304" pitchFamily="18" charset="0"/>
+                <a:ea typeface="Calibri" panose="020F0502020204030204" pitchFamily="34" charset="0"/>
+                <a:cs typeface="Times New Roman" panose="02020603050405020304" pitchFamily="18" charset="0"/>
+              </a:rPr>
+              <a:t>isId</a:t>
+            </a:r>
+            <a:r>
+              <a:rPr lang="fr-FR" sz="1200" dirty="0">
+                <a:latin typeface="Book Antiqua" panose="02040602050305030304" pitchFamily="18" charset="0"/>
+                <a:ea typeface="Calibri" panose="020F0502020204030204" pitchFamily="34" charset="0"/>
+                <a:cs typeface="Times New Roman" panose="02020603050405020304" pitchFamily="18" charset="0"/>
+              </a:rPr>
+              <a:t> : </a:t>
+            </a:r>
+            <a:r>
+              <a:rPr lang="fr-FR" sz="1200" dirty="0" err="1">
+                <a:latin typeface="Book Antiqua" panose="02040602050305030304" pitchFamily="18" charset="0"/>
+                <a:ea typeface="Calibri" panose="020F0502020204030204" pitchFamily="34" charset="0"/>
+                <a:cs typeface="Times New Roman" panose="02020603050405020304" pitchFamily="18" charset="0"/>
+              </a:rPr>
+              <a:t>true</a:t>
+            </a:r>
+            <a:r>
+              <a:rPr lang="fr-FR" sz="1200" dirty="0">
+                <a:latin typeface="Book Antiqua" panose="02040602050305030304" pitchFamily="18" charset="0"/>
+                <a:ea typeface="Calibri" panose="020F0502020204030204" pitchFamily="34" charset="0"/>
+                <a:cs typeface="Times New Roman" panose="02020603050405020304" pitchFamily="18" charset="0"/>
+              </a:rPr>
+              <a:t> après authentification</a:t>
+            </a:r>
+          </a:p>
+          <a:p>
+            <a:pPr marL="628650" lvl="1" indent="-171450">
+              <a:lnSpc>
+                <a:spcPct val="107000"/>
+              </a:lnSpc>
+              <a:buFont typeface="Wingdings" panose="05000000000000000000" pitchFamily="2" charset="2"/>
+              <a:buChar char="Ø"/>
+            </a:pPr>
+            <a:r>
+              <a:rPr lang="fr-FR" sz="1200" u="sng" dirty="0">
+                <a:latin typeface="Book Antiqua" panose="02040602050305030304" pitchFamily="18" charset="0"/>
+                <a:ea typeface="Calibri" panose="020F0502020204030204" pitchFamily="34" charset="0"/>
+                <a:cs typeface="Times New Roman" panose="02020603050405020304" pitchFamily="18" charset="0"/>
+              </a:rPr>
+              <a:t>profil</a:t>
+            </a:r>
+            <a:r>
+              <a:rPr lang="fr-FR" sz="1200" dirty="0">
+                <a:latin typeface="Book Antiqua" panose="02040602050305030304" pitchFamily="18" charset="0"/>
+                <a:ea typeface="Calibri" panose="020F0502020204030204" pitchFamily="34" charset="0"/>
+                <a:cs typeface="Times New Roman" panose="02020603050405020304" pitchFamily="18" charset="0"/>
+              </a:rPr>
+              <a:t> : 1 (usager), 2 (technicien), 3 (valideur) ou 4 (admin)</a:t>
+            </a:r>
+          </a:p>
+          <a:p>
+            <a:pPr marL="628650" lvl="1" indent="-171450">
+              <a:lnSpc>
+                <a:spcPct val="107000"/>
+              </a:lnSpc>
+              <a:buFont typeface="Wingdings" panose="05000000000000000000" pitchFamily="2" charset="2"/>
+              <a:buChar char="Ø"/>
+            </a:pPr>
+            <a:r>
+              <a:rPr lang="fr-FR" sz="1200" u="sng" dirty="0" err="1">
+                <a:latin typeface="Book Antiqua" panose="02040602050305030304" pitchFamily="18" charset="0"/>
+                <a:ea typeface="Calibri" panose="020F0502020204030204" pitchFamily="34" charset="0"/>
+                <a:cs typeface="Times New Roman" panose="02020603050405020304" pitchFamily="18" charset="0"/>
+              </a:rPr>
+              <a:t>uuid</a:t>
+            </a:r>
+            <a:r>
+              <a:rPr lang="fr-FR" sz="1200" dirty="0">
+                <a:latin typeface="Book Antiqua" panose="02040602050305030304" pitchFamily="18" charset="0"/>
+                <a:ea typeface="Calibri" panose="020F0502020204030204" pitchFamily="34" charset="0"/>
+                <a:cs typeface="Times New Roman" panose="02020603050405020304" pitchFamily="18" charset="0"/>
+              </a:rPr>
+              <a:t> de l’utilisateur, attribué à la création du compte</a:t>
+            </a:r>
+          </a:p>
+          <a:p>
+            <a:pPr marL="628650" lvl="1" indent="-171450">
+              <a:lnSpc>
+                <a:spcPct val="107000"/>
+              </a:lnSpc>
+              <a:buFont typeface="Wingdings" panose="05000000000000000000" pitchFamily="2" charset="2"/>
+              <a:buChar char="Ø"/>
+            </a:pPr>
+            <a:r>
+              <a:rPr lang="fr-FR" sz="1200" u="sng" dirty="0">
+                <a:latin typeface="Book Antiqua" panose="02040602050305030304" pitchFamily="18" charset="0"/>
+                <a:ea typeface="Calibri" panose="020F0502020204030204" pitchFamily="34" charset="0"/>
+                <a:cs typeface="Times New Roman" panose="02020603050405020304" pitchFamily="18" charset="0"/>
+              </a:rPr>
+              <a:t>ut</a:t>
+            </a:r>
+            <a:r>
+              <a:rPr lang="fr-FR" sz="1200" dirty="0">
+                <a:latin typeface="Book Antiqua" panose="02040602050305030304" pitchFamily="18" charset="0"/>
+                <a:ea typeface="Calibri" panose="020F0502020204030204" pitchFamily="34" charset="0"/>
+                <a:cs typeface="Times New Roman" panose="02020603050405020304" pitchFamily="18" charset="0"/>
+              </a:rPr>
+              <a:t> : identifiant unique de l’utilisateur</a:t>
+            </a:r>
+          </a:p>
+          <a:p>
+            <a:pPr>
+              <a:lnSpc>
+                <a:spcPct val="107000"/>
+              </a:lnSpc>
+            </a:pPr>
+            <a:endParaRPr lang="fr-FR" dirty="0"/>
+          </a:p>
+          <a:p>
+            <a:pPr>
+              <a:lnSpc>
+                <a:spcPct val="107000"/>
+              </a:lnSpc>
+            </a:pPr>
+            <a:r>
+              <a:rPr lang="fr-FR" sz="1200" dirty="0">
+                <a:latin typeface="Book Antiqua" panose="02040602050305030304" pitchFamily="18" charset="0"/>
+                <a:ea typeface="Calibri" panose="020F0502020204030204" pitchFamily="34" charset="0"/>
+                <a:cs typeface="Times New Roman" panose="02020603050405020304" pitchFamily="18" charset="0"/>
+              </a:rPr>
+              <a:t>Testé à chaque sollicitation de service.</a:t>
+            </a:r>
+          </a:p>
+          <a:p>
+            <a:pPr>
+              <a:lnSpc>
+                <a:spcPct val="107000"/>
+              </a:lnSpc>
+            </a:pPr>
+            <a:r>
+              <a:rPr lang="fr-FR" sz="1200" dirty="0">
+                <a:latin typeface="Book Antiqua" panose="02040602050305030304" pitchFamily="18" charset="0"/>
+                <a:ea typeface="Calibri" panose="020F0502020204030204" pitchFamily="34" charset="0"/>
+                <a:cs typeface="Times New Roman" panose="02020603050405020304" pitchFamily="18" charset="0"/>
+              </a:rPr>
+              <a:t>        exemples</a:t>
+            </a:r>
+          </a:p>
+          <a:p>
+            <a:pPr marL="628650" lvl="1" indent="-171450">
+              <a:lnSpc>
+                <a:spcPct val="107000"/>
+              </a:lnSpc>
+              <a:buFont typeface="Wingdings" panose="05000000000000000000" pitchFamily="2" charset="2"/>
+              <a:buChar char="§"/>
+            </a:pPr>
+            <a:r>
+              <a:rPr lang="fr-FR" sz="1200" dirty="0">
+                <a:latin typeface="Book Antiqua" panose="02040602050305030304" pitchFamily="18" charset="0"/>
+                <a:ea typeface="Calibri" panose="020F0502020204030204" pitchFamily="34" charset="0"/>
+                <a:cs typeface="Times New Roman" panose="02020603050405020304" pitchFamily="18" charset="0"/>
+              </a:rPr>
+              <a:t>Création d’un nouvel utilisateur</a:t>
+            </a:r>
+          </a:p>
+          <a:p>
+            <a:pPr lvl="2">
+              <a:lnSpc>
+                <a:spcPct val="107000"/>
+              </a:lnSpc>
+            </a:pPr>
+            <a:r>
+              <a:rPr lang="fr-FR" sz="1200" dirty="0">
+                <a:latin typeface="Book Antiqua" panose="02040602050305030304" pitchFamily="18" charset="0"/>
+                <a:ea typeface="Calibri" panose="020F0502020204030204" pitchFamily="34" charset="0"/>
+                <a:cs typeface="Times New Roman" panose="02020603050405020304" pitchFamily="18" charset="0"/>
+              </a:rPr>
+              <a:t>=&gt; ? (session. </a:t>
+            </a:r>
+            <a:r>
+              <a:rPr lang="fr-FR" sz="1200" dirty="0" err="1">
+                <a:latin typeface="Book Antiqua" panose="02040602050305030304" pitchFamily="18" charset="0"/>
+                <a:ea typeface="Calibri" panose="020F0502020204030204" pitchFamily="34" charset="0"/>
+                <a:cs typeface="Times New Roman" panose="02020603050405020304" pitchFamily="18" charset="0"/>
+              </a:rPr>
+              <a:t>isId</a:t>
+            </a:r>
+            <a:r>
+              <a:rPr lang="fr-FR" sz="1200" dirty="0">
+                <a:latin typeface="Book Antiqua" panose="02040602050305030304" pitchFamily="18" charset="0"/>
+                <a:ea typeface="Calibri" panose="020F0502020204030204" pitchFamily="34" charset="0"/>
+                <a:cs typeface="Times New Roman" panose="02020603050405020304" pitchFamily="18" charset="0"/>
+              </a:rPr>
+              <a:t> == </a:t>
+            </a:r>
+            <a:r>
+              <a:rPr lang="fr-FR" sz="1200" dirty="0" err="1">
+                <a:latin typeface="Book Antiqua" panose="02040602050305030304" pitchFamily="18" charset="0"/>
+                <a:ea typeface="Calibri" panose="020F0502020204030204" pitchFamily="34" charset="0"/>
+                <a:cs typeface="Times New Roman" panose="02020603050405020304" pitchFamily="18" charset="0"/>
+              </a:rPr>
+              <a:t>true</a:t>
+            </a:r>
+            <a:r>
+              <a:rPr lang="fr-FR" sz="1200" dirty="0">
+                <a:latin typeface="Book Antiqua" panose="02040602050305030304" pitchFamily="18" charset="0"/>
+                <a:ea typeface="Calibri" panose="020F0502020204030204" pitchFamily="34" charset="0"/>
+                <a:cs typeface="Times New Roman" panose="02020603050405020304" pitchFamily="18" charset="0"/>
+              </a:rPr>
+              <a:t> &amp; session. profil == 4) 	</a:t>
+            </a:r>
+          </a:p>
+          <a:p>
+            <a:pPr marL="628650" lvl="1" indent="-171450">
+              <a:lnSpc>
+                <a:spcPct val="107000"/>
+              </a:lnSpc>
+              <a:buFont typeface="Wingdings" panose="05000000000000000000" pitchFamily="2" charset="2"/>
+              <a:buChar char="§"/>
+            </a:pPr>
+            <a:r>
+              <a:rPr lang="fr-FR" sz="1200" dirty="0">
+                <a:latin typeface="Book Antiqua" panose="02040602050305030304" pitchFamily="18" charset="0"/>
+                <a:ea typeface="Calibri" panose="020F0502020204030204" pitchFamily="34" charset="0"/>
+                <a:cs typeface="Times New Roman" panose="02020603050405020304" pitchFamily="18" charset="0"/>
+              </a:rPr>
+              <a:t>Liste des incidents de l’utilisateur</a:t>
+            </a:r>
+          </a:p>
+          <a:p>
+            <a:pPr marL="1085850" lvl="2" indent="-171450">
+              <a:lnSpc>
+                <a:spcPct val="107000"/>
+              </a:lnSpc>
+              <a:buFont typeface="Symbol" panose="05050102010706020507" pitchFamily="18" charset="2"/>
+              <a:buChar char="Þ"/>
+            </a:pPr>
+            <a:r>
+              <a:rPr lang="fr-FR" sz="1200" dirty="0">
+                <a:latin typeface="Book Antiqua" panose="02040602050305030304" pitchFamily="18" charset="0"/>
+                <a:ea typeface="Calibri" panose="020F0502020204030204" pitchFamily="34" charset="0"/>
+                <a:cs typeface="Times New Roman" panose="02020603050405020304" pitchFamily="18" charset="0"/>
+              </a:rPr>
+              <a:t>? (</a:t>
+            </a:r>
+            <a:r>
+              <a:rPr lang="fr-FR" sz="1200" dirty="0" err="1">
+                <a:latin typeface="Book Antiqua" panose="02040602050305030304" pitchFamily="18" charset="0"/>
+                <a:ea typeface="Calibri" panose="020F0502020204030204" pitchFamily="34" charset="0"/>
+                <a:cs typeface="Times New Roman" panose="02020603050405020304" pitchFamily="18" charset="0"/>
+              </a:rPr>
+              <a:t>session.isId</a:t>
+            </a:r>
+            <a:r>
+              <a:rPr lang="fr-FR" sz="1200" dirty="0">
+                <a:latin typeface="Book Antiqua" panose="02040602050305030304" pitchFamily="18" charset="0"/>
+                <a:ea typeface="Calibri" panose="020F0502020204030204" pitchFamily="34" charset="0"/>
+                <a:cs typeface="Times New Roman" panose="02020603050405020304" pitchFamily="18" charset="0"/>
+              </a:rPr>
+              <a:t> == </a:t>
+            </a:r>
+            <a:r>
+              <a:rPr lang="fr-FR" sz="1200" dirty="0" err="1">
+                <a:latin typeface="Book Antiqua" panose="02040602050305030304" pitchFamily="18" charset="0"/>
+                <a:ea typeface="Calibri" panose="020F0502020204030204" pitchFamily="34" charset="0"/>
+                <a:cs typeface="Times New Roman" panose="02020603050405020304" pitchFamily="18" charset="0"/>
+              </a:rPr>
+              <a:t>true</a:t>
+            </a:r>
+            <a:r>
+              <a:rPr lang="fr-FR" sz="1200" dirty="0">
+                <a:latin typeface="Book Antiqua" panose="02040602050305030304" pitchFamily="18" charset="0"/>
+                <a:ea typeface="Calibri" panose="020F0502020204030204" pitchFamily="34" charset="0"/>
+                <a:cs typeface="Times New Roman" panose="02020603050405020304" pitchFamily="18" charset="0"/>
+              </a:rPr>
+              <a:t>)</a:t>
+            </a:r>
+          </a:p>
+          <a:p>
+            <a:pPr marL="1085850" lvl="2" indent="-171450">
+              <a:lnSpc>
+                <a:spcPct val="107000"/>
+              </a:lnSpc>
+              <a:buFont typeface="Symbol" panose="05050102010706020507" pitchFamily="18" charset="2"/>
+              <a:buChar char="Þ"/>
+            </a:pPr>
+            <a:r>
+              <a:rPr lang="fr-FR" sz="1200" dirty="0">
+                <a:latin typeface="Book Antiqua" panose="02040602050305030304" pitchFamily="18" charset="0"/>
+                <a:ea typeface="Calibri" panose="020F0502020204030204" pitchFamily="34" charset="0"/>
+                <a:cs typeface="Times New Roman" panose="02020603050405020304" pitchFamily="18" charset="0"/>
+              </a:rPr>
+              <a:t>Requête de sélection d’incidents =&gt; ? </a:t>
+            </a:r>
+            <a:r>
+              <a:rPr lang="fr-FR" sz="1200" dirty="0" err="1">
+                <a:latin typeface="Book Antiqua" panose="02040602050305030304" pitchFamily="18" charset="0"/>
+                <a:ea typeface="Calibri" panose="020F0502020204030204" pitchFamily="34" charset="0"/>
+                <a:cs typeface="Times New Roman" panose="02020603050405020304" pitchFamily="18" charset="0"/>
+              </a:rPr>
+              <a:t>inc_signal_ut</a:t>
+            </a:r>
+            <a:r>
+              <a:rPr lang="fr-FR" sz="1200" dirty="0">
+                <a:latin typeface="Book Antiqua" panose="02040602050305030304" pitchFamily="18" charset="0"/>
+                <a:ea typeface="Calibri" panose="020F0502020204030204" pitchFamily="34" charset="0"/>
+                <a:cs typeface="Times New Roman" panose="02020603050405020304" pitchFamily="18" charset="0"/>
+              </a:rPr>
+              <a:t> == </a:t>
+            </a:r>
+            <a:r>
+              <a:rPr lang="fr-FR" sz="1200" dirty="0" err="1">
+                <a:latin typeface="Book Antiqua" panose="02040602050305030304" pitchFamily="18" charset="0"/>
+                <a:ea typeface="Calibri" panose="020F0502020204030204" pitchFamily="34" charset="0"/>
+                <a:cs typeface="Times New Roman" panose="02020603050405020304" pitchFamily="18" charset="0"/>
+              </a:rPr>
+              <a:t>session.uuid</a:t>
+            </a:r>
+            <a:r>
+              <a:rPr lang="fr-FR" sz="1200" dirty="0">
+                <a:latin typeface="Book Antiqua" panose="02040602050305030304" pitchFamily="18" charset="0"/>
+                <a:ea typeface="Calibri" panose="020F0502020204030204" pitchFamily="34" charset="0"/>
+                <a:cs typeface="Times New Roman" panose="02020603050405020304" pitchFamily="18" charset="0"/>
+              </a:rPr>
+              <a:t>) </a:t>
+            </a:r>
+          </a:p>
+          <a:p>
+            <a:pPr>
+              <a:lnSpc>
+                <a:spcPct val="107000"/>
+              </a:lnSpc>
+            </a:pPr>
+            <a:endParaRPr lang="fr-FR" sz="1200" dirty="0">
+              <a:latin typeface="Book Antiqua" panose="02040602050305030304" pitchFamily="18" charset="0"/>
+              <a:ea typeface="Calibri" panose="020F0502020204030204" pitchFamily="34" charset="0"/>
+              <a:cs typeface="Times New Roman" panose="02020603050405020304" pitchFamily="18" charset="0"/>
+            </a:endParaRPr>
+          </a:p>
+          <a:p>
+            <a:pPr>
+              <a:lnSpc>
+                <a:spcPct val="107000"/>
+              </a:lnSpc>
+            </a:pPr>
+            <a:endParaRPr lang="fr-FR" sz="1200" dirty="0">
+              <a:latin typeface="Book Antiqua" panose="02040602050305030304" pitchFamily="18" charset="0"/>
+              <a:ea typeface="Calibri" panose="020F0502020204030204" pitchFamily="34" charset="0"/>
+              <a:cs typeface="Times New Roman" panose="02020603050405020304" pitchFamily="18" charset="0"/>
+            </a:endParaRPr>
+          </a:p>
+          <a:p>
+            <a:pPr>
+              <a:lnSpc>
+                <a:spcPct val="107000"/>
+              </a:lnSpc>
+            </a:pPr>
+            <a:r>
+              <a:rPr lang="fr-FR" sz="1200" dirty="0">
+                <a:latin typeface="Book Antiqua" panose="02040602050305030304" pitchFamily="18" charset="0"/>
+                <a:ea typeface="Calibri" panose="020F0502020204030204" pitchFamily="34" charset="0"/>
+                <a:cs typeface="Times New Roman" panose="02020603050405020304" pitchFamily="18" charset="0"/>
+              </a:rPr>
+              <a:t>S’autodétruit 10 minutes après la dernière connexion.</a:t>
             </a:r>
           </a:p>
         </p:txBody>
       </p:sp>
       <p:pic>
         <p:nvPicPr>
-          <p:cNvPr id="13" name="Image 12">
-            <a:extLst>
-              <a:ext uri="{FF2B5EF4-FFF2-40B4-BE49-F238E27FC236}">
-                <a16:creationId xmlns:a16="http://schemas.microsoft.com/office/drawing/2014/main" id="{70F05F1B-186E-4E88-B0FF-19E1C8DCA6A9}"/>
+          <p:cNvPr id="5" name="Image 4">
+            <a:extLst>
+              <a:ext uri="{FF2B5EF4-FFF2-40B4-BE49-F238E27FC236}">
+                <a16:creationId xmlns:a16="http://schemas.microsoft.com/office/drawing/2014/main" id="{BA7A1198-FF12-82A3-1975-CA5EFABB0151}"/>
               </a:ext>
             </a:extLst>
           </p:cNvPr>
@@ -7014,1041 +7450,8 @@
         </p:blipFill>
         <p:spPr>
           <a:xfrm>
-            <a:off x="7678775" y="3356029"/>
-            <a:ext cx="931922" cy="755029"/>
-          </a:xfrm>
-          <a:prstGeom prst="rect">
-            <a:avLst/>
-          </a:prstGeom>
-        </p:spPr>
-      </p:pic>
-      <p:pic>
-        <p:nvPicPr>
-          <p:cNvPr id="6" name="Image 5">
-            <a:extLst>
-              <a:ext uri="{FF2B5EF4-FFF2-40B4-BE49-F238E27FC236}">
-                <a16:creationId xmlns:a16="http://schemas.microsoft.com/office/drawing/2014/main" id="{649BB2DA-788A-E445-58FB-0CA69F55B61E}"/>
-              </a:ext>
-            </a:extLst>
-          </p:cNvPr>
-          <p:cNvPicPr>
-            <a:picLocks noChangeAspect="1"/>
-          </p:cNvPicPr>
-          <p:nvPr/>
-        </p:nvPicPr>
-        <p:blipFill>
-          <a:blip r:embed="rId3"/>
-          <a:stretch>
-            <a:fillRect/>
-          </a:stretch>
-        </p:blipFill>
-        <p:spPr>
-          <a:xfrm>
-            <a:off x="7594700" y="4761224"/>
-            <a:ext cx="1015997" cy="770486"/>
-          </a:xfrm>
-          <a:prstGeom prst="rect">
-            <a:avLst/>
-          </a:prstGeom>
-        </p:spPr>
-      </p:pic>
-      <p:sp>
-        <p:nvSpPr>
-          <p:cNvPr id="7" name="ZoneTexte 6">
-            <a:extLst>
-              <a:ext uri="{FF2B5EF4-FFF2-40B4-BE49-F238E27FC236}">
-                <a16:creationId xmlns:a16="http://schemas.microsoft.com/office/drawing/2014/main" id="{3DD82431-573B-CC46-70D0-FF4D5003B73D}"/>
-              </a:ext>
-            </a:extLst>
-          </p:cNvPr>
-          <p:cNvSpPr txBox="1"/>
-          <p:nvPr/>
-        </p:nvSpPr>
-        <p:spPr>
-          <a:xfrm>
-            <a:off x="7767253" y="2945328"/>
-            <a:ext cx="670889" cy="338554"/>
-          </a:xfrm>
-          <a:prstGeom prst="rect">
-            <a:avLst/>
-          </a:prstGeom>
-          <a:noFill/>
-        </p:spPr>
-        <p:txBody>
-          <a:bodyPr wrap="none" rtlCol="0">
-            <a:spAutoFit/>
-          </a:bodyPr>
-          <a:lstStyle/>
-          <a:p>
-            <a:r>
-              <a:rPr lang="fr-FR" sz="1600" dirty="0"/>
-              <a:t>Front</a:t>
-            </a:r>
-          </a:p>
-        </p:txBody>
-      </p:sp>
-      <p:sp>
-        <p:nvSpPr>
-          <p:cNvPr id="9" name="ZoneTexte 8">
-            <a:extLst>
-              <a:ext uri="{FF2B5EF4-FFF2-40B4-BE49-F238E27FC236}">
-                <a16:creationId xmlns:a16="http://schemas.microsoft.com/office/drawing/2014/main" id="{FA3EE4EA-0768-B97E-6ADA-A79B721CBAD7}"/>
-              </a:ext>
-            </a:extLst>
-          </p:cNvPr>
-          <p:cNvSpPr txBox="1"/>
-          <p:nvPr/>
-        </p:nvSpPr>
-        <p:spPr>
-          <a:xfrm>
-            <a:off x="7678775" y="4266864"/>
-            <a:ext cx="626326" cy="338554"/>
-          </a:xfrm>
-          <a:prstGeom prst="rect">
-            <a:avLst/>
-          </a:prstGeom>
-          <a:noFill/>
-        </p:spPr>
-        <p:txBody>
-          <a:bodyPr wrap="square" rtlCol="0">
-            <a:spAutoFit/>
-          </a:bodyPr>
-          <a:lstStyle/>
-          <a:p>
-            <a:r>
-              <a:rPr lang="fr-FR" sz="1600" dirty="0"/>
-              <a:t>Back</a:t>
-            </a:r>
-          </a:p>
-        </p:txBody>
-      </p:sp>
-      <p:sp>
-        <p:nvSpPr>
-          <p:cNvPr id="3" name="ZoneTexte 2">
-            <a:extLst>
-              <a:ext uri="{FF2B5EF4-FFF2-40B4-BE49-F238E27FC236}">
-                <a16:creationId xmlns:a16="http://schemas.microsoft.com/office/drawing/2014/main" id="{D8056DB4-F043-93F9-188E-ACDA99A25481}"/>
-              </a:ext>
-            </a:extLst>
-          </p:cNvPr>
-          <p:cNvSpPr txBox="1"/>
-          <p:nvPr/>
-        </p:nvSpPr>
-        <p:spPr>
-          <a:xfrm>
-            <a:off x="8709061" y="4672223"/>
-            <a:ext cx="2147145" cy="1338828"/>
-          </a:xfrm>
-          <a:prstGeom prst="rect">
-            <a:avLst/>
-          </a:prstGeom>
-          <a:noFill/>
-        </p:spPr>
-        <p:txBody>
-          <a:bodyPr wrap="square" rtlCol="0">
-            <a:spAutoFit/>
-          </a:bodyPr>
-          <a:lstStyle/>
-          <a:p>
-            <a:r>
-              <a:rPr lang="fr-FR" sz="900" dirty="0"/>
-              <a:t>Scenario :</a:t>
-            </a:r>
-          </a:p>
-          <a:p>
-            <a:pPr marL="228600" indent="-228600">
-              <a:buFont typeface="+mj-lt"/>
-              <a:buAutoNum type="arabicPeriod"/>
-            </a:pPr>
-            <a:r>
-              <a:rPr lang="fr-FR" sz="900" dirty="0">
-                <a:solidFill>
-                  <a:schemeClr val="accent5">
-                    <a:lumMod val="75000"/>
-                  </a:schemeClr>
-                </a:solidFill>
-              </a:rPr>
-              <a:t>Un usager s’authentifie.</a:t>
-            </a:r>
-          </a:p>
-          <a:p>
-            <a:pPr marL="228600" indent="-228600">
-              <a:buFont typeface="+mj-lt"/>
-              <a:buAutoNum type="arabicPeriod"/>
-            </a:pPr>
-            <a:r>
-              <a:rPr lang="fr-FR" sz="900" dirty="0">
-                <a:solidFill>
-                  <a:schemeClr val="accent5">
-                    <a:lumMod val="75000"/>
-                  </a:schemeClr>
-                </a:solidFill>
-              </a:rPr>
-              <a:t>Il fait un signalement.</a:t>
-            </a:r>
-          </a:p>
-          <a:p>
-            <a:pPr marL="228600" indent="-228600">
-              <a:buFont typeface="+mj-lt"/>
-              <a:buAutoNum type="arabicPeriod"/>
-            </a:pPr>
-            <a:r>
-              <a:rPr lang="fr-FR" sz="900" dirty="0"/>
-              <a:t>Un technicien s’authentifie.</a:t>
-            </a:r>
-          </a:p>
-          <a:p>
-            <a:pPr marL="228600" indent="-228600">
-              <a:buFont typeface="+mj-lt"/>
-              <a:buAutoNum type="arabicPeriod"/>
-            </a:pPr>
-            <a:r>
-              <a:rPr lang="fr-FR" sz="900" dirty="0"/>
-              <a:t>Il prend en charge l’incident.</a:t>
-            </a:r>
-          </a:p>
-          <a:p>
-            <a:pPr marL="228600" indent="-228600">
-              <a:buFont typeface="+mj-lt"/>
-              <a:buAutoNum type="arabicPeriod"/>
-            </a:pPr>
-            <a:r>
-              <a:rPr lang="fr-FR" sz="900" dirty="0"/>
-              <a:t>Il signale la fin de l’intervention.</a:t>
-            </a:r>
-          </a:p>
-          <a:p>
-            <a:pPr marL="228600" indent="-228600">
-              <a:buFont typeface="+mj-lt"/>
-              <a:buAutoNum type="arabicPeriod"/>
-            </a:pPr>
-            <a:r>
-              <a:rPr lang="fr-FR" sz="900" dirty="0">
-                <a:solidFill>
-                  <a:schemeClr val="accent5">
-                    <a:lumMod val="75000"/>
-                  </a:schemeClr>
-                </a:solidFill>
-              </a:rPr>
-              <a:t>L’usager s’authentifie.</a:t>
-            </a:r>
-          </a:p>
-          <a:p>
-            <a:pPr marL="228600" indent="-228600">
-              <a:buFont typeface="+mj-lt"/>
-              <a:buAutoNum type="arabicPeriod"/>
-            </a:pPr>
-            <a:r>
-              <a:rPr lang="fr-FR" sz="900" dirty="0">
-                <a:solidFill>
-                  <a:schemeClr val="accent5">
-                    <a:lumMod val="75000"/>
-                  </a:schemeClr>
-                </a:solidFill>
-              </a:rPr>
-              <a:t>Il clôture l’incident.</a:t>
-            </a:r>
-          </a:p>
-          <a:p>
-            <a:r>
-              <a:rPr lang="fr-FR" sz="900" dirty="0"/>
-              <a:t>	</a:t>
-            </a:r>
-          </a:p>
-        </p:txBody>
-      </p:sp>
-      <p:sp>
-        <p:nvSpPr>
-          <p:cNvPr id="5" name="ZoneTexte 4">
-            <a:extLst>
-              <a:ext uri="{FF2B5EF4-FFF2-40B4-BE49-F238E27FC236}">
-                <a16:creationId xmlns:a16="http://schemas.microsoft.com/office/drawing/2014/main" id="{C194F4C1-0653-232F-FDD6-E00582DDEA9E}"/>
-              </a:ext>
-            </a:extLst>
-          </p:cNvPr>
-          <p:cNvSpPr txBox="1"/>
-          <p:nvPr/>
-        </p:nvSpPr>
-        <p:spPr>
-          <a:xfrm>
-            <a:off x="8709061" y="3300002"/>
-            <a:ext cx="2719078" cy="923330"/>
-          </a:xfrm>
-          <a:prstGeom prst="rect">
-            <a:avLst/>
-          </a:prstGeom>
-          <a:noFill/>
-        </p:spPr>
-        <p:txBody>
-          <a:bodyPr wrap="square" rtlCol="0">
-            <a:spAutoFit/>
-          </a:bodyPr>
-          <a:lstStyle/>
-          <a:p>
-            <a:r>
-              <a:rPr lang="fr-FR" sz="900" dirty="0"/>
-              <a:t>exemple :</a:t>
-            </a:r>
-          </a:p>
-          <a:p>
-            <a:pPr marL="228600" indent="-228600">
-              <a:buFont typeface="Wingdings" panose="05000000000000000000" pitchFamily="2" charset="2"/>
-              <a:buChar char="§"/>
-            </a:pPr>
-            <a:r>
-              <a:rPr lang="fr-FR" sz="900" dirty="0"/>
-              <a:t>Gestion des formats </a:t>
-            </a:r>
-            <a:r>
-              <a:rPr lang="fr-FR" sz="900" dirty="0" err="1"/>
-              <a:t>css</a:t>
-            </a:r>
-            <a:r>
-              <a:rPr lang="fr-FR" sz="900" dirty="0"/>
-              <a:t>.</a:t>
-            </a:r>
-          </a:p>
-          <a:p>
-            <a:pPr marL="228600" indent="-228600">
-              <a:buFont typeface="Wingdings" panose="05000000000000000000" pitchFamily="2" charset="2"/>
-              <a:buChar char="§"/>
-            </a:pPr>
-            <a:r>
-              <a:rPr lang="fr-FR" sz="900" dirty="0"/>
-              <a:t>Détermination du status d’incident selon les données de l’objet.</a:t>
-            </a:r>
-          </a:p>
-          <a:p>
-            <a:pPr marL="228600" indent="-228600">
-              <a:buFont typeface="Wingdings" panose="05000000000000000000" pitchFamily="2" charset="2"/>
-              <a:buChar char="§"/>
-            </a:pPr>
-            <a:r>
-              <a:rPr lang="fr-FR" sz="900" dirty="0"/>
-              <a:t>Retour au bon format des date et heures d’un objet</a:t>
-            </a:r>
-          </a:p>
-        </p:txBody>
-      </p:sp>
-      <p:pic>
-        <p:nvPicPr>
-          <p:cNvPr id="14" name="Image 13">
-            <a:extLst>
-              <a:ext uri="{FF2B5EF4-FFF2-40B4-BE49-F238E27FC236}">
-                <a16:creationId xmlns:a16="http://schemas.microsoft.com/office/drawing/2014/main" id="{CB404869-F9E4-8A2B-B9CB-838C599F46CB}"/>
-              </a:ext>
-            </a:extLst>
-          </p:cNvPr>
-          <p:cNvPicPr>
-            <a:picLocks noChangeAspect="1"/>
-          </p:cNvPicPr>
-          <p:nvPr/>
-        </p:nvPicPr>
-        <p:blipFill>
-          <a:blip r:embed="rId4"/>
-          <a:stretch>
-            <a:fillRect/>
-          </a:stretch>
-        </p:blipFill>
-        <p:spPr>
-          <a:xfrm>
-            <a:off x="867697" y="3483999"/>
-            <a:ext cx="5705443" cy="2359394"/>
-          </a:xfrm>
-          <a:prstGeom prst="rect">
-            <a:avLst/>
-          </a:prstGeom>
-        </p:spPr>
-      </p:pic>
-      <p:grpSp>
-        <p:nvGrpSpPr>
-          <p:cNvPr id="18" name="Groupe 17">
-            <a:extLst>
-              <a:ext uri="{FF2B5EF4-FFF2-40B4-BE49-F238E27FC236}">
-                <a16:creationId xmlns:a16="http://schemas.microsoft.com/office/drawing/2014/main" id="{BA3B82F8-1E58-3A76-FBA0-DAD9E81F9EA9}"/>
-              </a:ext>
-            </a:extLst>
-          </p:cNvPr>
-          <p:cNvGrpSpPr/>
-          <p:nvPr/>
-        </p:nvGrpSpPr>
-        <p:grpSpPr>
-          <a:xfrm>
-            <a:off x="2726938" y="1647729"/>
-            <a:ext cx="3891927" cy="1003104"/>
-            <a:chOff x="751987" y="1588004"/>
-            <a:chExt cx="3845332" cy="1003104"/>
-          </a:xfrm>
-        </p:grpSpPr>
-        <p:pic>
-          <p:nvPicPr>
-            <p:cNvPr id="4" name="Image 3">
-              <a:extLst>
-                <a:ext uri="{FF2B5EF4-FFF2-40B4-BE49-F238E27FC236}">
-                  <a16:creationId xmlns:a16="http://schemas.microsoft.com/office/drawing/2014/main" id="{BD05A891-3873-4365-62CC-FE46647530A5}"/>
-                </a:ext>
-              </a:extLst>
-            </p:cNvPr>
-            <p:cNvPicPr>
-              <a:picLocks noChangeAspect="1"/>
-            </p:cNvPicPr>
-            <p:nvPr/>
-          </p:nvPicPr>
-          <p:blipFill>
-            <a:blip r:embed="rId5"/>
-            <a:stretch>
-              <a:fillRect/>
-            </a:stretch>
-          </p:blipFill>
-          <p:spPr>
-            <a:xfrm>
-              <a:off x="3665396" y="1588004"/>
-              <a:ext cx="931923" cy="732225"/>
-            </a:xfrm>
-            <a:prstGeom prst="rect">
-              <a:avLst/>
-            </a:prstGeom>
-          </p:spPr>
-        </p:pic>
-        <p:sp>
-          <p:nvSpPr>
-            <p:cNvPr id="11" name="ZoneTexte 10">
-              <a:extLst>
-                <a:ext uri="{FF2B5EF4-FFF2-40B4-BE49-F238E27FC236}">
-                  <a16:creationId xmlns:a16="http://schemas.microsoft.com/office/drawing/2014/main" id="{EF9DF4BE-A068-06C1-BFE4-0B4C0E78BBCD}"/>
-                </a:ext>
-              </a:extLst>
-            </p:cNvPr>
-            <p:cNvSpPr txBox="1"/>
-            <p:nvPr/>
-          </p:nvSpPr>
-          <p:spPr>
-            <a:xfrm>
-              <a:off x="751987" y="2078147"/>
-              <a:ext cx="3577295" cy="512961"/>
-            </a:xfrm>
-            <a:prstGeom prst="rect">
-              <a:avLst/>
-            </a:prstGeom>
-            <a:noFill/>
-          </p:spPr>
-          <p:txBody>
-            <a:bodyPr wrap="square">
-              <a:spAutoFit/>
-            </a:bodyPr>
-            <a:lstStyle/>
-            <a:p>
-              <a:pPr>
-                <a:spcAft>
-                  <a:spcPts val="400"/>
-                </a:spcAft>
-              </a:pPr>
-              <a:r>
-                <a:rPr lang="fr-FR" sz="1200" dirty="0">
-                  <a:hlinkClick r:id="rId6"/>
-                </a:rPr>
-                <a:t>https://github.com/mapette/sos_immo</a:t>
-              </a:r>
-              <a:endParaRPr lang="fr-FR" sz="1200" dirty="0"/>
-            </a:p>
-            <a:p>
-              <a:pPr>
-                <a:spcAft>
-                  <a:spcPts val="400"/>
-                </a:spcAft>
-              </a:pPr>
-              <a:r>
-                <a:rPr lang="fr-FR" sz="1200" dirty="0">
-                  <a:hlinkClick r:id="rId7"/>
-                </a:rPr>
-                <a:t>https://github.com/mapette/sos_immo_backend</a:t>
-              </a:r>
-              <a:endParaRPr lang="fr-FR" sz="1200" dirty="0"/>
-            </a:p>
-          </p:txBody>
-        </p:sp>
-        <p:sp>
-          <p:nvSpPr>
-            <p:cNvPr id="12" name="ZoneTexte 11">
-              <a:extLst>
-                <a:ext uri="{FF2B5EF4-FFF2-40B4-BE49-F238E27FC236}">
-                  <a16:creationId xmlns:a16="http://schemas.microsoft.com/office/drawing/2014/main" id="{12816E8F-E270-8F50-4CB8-5CE9AE19B8E9}"/>
-                </a:ext>
-              </a:extLst>
-            </p:cNvPr>
-            <p:cNvSpPr txBox="1"/>
-            <p:nvPr/>
-          </p:nvSpPr>
-          <p:spPr>
-            <a:xfrm>
-              <a:off x="1779639" y="1770525"/>
-              <a:ext cx="1804261" cy="338554"/>
-            </a:xfrm>
-            <a:prstGeom prst="rect">
-              <a:avLst/>
-            </a:prstGeom>
-            <a:noFill/>
-          </p:spPr>
-          <p:txBody>
-            <a:bodyPr wrap="square" rtlCol="0">
-              <a:spAutoFit/>
-            </a:bodyPr>
-            <a:lstStyle/>
-            <a:p>
-              <a:r>
-                <a:rPr lang="fr-FR" sz="1600" b="1" dirty="0"/>
-                <a:t>Gestion de code</a:t>
-              </a:r>
-            </a:p>
-          </p:txBody>
-        </p:sp>
-      </p:grpSp>
-      <p:sp>
-        <p:nvSpPr>
-          <p:cNvPr id="15" name="ZoneTexte 14">
-            <a:extLst>
-              <a:ext uri="{FF2B5EF4-FFF2-40B4-BE49-F238E27FC236}">
-                <a16:creationId xmlns:a16="http://schemas.microsoft.com/office/drawing/2014/main" id="{AFFCA997-9B70-8548-9AE5-96C5B84FC231}"/>
-              </a:ext>
-            </a:extLst>
-          </p:cNvPr>
-          <p:cNvSpPr txBox="1"/>
-          <p:nvPr/>
-        </p:nvSpPr>
-        <p:spPr>
-          <a:xfrm>
-            <a:off x="1517316" y="3145445"/>
-            <a:ext cx="2700291" cy="338554"/>
-          </a:xfrm>
-          <a:prstGeom prst="rect">
-            <a:avLst/>
-          </a:prstGeom>
-          <a:noFill/>
-        </p:spPr>
-        <p:txBody>
-          <a:bodyPr wrap="none" rtlCol="0">
-            <a:spAutoFit/>
-          </a:bodyPr>
-          <a:lstStyle/>
-          <a:p>
-            <a:r>
-              <a:rPr lang="fr-FR" sz="1600" b="1" dirty="0"/>
-              <a:t>Suivi d’avance des tâches</a:t>
-            </a:r>
-          </a:p>
-        </p:txBody>
-      </p:sp>
-      <p:sp>
-        <p:nvSpPr>
-          <p:cNvPr id="16" name="ZoneTexte 15">
-            <a:extLst>
-              <a:ext uri="{FF2B5EF4-FFF2-40B4-BE49-F238E27FC236}">
-                <a16:creationId xmlns:a16="http://schemas.microsoft.com/office/drawing/2014/main" id="{69F9F7CA-D6B4-22CA-95E8-13CC50EB4EBE}"/>
-              </a:ext>
-            </a:extLst>
-          </p:cNvPr>
-          <p:cNvSpPr txBox="1"/>
-          <p:nvPr/>
-        </p:nvSpPr>
-        <p:spPr>
-          <a:xfrm>
-            <a:off x="8902695" y="2754601"/>
-            <a:ext cx="674672" cy="338554"/>
-          </a:xfrm>
-          <a:prstGeom prst="rect">
-            <a:avLst/>
-          </a:prstGeom>
-          <a:noFill/>
-        </p:spPr>
-        <p:txBody>
-          <a:bodyPr wrap="none" rtlCol="0">
-            <a:spAutoFit/>
-          </a:bodyPr>
-          <a:lstStyle/>
-          <a:p>
-            <a:r>
-              <a:rPr lang="fr-FR" sz="1600" b="1" dirty="0"/>
-              <a:t>Tests</a:t>
-            </a:r>
-          </a:p>
-        </p:txBody>
-      </p:sp>
-      <p:sp>
-        <p:nvSpPr>
-          <p:cNvPr id="8" name="Organigramme : Données 7">
-            <a:extLst>
-              <a:ext uri="{FF2B5EF4-FFF2-40B4-BE49-F238E27FC236}">
-                <a16:creationId xmlns:a16="http://schemas.microsoft.com/office/drawing/2014/main" id="{7817BC38-8AC6-FB54-5B6A-FC895ADB79A2}"/>
-              </a:ext>
-            </a:extLst>
-          </p:cNvPr>
-          <p:cNvSpPr/>
-          <p:nvPr/>
-        </p:nvSpPr>
-        <p:spPr>
-          <a:xfrm rot="333097" flipH="1">
-            <a:off x="7108577" y="2779965"/>
-            <a:ext cx="45719" cy="3247226"/>
-          </a:xfrm>
-          <a:prstGeom prst="flowChartInputOutput">
-            <a:avLst/>
-          </a:prstGeom>
-          <a:solidFill>
-            <a:schemeClr val="accent1">
-              <a:lumMod val="40000"/>
-              <a:lumOff val="60000"/>
-            </a:schemeClr>
-          </a:solidFill>
-          <a:ln>
-            <a:noFill/>
-          </a:ln>
-        </p:spPr>
-        <p:style>
-          <a:lnRef idx="2">
-            <a:schemeClr val="accent1">
-              <a:shade val="50000"/>
-            </a:schemeClr>
-          </a:lnRef>
-          <a:fillRef idx="1">
-            <a:schemeClr val="accent1"/>
-          </a:fillRef>
-          <a:effectRef idx="0">
-            <a:schemeClr val="accent1"/>
-          </a:effectRef>
-          <a:fontRef idx="minor">
-            <a:schemeClr val="lt1"/>
-          </a:fontRef>
-        </p:style>
-        <p:txBody>
-          <a:bodyPr rtlCol="0" anchor="ctr"/>
-          <a:lstStyle/>
-          <a:p>
-            <a:pPr algn="ctr"/>
-            <a:endParaRPr lang="fr-FR"/>
-          </a:p>
-        </p:txBody>
-      </p:sp>
-      <p:pic>
-        <p:nvPicPr>
-          <p:cNvPr id="17" name="Image 16">
-            <a:extLst>
-              <a:ext uri="{FF2B5EF4-FFF2-40B4-BE49-F238E27FC236}">
-                <a16:creationId xmlns:a16="http://schemas.microsoft.com/office/drawing/2014/main" id="{4BF0DEA2-6786-A096-17B2-1CB4DF1B57D8}"/>
-              </a:ext>
-            </a:extLst>
-          </p:cNvPr>
-          <p:cNvPicPr>
-            <a:picLocks noChangeAspect="1"/>
-          </p:cNvPicPr>
-          <p:nvPr/>
-        </p:nvPicPr>
-        <p:blipFill>
-          <a:blip r:embed="rId8"/>
-          <a:stretch>
-            <a:fillRect/>
-          </a:stretch>
-        </p:blipFill>
-        <p:spPr>
-          <a:xfrm>
-            <a:off x="1009364" y="2164416"/>
-            <a:ext cx="1284268" cy="624912"/>
-          </a:xfrm>
-          <a:prstGeom prst="rect">
-            <a:avLst/>
-          </a:prstGeom>
-        </p:spPr>
-      </p:pic>
-      <p:sp>
-        <p:nvSpPr>
-          <p:cNvPr id="20" name="ZoneTexte 19">
-            <a:extLst>
-              <a:ext uri="{FF2B5EF4-FFF2-40B4-BE49-F238E27FC236}">
-                <a16:creationId xmlns:a16="http://schemas.microsoft.com/office/drawing/2014/main" id="{CDE7279A-F080-DBE2-BFC7-8C2E1D8B398A}"/>
-              </a:ext>
-            </a:extLst>
-          </p:cNvPr>
-          <p:cNvSpPr txBox="1"/>
-          <p:nvPr/>
-        </p:nvSpPr>
-        <p:spPr>
-          <a:xfrm>
-            <a:off x="1287704" y="1807630"/>
-            <a:ext cx="727587" cy="369332"/>
-          </a:xfrm>
-          <a:prstGeom prst="rect">
-            <a:avLst/>
-          </a:prstGeom>
-          <a:noFill/>
-        </p:spPr>
-        <p:txBody>
-          <a:bodyPr wrap="square">
-            <a:spAutoFit/>
-          </a:bodyPr>
-          <a:lstStyle/>
-          <a:p>
-            <a:pPr algn="ctr"/>
-            <a:r>
-              <a:rPr lang="fr-FR" sz="1800" b="1" dirty="0"/>
-              <a:t>IDE</a:t>
-            </a:r>
-            <a:endParaRPr lang="fr-FR" dirty="0"/>
-          </a:p>
-        </p:txBody>
-      </p:sp>
-      <p:pic>
-        <p:nvPicPr>
-          <p:cNvPr id="19" name="Image 18">
-            <a:extLst>
-              <a:ext uri="{FF2B5EF4-FFF2-40B4-BE49-F238E27FC236}">
-                <a16:creationId xmlns:a16="http://schemas.microsoft.com/office/drawing/2014/main" id="{54449151-0D32-88A9-33B0-27F3BF390A80}"/>
-              </a:ext>
-            </a:extLst>
-          </p:cNvPr>
-          <p:cNvPicPr>
-            <a:picLocks noChangeAspect="1"/>
-          </p:cNvPicPr>
-          <p:nvPr/>
-        </p:nvPicPr>
-        <p:blipFill>
-          <a:blip r:embed="rId9"/>
-          <a:stretch>
-            <a:fillRect/>
-          </a:stretch>
-        </p:blipFill>
-        <p:spPr>
-          <a:xfrm>
-            <a:off x="7035616" y="1610088"/>
-            <a:ext cx="360000" cy="318263"/>
-          </a:xfrm>
-          <a:prstGeom prst="rect">
-            <a:avLst/>
-          </a:prstGeom>
-        </p:spPr>
-      </p:pic>
-      <p:pic>
-        <p:nvPicPr>
-          <p:cNvPr id="22" name="Image 21">
-            <a:extLst>
-              <a:ext uri="{FF2B5EF4-FFF2-40B4-BE49-F238E27FC236}">
-                <a16:creationId xmlns:a16="http://schemas.microsoft.com/office/drawing/2014/main" id="{9644EFF5-68C5-454C-565C-1C96F0B276B3}"/>
-              </a:ext>
-            </a:extLst>
-          </p:cNvPr>
-          <p:cNvPicPr>
-            <a:picLocks noChangeAspect="1"/>
-          </p:cNvPicPr>
-          <p:nvPr/>
-        </p:nvPicPr>
-        <p:blipFill>
-          <a:blip r:embed="rId10"/>
-          <a:stretch>
-            <a:fillRect/>
-          </a:stretch>
-        </p:blipFill>
-        <p:spPr>
-          <a:xfrm>
-            <a:off x="9921950" y="2120953"/>
-            <a:ext cx="360000" cy="357163"/>
-          </a:xfrm>
-          <a:prstGeom prst="rect">
-            <a:avLst/>
-          </a:prstGeom>
-        </p:spPr>
-      </p:pic>
-      <p:pic>
-        <p:nvPicPr>
-          <p:cNvPr id="24" name="Image 23">
-            <a:extLst>
-              <a:ext uri="{FF2B5EF4-FFF2-40B4-BE49-F238E27FC236}">
-                <a16:creationId xmlns:a16="http://schemas.microsoft.com/office/drawing/2014/main" id="{D0451CF5-31B7-0364-0A86-1680EC2DDD4C}"/>
-              </a:ext>
-            </a:extLst>
-          </p:cNvPr>
-          <p:cNvPicPr>
-            <a:picLocks noChangeAspect="1"/>
-          </p:cNvPicPr>
-          <p:nvPr/>
-        </p:nvPicPr>
-        <p:blipFill>
-          <a:blip r:embed="rId11"/>
-          <a:stretch>
-            <a:fillRect/>
-          </a:stretch>
-        </p:blipFill>
-        <p:spPr>
-          <a:xfrm>
-            <a:off x="8860086" y="2042381"/>
-            <a:ext cx="360000" cy="357212"/>
-          </a:xfrm>
-          <a:prstGeom prst="rect">
-            <a:avLst/>
-          </a:prstGeom>
-        </p:spPr>
-      </p:pic>
-      <p:pic>
-        <p:nvPicPr>
-          <p:cNvPr id="26" name="Image 25">
-            <a:extLst>
-              <a:ext uri="{FF2B5EF4-FFF2-40B4-BE49-F238E27FC236}">
-                <a16:creationId xmlns:a16="http://schemas.microsoft.com/office/drawing/2014/main" id="{5733F2C4-2831-5B08-EB23-A5D6DEE8F730}"/>
-              </a:ext>
-            </a:extLst>
-          </p:cNvPr>
-          <p:cNvPicPr>
-            <a:picLocks noChangeAspect="1"/>
-          </p:cNvPicPr>
-          <p:nvPr/>
-        </p:nvPicPr>
-        <p:blipFill>
-          <a:blip r:embed="rId12"/>
-          <a:stretch>
-            <a:fillRect/>
-          </a:stretch>
-        </p:blipFill>
-        <p:spPr>
-          <a:xfrm>
-            <a:off x="10239275" y="1479948"/>
-            <a:ext cx="360000" cy="352800"/>
-          </a:xfrm>
-          <a:prstGeom prst="rect">
-            <a:avLst/>
-          </a:prstGeom>
-        </p:spPr>
-      </p:pic>
-      <p:pic>
-        <p:nvPicPr>
-          <p:cNvPr id="28" name="Image 27">
-            <a:extLst>
-              <a:ext uri="{FF2B5EF4-FFF2-40B4-BE49-F238E27FC236}">
-                <a16:creationId xmlns:a16="http://schemas.microsoft.com/office/drawing/2014/main" id="{E87398E1-C49E-D047-50E9-CD485F67A245}"/>
-              </a:ext>
-            </a:extLst>
-          </p:cNvPr>
-          <p:cNvPicPr>
-            <a:picLocks noChangeAspect="1"/>
-          </p:cNvPicPr>
-          <p:nvPr/>
-        </p:nvPicPr>
-        <p:blipFill>
-          <a:blip r:embed="rId13"/>
-          <a:stretch>
-            <a:fillRect/>
-          </a:stretch>
-        </p:blipFill>
-        <p:spPr>
-          <a:xfrm>
-            <a:off x="8174731" y="2084455"/>
-            <a:ext cx="360000" cy="354286"/>
-          </a:xfrm>
-          <a:prstGeom prst="rect">
-            <a:avLst/>
-          </a:prstGeom>
-        </p:spPr>
-      </p:pic>
-      <p:pic>
-        <p:nvPicPr>
-          <p:cNvPr id="32" name="Image 31">
-            <a:extLst>
-              <a:ext uri="{FF2B5EF4-FFF2-40B4-BE49-F238E27FC236}">
-                <a16:creationId xmlns:a16="http://schemas.microsoft.com/office/drawing/2014/main" id="{B0DB5D6D-F01F-BFDC-CE99-69096443F866}"/>
-              </a:ext>
-            </a:extLst>
-          </p:cNvPr>
-          <p:cNvPicPr>
-            <a:picLocks noChangeAspect="1"/>
-          </p:cNvPicPr>
-          <p:nvPr/>
-        </p:nvPicPr>
-        <p:blipFill>
-          <a:blip r:embed="rId14"/>
-          <a:stretch>
-            <a:fillRect/>
-          </a:stretch>
-        </p:blipFill>
-        <p:spPr>
-          <a:xfrm>
-            <a:off x="7709016" y="1531460"/>
-            <a:ext cx="360000" cy="360000"/>
-          </a:xfrm>
-          <a:prstGeom prst="rect">
-            <a:avLst/>
-          </a:prstGeom>
-        </p:spPr>
-      </p:pic>
-      <p:pic>
-        <p:nvPicPr>
-          <p:cNvPr id="34" name="Image 33">
-            <a:extLst>
-              <a:ext uri="{FF2B5EF4-FFF2-40B4-BE49-F238E27FC236}">
-                <a16:creationId xmlns:a16="http://schemas.microsoft.com/office/drawing/2014/main" id="{CC5C5637-D954-A880-067C-6D32CE7E8E14}"/>
-              </a:ext>
-            </a:extLst>
-          </p:cNvPr>
-          <p:cNvPicPr>
-            <a:picLocks noChangeAspect="1"/>
-          </p:cNvPicPr>
-          <p:nvPr/>
-        </p:nvPicPr>
-        <p:blipFill>
-          <a:blip r:embed="rId15"/>
-          <a:stretch>
-            <a:fillRect/>
-          </a:stretch>
-        </p:blipFill>
-        <p:spPr>
-          <a:xfrm>
-            <a:off x="9177398" y="1418097"/>
-            <a:ext cx="360000" cy="324275"/>
-          </a:xfrm>
-          <a:prstGeom prst="rect">
-            <a:avLst/>
-          </a:prstGeom>
-        </p:spPr>
-      </p:pic>
-      <p:pic>
-        <p:nvPicPr>
-          <p:cNvPr id="36" name="Image 35">
-            <a:extLst>
-              <a:ext uri="{FF2B5EF4-FFF2-40B4-BE49-F238E27FC236}">
-                <a16:creationId xmlns:a16="http://schemas.microsoft.com/office/drawing/2014/main" id="{54B22005-D45E-AD32-BFD5-302B85DA2A74}"/>
-              </a:ext>
-            </a:extLst>
-          </p:cNvPr>
-          <p:cNvPicPr>
-            <a:picLocks noChangeAspect="1"/>
-          </p:cNvPicPr>
-          <p:nvPr/>
-        </p:nvPicPr>
-        <p:blipFill>
-          <a:blip r:embed="rId16"/>
-          <a:stretch>
-            <a:fillRect/>
-          </a:stretch>
-        </p:blipFill>
-        <p:spPr>
-          <a:xfrm>
-            <a:off x="10430105" y="1912575"/>
-            <a:ext cx="360000" cy="343759"/>
-          </a:xfrm>
-          <a:prstGeom prst="rect">
-            <a:avLst/>
-          </a:prstGeom>
-        </p:spPr>
-      </p:pic>
-      <p:pic>
-        <p:nvPicPr>
-          <p:cNvPr id="38" name="Image 37">
-            <a:extLst>
-              <a:ext uri="{FF2B5EF4-FFF2-40B4-BE49-F238E27FC236}">
-                <a16:creationId xmlns:a16="http://schemas.microsoft.com/office/drawing/2014/main" id="{FFCD5155-FB75-1D0A-76A3-31E9C92FF07D}"/>
-              </a:ext>
-            </a:extLst>
-          </p:cNvPr>
-          <p:cNvPicPr>
-            <a:picLocks noChangeAspect="1"/>
-          </p:cNvPicPr>
-          <p:nvPr/>
-        </p:nvPicPr>
-        <p:blipFill>
-          <a:blip r:embed="rId17"/>
-          <a:stretch>
-            <a:fillRect/>
-          </a:stretch>
-        </p:blipFill>
-        <p:spPr>
-          <a:xfrm>
-            <a:off x="9437991" y="1989925"/>
-            <a:ext cx="360000" cy="404211"/>
-          </a:xfrm>
-          <a:prstGeom prst="rect">
-            <a:avLst/>
-          </a:prstGeom>
-        </p:spPr>
-      </p:pic>
-      <p:pic>
-        <p:nvPicPr>
-          <p:cNvPr id="40" name="Image 39">
-            <a:extLst>
-              <a:ext uri="{FF2B5EF4-FFF2-40B4-BE49-F238E27FC236}">
-                <a16:creationId xmlns:a16="http://schemas.microsoft.com/office/drawing/2014/main" id="{027E0D50-B4AF-5DEC-1D41-87FD7E7AF10A}"/>
-              </a:ext>
-            </a:extLst>
-          </p:cNvPr>
-          <p:cNvPicPr>
-            <a:picLocks noChangeAspect="1"/>
-          </p:cNvPicPr>
-          <p:nvPr/>
-        </p:nvPicPr>
-        <p:blipFill>
-          <a:blip r:embed="rId18"/>
-          <a:stretch>
-            <a:fillRect/>
-          </a:stretch>
-        </p:blipFill>
-        <p:spPr>
-          <a:xfrm>
-            <a:off x="7395061" y="2056494"/>
-            <a:ext cx="360000" cy="360000"/>
-          </a:xfrm>
-          <a:prstGeom prst="rect">
-            <a:avLst/>
-          </a:prstGeom>
-        </p:spPr>
-      </p:pic>
-      <p:pic>
-        <p:nvPicPr>
-          <p:cNvPr id="42" name="Image 41">
-            <a:extLst>
-              <a:ext uri="{FF2B5EF4-FFF2-40B4-BE49-F238E27FC236}">
-                <a16:creationId xmlns:a16="http://schemas.microsoft.com/office/drawing/2014/main" id="{25740042-E070-DC48-52EE-696E6B85206C}"/>
-              </a:ext>
-            </a:extLst>
-          </p:cNvPr>
-          <p:cNvPicPr>
-            <a:picLocks noChangeAspect="1"/>
-          </p:cNvPicPr>
-          <p:nvPr/>
-        </p:nvPicPr>
-        <p:blipFill>
-          <a:blip r:embed="rId19"/>
-          <a:stretch>
-            <a:fillRect/>
-          </a:stretch>
-        </p:blipFill>
-        <p:spPr>
-          <a:xfrm>
-            <a:off x="9728241" y="1589219"/>
-            <a:ext cx="360000" cy="360000"/>
-          </a:xfrm>
-          <a:prstGeom prst="rect">
-            <a:avLst/>
-          </a:prstGeom>
-        </p:spPr>
-      </p:pic>
-      <p:pic>
-        <p:nvPicPr>
-          <p:cNvPr id="44" name="Image 43">
-            <a:extLst>
-              <a:ext uri="{FF2B5EF4-FFF2-40B4-BE49-F238E27FC236}">
-                <a16:creationId xmlns:a16="http://schemas.microsoft.com/office/drawing/2014/main" id="{B2297728-11B8-8CF4-E843-9DAAE6A304BF}"/>
-              </a:ext>
-            </a:extLst>
-          </p:cNvPr>
-          <p:cNvPicPr>
-            <a:picLocks noChangeAspect="1"/>
-          </p:cNvPicPr>
-          <p:nvPr/>
-        </p:nvPicPr>
-        <p:blipFill>
-          <a:blip r:embed="rId20"/>
-          <a:stretch>
-            <a:fillRect/>
-          </a:stretch>
-        </p:blipFill>
-        <p:spPr>
-          <a:xfrm>
-            <a:off x="8503998" y="1559378"/>
-            <a:ext cx="327938" cy="333102"/>
+            <a:off x="8566471" y="1047704"/>
+            <a:ext cx="2190750" cy="1781175"/>
           </a:xfrm>
           <a:prstGeom prst="rect">
             <a:avLst/>
@@ -8058,7 +7461,7 @@
     </p:spTree>
     <p:extLst>
       <p:ext uri="{BB962C8B-B14F-4D97-AF65-F5344CB8AC3E}">
-        <p14:creationId xmlns:p14="http://schemas.microsoft.com/office/powerpoint/2010/main" val="2890170228"/>
+        <p14:creationId xmlns:p14="http://schemas.microsoft.com/office/powerpoint/2010/main" val="2247162947"/>
       </p:ext>
     </p:extLst>
   </p:cSld>
@@ -9369,6 +8772,1134 @@
             <p:ph type="title"/>
           </p:nvPr>
         </p:nvSpPr>
+        <p:spPr>
+          <a:xfrm>
+            <a:off x="838200" y="681038"/>
+            <a:ext cx="10515600" cy="972704"/>
+          </a:xfrm>
+        </p:spPr>
+        <p:txBody>
+          <a:bodyPr>
+            <a:normAutofit/>
+          </a:bodyPr>
+          <a:lstStyle/>
+          <a:p>
+            <a:r>
+              <a:rPr lang="fr-FR" sz="4000" dirty="0"/>
+              <a:t>Organisation et outils de travail</a:t>
+            </a:r>
+          </a:p>
+        </p:txBody>
+      </p:sp>
+      <p:pic>
+        <p:nvPicPr>
+          <p:cNvPr id="13" name="Image 12">
+            <a:extLst>
+              <a:ext uri="{FF2B5EF4-FFF2-40B4-BE49-F238E27FC236}">
+                <a16:creationId xmlns:a16="http://schemas.microsoft.com/office/drawing/2014/main" id="{70F05F1B-186E-4E88-B0FF-19E1C8DCA6A9}"/>
+              </a:ext>
+            </a:extLst>
+          </p:cNvPr>
+          <p:cNvPicPr>
+            <a:picLocks noChangeAspect="1"/>
+          </p:cNvPicPr>
+          <p:nvPr/>
+        </p:nvPicPr>
+        <p:blipFill>
+          <a:blip r:embed="rId2"/>
+          <a:stretch>
+            <a:fillRect/>
+          </a:stretch>
+        </p:blipFill>
+        <p:spPr>
+          <a:xfrm>
+            <a:off x="7678775" y="3356029"/>
+            <a:ext cx="931922" cy="755029"/>
+          </a:xfrm>
+          <a:prstGeom prst="rect">
+            <a:avLst/>
+          </a:prstGeom>
+        </p:spPr>
+      </p:pic>
+      <p:pic>
+        <p:nvPicPr>
+          <p:cNvPr id="6" name="Image 5">
+            <a:extLst>
+              <a:ext uri="{FF2B5EF4-FFF2-40B4-BE49-F238E27FC236}">
+                <a16:creationId xmlns:a16="http://schemas.microsoft.com/office/drawing/2014/main" id="{649BB2DA-788A-E445-58FB-0CA69F55B61E}"/>
+              </a:ext>
+            </a:extLst>
+          </p:cNvPr>
+          <p:cNvPicPr>
+            <a:picLocks noChangeAspect="1"/>
+          </p:cNvPicPr>
+          <p:nvPr/>
+        </p:nvPicPr>
+        <p:blipFill>
+          <a:blip r:embed="rId3"/>
+          <a:stretch>
+            <a:fillRect/>
+          </a:stretch>
+        </p:blipFill>
+        <p:spPr>
+          <a:xfrm>
+            <a:off x="7594700" y="4761224"/>
+            <a:ext cx="1015997" cy="770486"/>
+          </a:xfrm>
+          <a:prstGeom prst="rect">
+            <a:avLst/>
+          </a:prstGeom>
+        </p:spPr>
+      </p:pic>
+      <p:sp>
+        <p:nvSpPr>
+          <p:cNvPr id="7" name="ZoneTexte 6">
+            <a:extLst>
+              <a:ext uri="{FF2B5EF4-FFF2-40B4-BE49-F238E27FC236}">
+                <a16:creationId xmlns:a16="http://schemas.microsoft.com/office/drawing/2014/main" id="{3DD82431-573B-CC46-70D0-FF4D5003B73D}"/>
+              </a:ext>
+            </a:extLst>
+          </p:cNvPr>
+          <p:cNvSpPr txBox="1"/>
+          <p:nvPr/>
+        </p:nvSpPr>
+        <p:spPr>
+          <a:xfrm>
+            <a:off x="7767253" y="2945328"/>
+            <a:ext cx="670889" cy="338554"/>
+          </a:xfrm>
+          <a:prstGeom prst="rect">
+            <a:avLst/>
+          </a:prstGeom>
+          <a:noFill/>
+        </p:spPr>
+        <p:txBody>
+          <a:bodyPr wrap="none" rtlCol="0">
+            <a:spAutoFit/>
+          </a:bodyPr>
+          <a:lstStyle/>
+          <a:p>
+            <a:r>
+              <a:rPr lang="fr-FR" sz="1600" dirty="0"/>
+              <a:t>Front</a:t>
+            </a:r>
+          </a:p>
+        </p:txBody>
+      </p:sp>
+      <p:sp>
+        <p:nvSpPr>
+          <p:cNvPr id="9" name="ZoneTexte 8">
+            <a:extLst>
+              <a:ext uri="{FF2B5EF4-FFF2-40B4-BE49-F238E27FC236}">
+                <a16:creationId xmlns:a16="http://schemas.microsoft.com/office/drawing/2014/main" id="{FA3EE4EA-0768-B97E-6ADA-A79B721CBAD7}"/>
+              </a:ext>
+            </a:extLst>
+          </p:cNvPr>
+          <p:cNvSpPr txBox="1"/>
+          <p:nvPr/>
+        </p:nvSpPr>
+        <p:spPr>
+          <a:xfrm>
+            <a:off x="7678775" y="4266864"/>
+            <a:ext cx="626326" cy="338554"/>
+          </a:xfrm>
+          <a:prstGeom prst="rect">
+            <a:avLst/>
+          </a:prstGeom>
+          <a:noFill/>
+        </p:spPr>
+        <p:txBody>
+          <a:bodyPr wrap="square" rtlCol="0">
+            <a:spAutoFit/>
+          </a:bodyPr>
+          <a:lstStyle/>
+          <a:p>
+            <a:r>
+              <a:rPr lang="fr-FR" sz="1600" dirty="0"/>
+              <a:t>Back</a:t>
+            </a:r>
+          </a:p>
+        </p:txBody>
+      </p:sp>
+      <p:sp>
+        <p:nvSpPr>
+          <p:cNvPr id="3" name="ZoneTexte 2">
+            <a:extLst>
+              <a:ext uri="{FF2B5EF4-FFF2-40B4-BE49-F238E27FC236}">
+                <a16:creationId xmlns:a16="http://schemas.microsoft.com/office/drawing/2014/main" id="{D8056DB4-F043-93F9-188E-ACDA99A25481}"/>
+              </a:ext>
+            </a:extLst>
+          </p:cNvPr>
+          <p:cNvSpPr txBox="1"/>
+          <p:nvPr/>
+        </p:nvSpPr>
+        <p:spPr>
+          <a:xfrm>
+            <a:off x="8709061" y="4672223"/>
+            <a:ext cx="2147145" cy="1338828"/>
+          </a:xfrm>
+          <a:prstGeom prst="rect">
+            <a:avLst/>
+          </a:prstGeom>
+          <a:noFill/>
+        </p:spPr>
+        <p:txBody>
+          <a:bodyPr wrap="square" rtlCol="0">
+            <a:spAutoFit/>
+          </a:bodyPr>
+          <a:lstStyle/>
+          <a:p>
+            <a:r>
+              <a:rPr lang="fr-FR" sz="900" dirty="0"/>
+              <a:t>Scenario :</a:t>
+            </a:r>
+          </a:p>
+          <a:p>
+            <a:pPr marL="228600" indent="-228600">
+              <a:buFont typeface="+mj-lt"/>
+              <a:buAutoNum type="arabicPeriod"/>
+            </a:pPr>
+            <a:r>
+              <a:rPr lang="fr-FR" sz="900" dirty="0">
+                <a:solidFill>
+                  <a:schemeClr val="accent5">
+                    <a:lumMod val="75000"/>
+                  </a:schemeClr>
+                </a:solidFill>
+              </a:rPr>
+              <a:t>Un usager s’authentifie.</a:t>
+            </a:r>
+          </a:p>
+          <a:p>
+            <a:pPr marL="228600" indent="-228600">
+              <a:buFont typeface="+mj-lt"/>
+              <a:buAutoNum type="arabicPeriod"/>
+            </a:pPr>
+            <a:r>
+              <a:rPr lang="fr-FR" sz="900" dirty="0">
+                <a:solidFill>
+                  <a:schemeClr val="accent5">
+                    <a:lumMod val="75000"/>
+                  </a:schemeClr>
+                </a:solidFill>
+              </a:rPr>
+              <a:t>Il fait un signalement.</a:t>
+            </a:r>
+          </a:p>
+          <a:p>
+            <a:pPr marL="228600" indent="-228600">
+              <a:buFont typeface="+mj-lt"/>
+              <a:buAutoNum type="arabicPeriod"/>
+            </a:pPr>
+            <a:r>
+              <a:rPr lang="fr-FR" sz="900" dirty="0"/>
+              <a:t>Un technicien s’authentifie.</a:t>
+            </a:r>
+          </a:p>
+          <a:p>
+            <a:pPr marL="228600" indent="-228600">
+              <a:buFont typeface="+mj-lt"/>
+              <a:buAutoNum type="arabicPeriod"/>
+            </a:pPr>
+            <a:r>
+              <a:rPr lang="fr-FR" sz="900" dirty="0"/>
+              <a:t>Il prend en charge l’incident.</a:t>
+            </a:r>
+          </a:p>
+          <a:p>
+            <a:pPr marL="228600" indent="-228600">
+              <a:buFont typeface="+mj-lt"/>
+              <a:buAutoNum type="arabicPeriod"/>
+            </a:pPr>
+            <a:r>
+              <a:rPr lang="fr-FR" sz="900" dirty="0"/>
+              <a:t>Il signale la fin de l’intervention.</a:t>
+            </a:r>
+          </a:p>
+          <a:p>
+            <a:pPr marL="228600" indent="-228600">
+              <a:buFont typeface="+mj-lt"/>
+              <a:buAutoNum type="arabicPeriod"/>
+            </a:pPr>
+            <a:r>
+              <a:rPr lang="fr-FR" sz="900" dirty="0">
+                <a:solidFill>
+                  <a:schemeClr val="accent5">
+                    <a:lumMod val="75000"/>
+                  </a:schemeClr>
+                </a:solidFill>
+              </a:rPr>
+              <a:t>L’usager s’authentifie.</a:t>
+            </a:r>
+          </a:p>
+          <a:p>
+            <a:pPr marL="228600" indent="-228600">
+              <a:buFont typeface="+mj-lt"/>
+              <a:buAutoNum type="arabicPeriod"/>
+            </a:pPr>
+            <a:r>
+              <a:rPr lang="fr-FR" sz="900" dirty="0">
+                <a:solidFill>
+                  <a:schemeClr val="accent5">
+                    <a:lumMod val="75000"/>
+                  </a:schemeClr>
+                </a:solidFill>
+              </a:rPr>
+              <a:t>Il clôture l’incident.</a:t>
+            </a:r>
+          </a:p>
+          <a:p>
+            <a:r>
+              <a:rPr lang="fr-FR" sz="900" dirty="0"/>
+              <a:t>	</a:t>
+            </a:r>
+          </a:p>
+        </p:txBody>
+      </p:sp>
+      <p:sp>
+        <p:nvSpPr>
+          <p:cNvPr id="5" name="ZoneTexte 4">
+            <a:extLst>
+              <a:ext uri="{FF2B5EF4-FFF2-40B4-BE49-F238E27FC236}">
+                <a16:creationId xmlns:a16="http://schemas.microsoft.com/office/drawing/2014/main" id="{C194F4C1-0653-232F-FDD6-E00582DDEA9E}"/>
+              </a:ext>
+            </a:extLst>
+          </p:cNvPr>
+          <p:cNvSpPr txBox="1"/>
+          <p:nvPr/>
+        </p:nvSpPr>
+        <p:spPr>
+          <a:xfrm>
+            <a:off x="8709061" y="3300002"/>
+            <a:ext cx="2719078" cy="923330"/>
+          </a:xfrm>
+          <a:prstGeom prst="rect">
+            <a:avLst/>
+          </a:prstGeom>
+          <a:noFill/>
+        </p:spPr>
+        <p:txBody>
+          <a:bodyPr wrap="square" rtlCol="0">
+            <a:spAutoFit/>
+          </a:bodyPr>
+          <a:lstStyle/>
+          <a:p>
+            <a:r>
+              <a:rPr lang="fr-FR" sz="900" dirty="0"/>
+              <a:t>exemple :</a:t>
+            </a:r>
+          </a:p>
+          <a:p>
+            <a:pPr marL="228600" indent="-228600">
+              <a:buFont typeface="Wingdings" panose="05000000000000000000" pitchFamily="2" charset="2"/>
+              <a:buChar char="§"/>
+            </a:pPr>
+            <a:r>
+              <a:rPr lang="fr-FR" sz="900" dirty="0"/>
+              <a:t>Gestion des formats </a:t>
+            </a:r>
+            <a:r>
+              <a:rPr lang="fr-FR" sz="900" dirty="0" err="1"/>
+              <a:t>css</a:t>
+            </a:r>
+            <a:r>
+              <a:rPr lang="fr-FR" sz="900" dirty="0"/>
+              <a:t>.</a:t>
+            </a:r>
+          </a:p>
+          <a:p>
+            <a:pPr marL="228600" indent="-228600">
+              <a:buFont typeface="Wingdings" panose="05000000000000000000" pitchFamily="2" charset="2"/>
+              <a:buChar char="§"/>
+            </a:pPr>
+            <a:r>
+              <a:rPr lang="fr-FR" sz="900" dirty="0"/>
+              <a:t>Détermination du status d’incident selon les données de l’objet.</a:t>
+            </a:r>
+          </a:p>
+          <a:p>
+            <a:pPr marL="228600" indent="-228600">
+              <a:buFont typeface="Wingdings" panose="05000000000000000000" pitchFamily="2" charset="2"/>
+              <a:buChar char="§"/>
+            </a:pPr>
+            <a:r>
+              <a:rPr lang="fr-FR" sz="900" dirty="0"/>
+              <a:t>Retour au bon format des date et heures d’un objet</a:t>
+            </a:r>
+          </a:p>
+        </p:txBody>
+      </p:sp>
+      <p:pic>
+        <p:nvPicPr>
+          <p:cNvPr id="14" name="Image 13">
+            <a:extLst>
+              <a:ext uri="{FF2B5EF4-FFF2-40B4-BE49-F238E27FC236}">
+                <a16:creationId xmlns:a16="http://schemas.microsoft.com/office/drawing/2014/main" id="{CB404869-F9E4-8A2B-B9CB-838C599F46CB}"/>
+              </a:ext>
+            </a:extLst>
+          </p:cNvPr>
+          <p:cNvPicPr>
+            <a:picLocks noChangeAspect="1"/>
+          </p:cNvPicPr>
+          <p:nvPr/>
+        </p:nvPicPr>
+        <p:blipFill>
+          <a:blip r:embed="rId4"/>
+          <a:stretch>
+            <a:fillRect/>
+          </a:stretch>
+        </p:blipFill>
+        <p:spPr>
+          <a:xfrm>
+            <a:off x="867697" y="3483999"/>
+            <a:ext cx="5705443" cy="2359394"/>
+          </a:xfrm>
+          <a:prstGeom prst="rect">
+            <a:avLst/>
+          </a:prstGeom>
+        </p:spPr>
+      </p:pic>
+      <p:grpSp>
+        <p:nvGrpSpPr>
+          <p:cNvPr id="18" name="Groupe 17">
+            <a:extLst>
+              <a:ext uri="{FF2B5EF4-FFF2-40B4-BE49-F238E27FC236}">
+                <a16:creationId xmlns:a16="http://schemas.microsoft.com/office/drawing/2014/main" id="{BA3B82F8-1E58-3A76-FBA0-DAD9E81F9EA9}"/>
+              </a:ext>
+            </a:extLst>
+          </p:cNvPr>
+          <p:cNvGrpSpPr/>
+          <p:nvPr/>
+        </p:nvGrpSpPr>
+        <p:grpSpPr>
+          <a:xfrm>
+            <a:off x="2726938" y="1647729"/>
+            <a:ext cx="3891927" cy="1003104"/>
+            <a:chOff x="751987" y="1588004"/>
+            <a:chExt cx="3845332" cy="1003104"/>
+          </a:xfrm>
+        </p:grpSpPr>
+        <p:pic>
+          <p:nvPicPr>
+            <p:cNvPr id="4" name="Image 3">
+              <a:extLst>
+                <a:ext uri="{FF2B5EF4-FFF2-40B4-BE49-F238E27FC236}">
+                  <a16:creationId xmlns:a16="http://schemas.microsoft.com/office/drawing/2014/main" id="{BD05A891-3873-4365-62CC-FE46647530A5}"/>
+                </a:ext>
+              </a:extLst>
+            </p:cNvPr>
+            <p:cNvPicPr>
+              <a:picLocks noChangeAspect="1"/>
+            </p:cNvPicPr>
+            <p:nvPr/>
+          </p:nvPicPr>
+          <p:blipFill>
+            <a:blip r:embed="rId5"/>
+            <a:stretch>
+              <a:fillRect/>
+            </a:stretch>
+          </p:blipFill>
+          <p:spPr>
+            <a:xfrm>
+              <a:off x="3665396" y="1588004"/>
+              <a:ext cx="931923" cy="732225"/>
+            </a:xfrm>
+            <a:prstGeom prst="rect">
+              <a:avLst/>
+            </a:prstGeom>
+          </p:spPr>
+        </p:pic>
+        <p:sp>
+          <p:nvSpPr>
+            <p:cNvPr id="11" name="ZoneTexte 10">
+              <a:extLst>
+                <a:ext uri="{FF2B5EF4-FFF2-40B4-BE49-F238E27FC236}">
+                  <a16:creationId xmlns:a16="http://schemas.microsoft.com/office/drawing/2014/main" id="{EF9DF4BE-A068-06C1-BFE4-0B4C0E78BBCD}"/>
+                </a:ext>
+              </a:extLst>
+            </p:cNvPr>
+            <p:cNvSpPr txBox="1"/>
+            <p:nvPr/>
+          </p:nvSpPr>
+          <p:spPr>
+            <a:xfrm>
+              <a:off x="751987" y="2078147"/>
+              <a:ext cx="3577295" cy="512961"/>
+            </a:xfrm>
+            <a:prstGeom prst="rect">
+              <a:avLst/>
+            </a:prstGeom>
+            <a:noFill/>
+          </p:spPr>
+          <p:txBody>
+            <a:bodyPr wrap="square">
+              <a:spAutoFit/>
+            </a:bodyPr>
+            <a:lstStyle/>
+            <a:p>
+              <a:pPr>
+                <a:spcAft>
+                  <a:spcPts val="400"/>
+                </a:spcAft>
+              </a:pPr>
+              <a:r>
+                <a:rPr lang="fr-FR" sz="1200" dirty="0">
+                  <a:hlinkClick r:id="rId6"/>
+                </a:rPr>
+                <a:t>https://github.com/mapette/sos_immo</a:t>
+              </a:r>
+              <a:endParaRPr lang="fr-FR" sz="1200" dirty="0"/>
+            </a:p>
+            <a:p>
+              <a:pPr>
+                <a:spcAft>
+                  <a:spcPts val="400"/>
+                </a:spcAft>
+              </a:pPr>
+              <a:r>
+                <a:rPr lang="fr-FR" sz="1200" dirty="0">
+                  <a:hlinkClick r:id="rId7"/>
+                </a:rPr>
+                <a:t>https://github.com/mapette/sos_immo_backend</a:t>
+              </a:r>
+              <a:endParaRPr lang="fr-FR" sz="1200" dirty="0"/>
+            </a:p>
+          </p:txBody>
+        </p:sp>
+        <p:sp>
+          <p:nvSpPr>
+            <p:cNvPr id="12" name="ZoneTexte 11">
+              <a:extLst>
+                <a:ext uri="{FF2B5EF4-FFF2-40B4-BE49-F238E27FC236}">
+                  <a16:creationId xmlns:a16="http://schemas.microsoft.com/office/drawing/2014/main" id="{12816E8F-E270-8F50-4CB8-5CE9AE19B8E9}"/>
+                </a:ext>
+              </a:extLst>
+            </p:cNvPr>
+            <p:cNvSpPr txBox="1"/>
+            <p:nvPr/>
+          </p:nvSpPr>
+          <p:spPr>
+            <a:xfrm>
+              <a:off x="1779639" y="1770525"/>
+              <a:ext cx="1804261" cy="338554"/>
+            </a:xfrm>
+            <a:prstGeom prst="rect">
+              <a:avLst/>
+            </a:prstGeom>
+            <a:noFill/>
+          </p:spPr>
+          <p:txBody>
+            <a:bodyPr wrap="square" rtlCol="0">
+              <a:spAutoFit/>
+            </a:bodyPr>
+            <a:lstStyle/>
+            <a:p>
+              <a:r>
+                <a:rPr lang="fr-FR" sz="1600" b="1" dirty="0"/>
+                <a:t>Gestion de code</a:t>
+              </a:r>
+            </a:p>
+          </p:txBody>
+        </p:sp>
+      </p:grpSp>
+      <p:sp>
+        <p:nvSpPr>
+          <p:cNvPr id="15" name="ZoneTexte 14">
+            <a:extLst>
+              <a:ext uri="{FF2B5EF4-FFF2-40B4-BE49-F238E27FC236}">
+                <a16:creationId xmlns:a16="http://schemas.microsoft.com/office/drawing/2014/main" id="{AFFCA997-9B70-8548-9AE5-96C5B84FC231}"/>
+              </a:ext>
+            </a:extLst>
+          </p:cNvPr>
+          <p:cNvSpPr txBox="1"/>
+          <p:nvPr/>
+        </p:nvSpPr>
+        <p:spPr>
+          <a:xfrm>
+            <a:off x="1517316" y="3145445"/>
+            <a:ext cx="2700291" cy="338554"/>
+          </a:xfrm>
+          <a:prstGeom prst="rect">
+            <a:avLst/>
+          </a:prstGeom>
+          <a:noFill/>
+        </p:spPr>
+        <p:txBody>
+          <a:bodyPr wrap="none" rtlCol="0">
+            <a:spAutoFit/>
+          </a:bodyPr>
+          <a:lstStyle/>
+          <a:p>
+            <a:r>
+              <a:rPr lang="fr-FR" sz="1600" b="1" dirty="0"/>
+              <a:t>Suivi d’avance des tâches</a:t>
+            </a:r>
+          </a:p>
+        </p:txBody>
+      </p:sp>
+      <p:sp>
+        <p:nvSpPr>
+          <p:cNvPr id="16" name="ZoneTexte 15">
+            <a:extLst>
+              <a:ext uri="{FF2B5EF4-FFF2-40B4-BE49-F238E27FC236}">
+                <a16:creationId xmlns:a16="http://schemas.microsoft.com/office/drawing/2014/main" id="{69F9F7CA-D6B4-22CA-95E8-13CC50EB4EBE}"/>
+              </a:ext>
+            </a:extLst>
+          </p:cNvPr>
+          <p:cNvSpPr txBox="1"/>
+          <p:nvPr/>
+        </p:nvSpPr>
+        <p:spPr>
+          <a:xfrm>
+            <a:off x="8902695" y="2754601"/>
+            <a:ext cx="674672" cy="338554"/>
+          </a:xfrm>
+          <a:prstGeom prst="rect">
+            <a:avLst/>
+          </a:prstGeom>
+          <a:noFill/>
+        </p:spPr>
+        <p:txBody>
+          <a:bodyPr wrap="none" rtlCol="0">
+            <a:spAutoFit/>
+          </a:bodyPr>
+          <a:lstStyle/>
+          <a:p>
+            <a:r>
+              <a:rPr lang="fr-FR" sz="1600" b="1" dirty="0"/>
+              <a:t>Tests</a:t>
+            </a:r>
+          </a:p>
+        </p:txBody>
+      </p:sp>
+      <p:sp>
+        <p:nvSpPr>
+          <p:cNvPr id="8" name="Organigramme : Données 7">
+            <a:extLst>
+              <a:ext uri="{FF2B5EF4-FFF2-40B4-BE49-F238E27FC236}">
+                <a16:creationId xmlns:a16="http://schemas.microsoft.com/office/drawing/2014/main" id="{7817BC38-8AC6-FB54-5B6A-FC895ADB79A2}"/>
+              </a:ext>
+            </a:extLst>
+          </p:cNvPr>
+          <p:cNvSpPr/>
+          <p:nvPr/>
+        </p:nvSpPr>
+        <p:spPr>
+          <a:xfrm rot="333097" flipH="1">
+            <a:off x="7108577" y="2779965"/>
+            <a:ext cx="45719" cy="3247226"/>
+          </a:xfrm>
+          <a:prstGeom prst="flowChartInputOutput">
+            <a:avLst/>
+          </a:prstGeom>
+          <a:solidFill>
+            <a:schemeClr val="accent1">
+              <a:lumMod val="40000"/>
+              <a:lumOff val="60000"/>
+            </a:schemeClr>
+          </a:solidFill>
+          <a:ln>
+            <a:noFill/>
+          </a:ln>
+        </p:spPr>
+        <p:style>
+          <a:lnRef idx="2">
+            <a:schemeClr val="accent1">
+              <a:shade val="50000"/>
+            </a:schemeClr>
+          </a:lnRef>
+          <a:fillRef idx="1">
+            <a:schemeClr val="accent1"/>
+          </a:fillRef>
+          <a:effectRef idx="0">
+            <a:schemeClr val="accent1"/>
+          </a:effectRef>
+          <a:fontRef idx="minor">
+            <a:schemeClr val="lt1"/>
+          </a:fontRef>
+        </p:style>
+        <p:txBody>
+          <a:bodyPr rtlCol="0" anchor="ctr"/>
+          <a:lstStyle/>
+          <a:p>
+            <a:pPr algn="ctr"/>
+            <a:endParaRPr lang="fr-FR"/>
+          </a:p>
+        </p:txBody>
+      </p:sp>
+      <p:pic>
+        <p:nvPicPr>
+          <p:cNvPr id="17" name="Image 16">
+            <a:extLst>
+              <a:ext uri="{FF2B5EF4-FFF2-40B4-BE49-F238E27FC236}">
+                <a16:creationId xmlns:a16="http://schemas.microsoft.com/office/drawing/2014/main" id="{4BF0DEA2-6786-A096-17B2-1CB4DF1B57D8}"/>
+              </a:ext>
+            </a:extLst>
+          </p:cNvPr>
+          <p:cNvPicPr>
+            <a:picLocks noChangeAspect="1"/>
+          </p:cNvPicPr>
+          <p:nvPr/>
+        </p:nvPicPr>
+        <p:blipFill>
+          <a:blip r:embed="rId8"/>
+          <a:stretch>
+            <a:fillRect/>
+          </a:stretch>
+        </p:blipFill>
+        <p:spPr>
+          <a:xfrm>
+            <a:off x="1009364" y="2164416"/>
+            <a:ext cx="1284268" cy="624912"/>
+          </a:xfrm>
+          <a:prstGeom prst="rect">
+            <a:avLst/>
+          </a:prstGeom>
+        </p:spPr>
+      </p:pic>
+      <p:sp>
+        <p:nvSpPr>
+          <p:cNvPr id="20" name="ZoneTexte 19">
+            <a:extLst>
+              <a:ext uri="{FF2B5EF4-FFF2-40B4-BE49-F238E27FC236}">
+                <a16:creationId xmlns:a16="http://schemas.microsoft.com/office/drawing/2014/main" id="{CDE7279A-F080-DBE2-BFC7-8C2E1D8B398A}"/>
+              </a:ext>
+            </a:extLst>
+          </p:cNvPr>
+          <p:cNvSpPr txBox="1"/>
+          <p:nvPr/>
+        </p:nvSpPr>
+        <p:spPr>
+          <a:xfrm>
+            <a:off x="1287704" y="1807630"/>
+            <a:ext cx="727587" cy="369332"/>
+          </a:xfrm>
+          <a:prstGeom prst="rect">
+            <a:avLst/>
+          </a:prstGeom>
+          <a:noFill/>
+        </p:spPr>
+        <p:txBody>
+          <a:bodyPr wrap="square">
+            <a:spAutoFit/>
+          </a:bodyPr>
+          <a:lstStyle/>
+          <a:p>
+            <a:pPr algn="ctr"/>
+            <a:r>
+              <a:rPr lang="fr-FR" sz="1800" b="1" dirty="0"/>
+              <a:t>IDE</a:t>
+            </a:r>
+            <a:endParaRPr lang="fr-FR" dirty="0"/>
+          </a:p>
+        </p:txBody>
+      </p:sp>
+      <p:pic>
+        <p:nvPicPr>
+          <p:cNvPr id="19" name="Image 18">
+            <a:extLst>
+              <a:ext uri="{FF2B5EF4-FFF2-40B4-BE49-F238E27FC236}">
+                <a16:creationId xmlns:a16="http://schemas.microsoft.com/office/drawing/2014/main" id="{54449151-0D32-88A9-33B0-27F3BF390A80}"/>
+              </a:ext>
+            </a:extLst>
+          </p:cNvPr>
+          <p:cNvPicPr>
+            <a:picLocks noChangeAspect="1"/>
+          </p:cNvPicPr>
+          <p:nvPr/>
+        </p:nvPicPr>
+        <p:blipFill>
+          <a:blip r:embed="rId9"/>
+          <a:stretch>
+            <a:fillRect/>
+          </a:stretch>
+        </p:blipFill>
+        <p:spPr>
+          <a:xfrm>
+            <a:off x="7035616" y="1610088"/>
+            <a:ext cx="360000" cy="318263"/>
+          </a:xfrm>
+          <a:prstGeom prst="rect">
+            <a:avLst/>
+          </a:prstGeom>
+        </p:spPr>
+      </p:pic>
+      <p:pic>
+        <p:nvPicPr>
+          <p:cNvPr id="22" name="Image 21">
+            <a:extLst>
+              <a:ext uri="{FF2B5EF4-FFF2-40B4-BE49-F238E27FC236}">
+                <a16:creationId xmlns:a16="http://schemas.microsoft.com/office/drawing/2014/main" id="{9644EFF5-68C5-454C-565C-1C96F0B276B3}"/>
+              </a:ext>
+            </a:extLst>
+          </p:cNvPr>
+          <p:cNvPicPr>
+            <a:picLocks noChangeAspect="1"/>
+          </p:cNvPicPr>
+          <p:nvPr/>
+        </p:nvPicPr>
+        <p:blipFill>
+          <a:blip r:embed="rId10"/>
+          <a:stretch>
+            <a:fillRect/>
+          </a:stretch>
+        </p:blipFill>
+        <p:spPr>
+          <a:xfrm>
+            <a:off x="9921950" y="2120953"/>
+            <a:ext cx="360000" cy="357163"/>
+          </a:xfrm>
+          <a:prstGeom prst="rect">
+            <a:avLst/>
+          </a:prstGeom>
+        </p:spPr>
+      </p:pic>
+      <p:pic>
+        <p:nvPicPr>
+          <p:cNvPr id="24" name="Image 23">
+            <a:extLst>
+              <a:ext uri="{FF2B5EF4-FFF2-40B4-BE49-F238E27FC236}">
+                <a16:creationId xmlns:a16="http://schemas.microsoft.com/office/drawing/2014/main" id="{D0451CF5-31B7-0364-0A86-1680EC2DDD4C}"/>
+              </a:ext>
+            </a:extLst>
+          </p:cNvPr>
+          <p:cNvPicPr>
+            <a:picLocks noChangeAspect="1"/>
+          </p:cNvPicPr>
+          <p:nvPr/>
+        </p:nvPicPr>
+        <p:blipFill>
+          <a:blip r:embed="rId11"/>
+          <a:stretch>
+            <a:fillRect/>
+          </a:stretch>
+        </p:blipFill>
+        <p:spPr>
+          <a:xfrm>
+            <a:off x="8860086" y="2042381"/>
+            <a:ext cx="360000" cy="357212"/>
+          </a:xfrm>
+          <a:prstGeom prst="rect">
+            <a:avLst/>
+          </a:prstGeom>
+        </p:spPr>
+      </p:pic>
+      <p:pic>
+        <p:nvPicPr>
+          <p:cNvPr id="26" name="Image 25">
+            <a:extLst>
+              <a:ext uri="{FF2B5EF4-FFF2-40B4-BE49-F238E27FC236}">
+                <a16:creationId xmlns:a16="http://schemas.microsoft.com/office/drawing/2014/main" id="{5733F2C4-2831-5B08-EB23-A5D6DEE8F730}"/>
+              </a:ext>
+            </a:extLst>
+          </p:cNvPr>
+          <p:cNvPicPr>
+            <a:picLocks noChangeAspect="1"/>
+          </p:cNvPicPr>
+          <p:nvPr/>
+        </p:nvPicPr>
+        <p:blipFill>
+          <a:blip r:embed="rId12"/>
+          <a:stretch>
+            <a:fillRect/>
+          </a:stretch>
+        </p:blipFill>
+        <p:spPr>
+          <a:xfrm>
+            <a:off x="10239275" y="1479948"/>
+            <a:ext cx="360000" cy="352800"/>
+          </a:xfrm>
+          <a:prstGeom prst="rect">
+            <a:avLst/>
+          </a:prstGeom>
+        </p:spPr>
+      </p:pic>
+      <p:pic>
+        <p:nvPicPr>
+          <p:cNvPr id="28" name="Image 27">
+            <a:extLst>
+              <a:ext uri="{FF2B5EF4-FFF2-40B4-BE49-F238E27FC236}">
+                <a16:creationId xmlns:a16="http://schemas.microsoft.com/office/drawing/2014/main" id="{E87398E1-C49E-D047-50E9-CD485F67A245}"/>
+              </a:ext>
+            </a:extLst>
+          </p:cNvPr>
+          <p:cNvPicPr>
+            <a:picLocks noChangeAspect="1"/>
+          </p:cNvPicPr>
+          <p:nvPr/>
+        </p:nvPicPr>
+        <p:blipFill>
+          <a:blip r:embed="rId13"/>
+          <a:stretch>
+            <a:fillRect/>
+          </a:stretch>
+        </p:blipFill>
+        <p:spPr>
+          <a:xfrm>
+            <a:off x="8174731" y="2084455"/>
+            <a:ext cx="360000" cy="354286"/>
+          </a:xfrm>
+          <a:prstGeom prst="rect">
+            <a:avLst/>
+          </a:prstGeom>
+        </p:spPr>
+      </p:pic>
+      <p:pic>
+        <p:nvPicPr>
+          <p:cNvPr id="32" name="Image 31">
+            <a:extLst>
+              <a:ext uri="{FF2B5EF4-FFF2-40B4-BE49-F238E27FC236}">
+                <a16:creationId xmlns:a16="http://schemas.microsoft.com/office/drawing/2014/main" id="{B0DB5D6D-F01F-BFDC-CE99-69096443F866}"/>
+              </a:ext>
+            </a:extLst>
+          </p:cNvPr>
+          <p:cNvPicPr>
+            <a:picLocks noChangeAspect="1"/>
+          </p:cNvPicPr>
+          <p:nvPr/>
+        </p:nvPicPr>
+        <p:blipFill>
+          <a:blip r:embed="rId14"/>
+          <a:stretch>
+            <a:fillRect/>
+          </a:stretch>
+        </p:blipFill>
+        <p:spPr>
+          <a:xfrm>
+            <a:off x="7709016" y="1531460"/>
+            <a:ext cx="360000" cy="360000"/>
+          </a:xfrm>
+          <a:prstGeom prst="rect">
+            <a:avLst/>
+          </a:prstGeom>
+        </p:spPr>
+      </p:pic>
+      <p:pic>
+        <p:nvPicPr>
+          <p:cNvPr id="34" name="Image 33">
+            <a:extLst>
+              <a:ext uri="{FF2B5EF4-FFF2-40B4-BE49-F238E27FC236}">
+                <a16:creationId xmlns:a16="http://schemas.microsoft.com/office/drawing/2014/main" id="{CC5C5637-D954-A880-067C-6D32CE7E8E14}"/>
+              </a:ext>
+            </a:extLst>
+          </p:cNvPr>
+          <p:cNvPicPr>
+            <a:picLocks noChangeAspect="1"/>
+          </p:cNvPicPr>
+          <p:nvPr/>
+        </p:nvPicPr>
+        <p:blipFill>
+          <a:blip r:embed="rId15"/>
+          <a:stretch>
+            <a:fillRect/>
+          </a:stretch>
+        </p:blipFill>
+        <p:spPr>
+          <a:xfrm>
+            <a:off x="9177398" y="1418097"/>
+            <a:ext cx="360000" cy="324275"/>
+          </a:xfrm>
+          <a:prstGeom prst="rect">
+            <a:avLst/>
+          </a:prstGeom>
+        </p:spPr>
+      </p:pic>
+      <p:pic>
+        <p:nvPicPr>
+          <p:cNvPr id="36" name="Image 35">
+            <a:extLst>
+              <a:ext uri="{FF2B5EF4-FFF2-40B4-BE49-F238E27FC236}">
+                <a16:creationId xmlns:a16="http://schemas.microsoft.com/office/drawing/2014/main" id="{54B22005-D45E-AD32-BFD5-302B85DA2A74}"/>
+              </a:ext>
+            </a:extLst>
+          </p:cNvPr>
+          <p:cNvPicPr>
+            <a:picLocks noChangeAspect="1"/>
+          </p:cNvPicPr>
+          <p:nvPr/>
+        </p:nvPicPr>
+        <p:blipFill>
+          <a:blip r:embed="rId16"/>
+          <a:stretch>
+            <a:fillRect/>
+          </a:stretch>
+        </p:blipFill>
+        <p:spPr>
+          <a:xfrm>
+            <a:off x="10430105" y="1912575"/>
+            <a:ext cx="360000" cy="343759"/>
+          </a:xfrm>
+          <a:prstGeom prst="rect">
+            <a:avLst/>
+          </a:prstGeom>
+        </p:spPr>
+      </p:pic>
+      <p:pic>
+        <p:nvPicPr>
+          <p:cNvPr id="38" name="Image 37">
+            <a:extLst>
+              <a:ext uri="{FF2B5EF4-FFF2-40B4-BE49-F238E27FC236}">
+                <a16:creationId xmlns:a16="http://schemas.microsoft.com/office/drawing/2014/main" id="{FFCD5155-FB75-1D0A-76A3-31E9C92FF07D}"/>
+              </a:ext>
+            </a:extLst>
+          </p:cNvPr>
+          <p:cNvPicPr>
+            <a:picLocks noChangeAspect="1"/>
+          </p:cNvPicPr>
+          <p:nvPr/>
+        </p:nvPicPr>
+        <p:blipFill>
+          <a:blip r:embed="rId17"/>
+          <a:stretch>
+            <a:fillRect/>
+          </a:stretch>
+        </p:blipFill>
+        <p:spPr>
+          <a:xfrm>
+            <a:off x="9437991" y="1989925"/>
+            <a:ext cx="360000" cy="404211"/>
+          </a:xfrm>
+          <a:prstGeom prst="rect">
+            <a:avLst/>
+          </a:prstGeom>
+        </p:spPr>
+      </p:pic>
+      <p:pic>
+        <p:nvPicPr>
+          <p:cNvPr id="40" name="Image 39">
+            <a:extLst>
+              <a:ext uri="{FF2B5EF4-FFF2-40B4-BE49-F238E27FC236}">
+                <a16:creationId xmlns:a16="http://schemas.microsoft.com/office/drawing/2014/main" id="{027E0D50-B4AF-5DEC-1D41-87FD7E7AF10A}"/>
+              </a:ext>
+            </a:extLst>
+          </p:cNvPr>
+          <p:cNvPicPr>
+            <a:picLocks noChangeAspect="1"/>
+          </p:cNvPicPr>
+          <p:nvPr/>
+        </p:nvPicPr>
+        <p:blipFill>
+          <a:blip r:embed="rId18"/>
+          <a:stretch>
+            <a:fillRect/>
+          </a:stretch>
+        </p:blipFill>
+        <p:spPr>
+          <a:xfrm>
+            <a:off x="7395061" y="2056494"/>
+            <a:ext cx="360000" cy="360000"/>
+          </a:xfrm>
+          <a:prstGeom prst="rect">
+            <a:avLst/>
+          </a:prstGeom>
+        </p:spPr>
+      </p:pic>
+      <p:pic>
+        <p:nvPicPr>
+          <p:cNvPr id="42" name="Image 41">
+            <a:extLst>
+              <a:ext uri="{FF2B5EF4-FFF2-40B4-BE49-F238E27FC236}">
+                <a16:creationId xmlns:a16="http://schemas.microsoft.com/office/drawing/2014/main" id="{25740042-E070-DC48-52EE-696E6B85206C}"/>
+              </a:ext>
+            </a:extLst>
+          </p:cNvPr>
+          <p:cNvPicPr>
+            <a:picLocks noChangeAspect="1"/>
+          </p:cNvPicPr>
+          <p:nvPr/>
+        </p:nvPicPr>
+        <p:blipFill>
+          <a:blip r:embed="rId19"/>
+          <a:stretch>
+            <a:fillRect/>
+          </a:stretch>
+        </p:blipFill>
+        <p:spPr>
+          <a:xfrm>
+            <a:off x="9728241" y="1589219"/>
+            <a:ext cx="360000" cy="360000"/>
+          </a:xfrm>
+          <a:prstGeom prst="rect">
+            <a:avLst/>
+          </a:prstGeom>
+        </p:spPr>
+      </p:pic>
+      <p:pic>
+        <p:nvPicPr>
+          <p:cNvPr id="44" name="Image 43">
+            <a:extLst>
+              <a:ext uri="{FF2B5EF4-FFF2-40B4-BE49-F238E27FC236}">
+                <a16:creationId xmlns:a16="http://schemas.microsoft.com/office/drawing/2014/main" id="{B2297728-11B8-8CF4-E843-9DAAE6A304BF}"/>
+              </a:ext>
+            </a:extLst>
+          </p:cNvPr>
+          <p:cNvPicPr>
+            <a:picLocks noChangeAspect="1"/>
+          </p:cNvPicPr>
+          <p:nvPr/>
+        </p:nvPicPr>
+        <p:blipFill>
+          <a:blip r:embed="rId20"/>
+          <a:stretch>
+            <a:fillRect/>
+          </a:stretch>
+        </p:blipFill>
+        <p:spPr>
+          <a:xfrm>
+            <a:off x="8503998" y="1559378"/>
+            <a:ext cx="327938" cy="333102"/>
+          </a:xfrm>
+          <a:prstGeom prst="rect">
+            <a:avLst/>
+          </a:prstGeom>
+        </p:spPr>
+      </p:pic>
+    </p:spTree>
+    <p:extLst>
+      <p:ext uri="{BB962C8B-B14F-4D97-AF65-F5344CB8AC3E}">
+        <p14:creationId xmlns:p14="http://schemas.microsoft.com/office/powerpoint/2010/main" val="2890170228"/>
+      </p:ext>
+    </p:extLst>
+  </p:cSld>
+  <p:clrMapOvr>
+    <a:masterClrMapping/>
+  </p:clrMapOvr>
+</p:sld>
+</file>
+
+<file path=ppt/slides/slide21.xml><?xml version="1.0" encoding="utf-8"?>
+<p:sld xmlns:a="http://schemas.openxmlformats.org/drawingml/2006/main" xmlns:r="http://schemas.openxmlformats.org/officeDocument/2006/relationships" xmlns:p="http://schemas.openxmlformats.org/presentationml/2006/main">
+  <p:cSld>
+    <p:spTree>
+      <p:nvGrpSpPr>
+        <p:cNvPr id="1" name=""/>
+        <p:cNvGrpSpPr/>
+        <p:nvPr/>
+      </p:nvGrpSpPr>
+      <p:grpSpPr>
+        <a:xfrm>
+          <a:off x="0" y="0"/>
+          <a:ext cx="0" cy="0"/>
+          <a:chOff x="0" y="0"/>
+          <a:chExt cx="0" cy="0"/>
+        </a:xfrm>
+      </p:grpSpPr>
+      <p:sp>
+        <p:nvSpPr>
+          <p:cNvPr id="2" name="Titre 1">
+            <a:extLst>
+              <a:ext uri="{FF2B5EF4-FFF2-40B4-BE49-F238E27FC236}">
+                <a16:creationId xmlns:a16="http://schemas.microsoft.com/office/drawing/2014/main" id="{099E2E77-954A-DD7C-99BF-B9521D1A2115}"/>
+              </a:ext>
+            </a:extLst>
+          </p:cNvPr>
+          <p:cNvSpPr>
+            <a:spLocks noGrp="1"/>
+          </p:cNvSpPr>
+          <p:nvPr>
+            <p:ph type="title"/>
+          </p:nvPr>
+        </p:nvSpPr>
         <p:spPr/>
         <p:txBody>
           <a:bodyPr>
@@ -9397,7 +9928,7 @@
         </p:nvGrpSpPr>
         <p:grpSpPr>
           <a:xfrm>
-            <a:off x="2786670" y="1537687"/>
+            <a:off x="2714509" y="1379459"/>
             <a:ext cx="3381491" cy="1254282"/>
             <a:chOff x="2629379" y="1477716"/>
             <a:chExt cx="3381491" cy="1254282"/>
@@ -9528,7 +10059,7 @@
         </p:nvGrpSpPr>
         <p:grpSpPr>
           <a:xfrm>
-            <a:off x="2163711" y="3102711"/>
+            <a:off x="1958636" y="2910303"/>
             <a:ext cx="3136257" cy="1541099"/>
             <a:chOff x="2138184" y="2666944"/>
             <a:chExt cx="3136257" cy="1541099"/>
@@ -9564,23 +10095,7 @@
             <a:p>
               <a:r>
                 <a:rPr lang="fr-FR" sz="1200" dirty="0"/>
-                <a:t>POO – classes d’objets</a:t>
-              </a:r>
-            </a:p>
-            <a:p>
-              <a:r>
-                <a:rPr lang="fr-FR" sz="1200" dirty="0"/>
                 <a:t>Architecture client/serveur</a:t>
-              </a:r>
-            </a:p>
-            <a:p>
-              <a:r>
-                <a:rPr lang="fr-FR" sz="1200" dirty="0" err="1"/>
-                <a:t>Devops</a:t>
-              </a:r>
-              <a:r>
-                <a:rPr lang="fr-FR" sz="1200" dirty="0"/>
-                <a:t> -&gt; Pipe line GitHub</a:t>
               </a:r>
             </a:p>
             <a:p>
@@ -9598,13 +10113,34 @@
             <a:p>
               <a:r>
                 <a:rPr lang="fr-FR" sz="1200" dirty="0"/>
-                <a:t>    Python…</a:t>
+                <a:t>    HTML, </a:t>
+              </a:r>
+              <a:r>
+                <a:rPr lang="fr-FR" sz="1200" dirty="0" err="1"/>
+                <a:t>css</a:t>
+              </a:r>
+              <a:endParaRPr lang="fr-FR" sz="1200" dirty="0"/>
+            </a:p>
+            <a:p>
+              <a:r>
+                <a:rPr lang="fr-FR" sz="1200" dirty="0"/>
+                <a:t>    SQL</a:t>
               </a:r>
             </a:p>
             <a:p>
               <a:r>
                 <a:rPr lang="fr-FR" sz="1200" dirty="0"/>
-                <a:t>SQL</a:t>
+                <a:t>POO – classes d’objets</a:t>
+              </a:r>
+            </a:p>
+            <a:p>
+              <a:r>
+                <a:rPr lang="fr-FR" sz="1200" dirty="0" err="1"/>
+                <a:t>Devops</a:t>
+              </a:r>
+              <a:r>
+                <a:rPr lang="fr-FR" sz="1200" dirty="0"/>
+                <a:t> -&gt; Pipe line GitHub</a:t>
               </a:r>
             </a:p>
           </p:txBody>
@@ -10363,7 +10899,7 @@
 </p:sld>
 </file>
 
-<file path=ppt/slides/slide21.xml><?xml version="1.0" encoding="utf-8"?>
+<file path=ppt/slides/slide22.xml><?xml version="1.0" encoding="utf-8"?>
 <p:sld xmlns:a="http://schemas.openxmlformats.org/drawingml/2006/main" xmlns:r="http://schemas.openxmlformats.org/officeDocument/2006/relationships" xmlns:p="http://schemas.openxmlformats.org/presentationml/2006/main">
   <p:cSld>
     <p:spTree>
@@ -12506,26 +13042,87 @@
             <p:ph type="title"/>
           </p:nvPr>
         </p:nvSpPr>
-        <p:spPr/>
+        <p:spPr>
+          <a:xfrm>
+            <a:off x="904875" y="909854"/>
+            <a:ext cx="2112645" cy="1426945"/>
+          </a:xfrm>
+        </p:spPr>
         <p:txBody>
-          <a:bodyPr>
+          <a:bodyPr vert="horz" lIns="91440" tIns="45720" rIns="91440" bIns="45720" rtlCol="0" anchor="b">
             <a:normAutofit/>
           </a:bodyPr>
           <a:lstStyle/>
           <a:p>
             <a:r>
-              <a:rPr lang="fr-FR" sz="3600" dirty="0"/>
-              <a:t>fonctionnalités</a:t>
-            </a:r>
+              <a:rPr lang="en-US" sz="4000" dirty="0">
+                <a:gradFill flip="none" rotWithShape="1">
+                  <a:gsLst>
+                    <a:gs pos="0">
+                      <a:schemeClr val="accent5">
+                        <a:alpha val="70000"/>
+                      </a:schemeClr>
+                    </a:gs>
+                    <a:gs pos="100000">
+                      <a:schemeClr val="accent1">
+                        <a:alpha val="70000"/>
+                      </a:schemeClr>
+                    </a:gs>
+                  </a:gsLst>
+                  <a:lin ang="0" scaled="1"/>
+                  <a:tileRect/>
+                </a:gradFill>
+              </a:rPr>
+              <a:t>Base de </a:t>
+            </a:r>
+            <a:r>
+              <a:rPr lang="en-US" sz="4000" dirty="0" err="1">
+                <a:gradFill flip="none" rotWithShape="1">
+                  <a:gsLst>
+                    <a:gs pos="0">
+                      <a:schemeClr val="accent5">
+                        <a:alpha val="70000"/>
+                      </a:schemeClr>
+                    </a:gs>
+                    <a:gs pos="100000">
+                      <a:schemeClr val="accent1">
+                        <a:alpha val="70000"/>
+                      </a:schemeClr>
+                    </a:gs>
+                  </a:gsLst>
+                  <a:lin ang="0" scaled="1"/>
+                  <a:tileRect/>
+                </a:gradFill>
+              </a:rPr>
+              <a:t>données</a:t>
+            </a:r>
+            <a:endParaRPr lang="en-US" sz="4000" dirty="0">
+              <a:gradFill flip="none" rotWithShape="1">
+                <a:gsLst>
+                  <a:gs pos="0">
+                    <a:schemeClr val="accent5">
+                      <a:alpha val="70000"/>
+                    </a:schemeClr>
+                  </a:gs>
+                  <a:gs pos="100000">
+                    <a:schemeClr val="accent1">
+                      <a:alpha val="70000"/>
+                    </a:schemeClr>
+                  </a:gs>
+                </a:gsLst>
+                <a:lin ang="0" scaled="1"/>
+                <a:tileRect/>
+              </a:gradFill>
+            </a:endParaRPr>
           </a:p>
         </p:txBody>
       </p:sp>
       <p:pic>
         <p:nvPicPr>
-          <p:cNvPr id="7" name="Image 6">
-            <a:extLst>
-              <a:ext uri="{FF2B5EF4-FFF2-40B4-BE49-F238E27FC236}">
-                <a16:creationId xmlns:a16="http://schemas.microsoft.com/office/drawing/2014/main" id="{DD0BB910-19F9-20B1-288B-FE287B9BF75C}"/>
+          <p:cNvPr id="4" name="Image 3">
+            <a:extLst>
+              <a:ext uri="{FF2B5EF4-FFF2-40B4-BE49-F238E27FC236}">
+                <a16:creationId xmlns:a16="http://schemas.microsoft.com/office/drawing/2014/main" id="{CAF1176A-3CD9-0F4E-F4EB-D491873DFE92}"/>
               </a:ext>
             </a:extLst>
           </p:cNvPr>
@@ -12542,8 +13139,38 @@
         </p:blipFill>
         <p:spPr>
           <a:xfrm>
-            <a:off x="3906078" y="780428"/>
-            <a:ext cx="7594322" cy="5192989"/>
+            <a:off x="2918129" y="691612"/>
+            <a:ext cx="8546037" cy="5626982"/>
+          </a:xfrm>
+          <a:prstGeom prst="rect">
+            <a:avLst/>
+          </a:prstGeom>
+        </p:spPr>
+      </p:pic>
+      <p:pic>
+        <p:nvPicPr>
+          <p:cNvPr id="5" name="Image 4">
+            <a:extLst>
+              <a:ext uri="{FF2B5EF4-FFF2-40B4-BE49-F238E27FC236}">
+                <a16:creationId xmlns:a16="http://schemas.microsoft.com/office/drawing/2014/main" id="{FADFED76-8B9D-5A06-1BDD-4EFB763955CA}"/>
+              </a:ext>
+            </a:extLst>
+          </p:cNvPr>
+          <p:cNvPicPr>
+            <a:picLocks noChangeAspect="1"/>
+          </p:cNvPicPr>
+          <p:nvPr/>
+        </p:nvPicPr>
+        <p:blipFill>
+          <a:blip r:embed="rId3"/>
+          <a:stretch>
+            <a:fillRect/>
+          </a:stretch>
+        </p:blipFill>
+        <p:spPr>
+          <a:xfrm>
+            <a:off x="1587652" y="3891993"/>
+            <a:ext cx="323850" cy="266700"/>
           </a:xfrm>
           <a:prstGeom prst="rect">
             <a:avLst/>
@@ -12553,7 +13180,7 @@
     </p:spTree>
     <p:extLst>
       <p:ext uri="{BB962C8B-B14F-4D97-AF65-F5344CB8AC3E}">
-        <p14:creationId xmlns:p14="http://schemas.microsoft.com/office/powerpoint/2010/main" val="1129881459"/>
+        <p14:creationId xmlns:p14="http://schemas.microsoft.com/office/powerpoint/2010/main" val="517460287"/>
       </p:ext>
     </p:extLst>
   </p:cSld>
@@ -12596,49 +13223,26 @@
             <p:ph type="title"/>
           </p:nvPr>
         </p:nvSpPr>
-        <p:spPr>
-          <a:xfrm>
-            <a:off x="904875" y="909855"/>
-            <a:ext cx="5553075" cy="733942"/>
-          </a:xfrm>
-        </p:spPr>
+        <p:spPr/>
         <p:txBody>
-          <a:bodyPr vert="horz" lIns="91440" tIns="45720" rIns="91440" bIns="45720" rtlCol="0" anchor="b">
+          <a:bodyPr>
             <a:normAutofit/>
           </a:bodyPr>
           <a:lstStyle/>
           <a:p>
             <a:r>
-              <a:rPr lang="fr-FR" sz="4000" dirty="0"/>
-              <a:t>Cinématique admin</a:t>
-            </a:r>
-            <a:endParaRPr lang="en-US" sz="4000" dirty="0">
-              <a:gradFill flip="none" rotWithShape="1">
-                <a:gsLst>
-                  <a:gs pos="0">
-                    <a:schemeClr val="accent5">
-                      <a:alpha val="70000"/>
-                    </a:schemeClr>
-                  </a:gs>
-                  <a:gs pos="100000">
-                    <a:schemeClr val="accent1">
-                      <a:alpha val="70000"/>
-                    </a:schemeClr>
-                  </a:gs>
-                </a:gsLst>
-                <a:lin ang="0" scaled="1"/>
-                <a:tileRect/>
-              </a:gradFill>
-            </a:endParaRPr>
+              <a:rPr lang="fr-FR" sz="3600" dirty="0"/>
+              <a:t>fonctionnalités</a:t>
+            </a:r>
           </a:p>
         </p:txBody>
       </p:sp>
       <p:pic>
         <p:nvPicPr>
-          <p:cNvPr id="5" name="Image 4">
-            <a:extLst>
-              <a:ext uri="{FF2B5EF4-FFF2-40B4-BE49-F238E27FC236}">
-                <a16:creationId xmlns:a16="http://schemas.microsoft.com/office/drawing/2014/main" id="{ACD1CF64-F3AA-20ED-62CC-6DC3083F4CF8}"/>
+          <p:cNvPr id="9" name="Image 8">
+            <a:extLst>
+              <a:ext uri="{FF2B5EF4-FFF2-40B4-BE49-F238E27FC236}">
+                <a16:creationId xmlns:a16="http://schemas.microsoft.com/office/drawing/2014/main" id="{D9A194CF-ACA9-DC8B-191C-05F95B5ED5FC}"/>
               </a:ext>
             </a:extLst>
           </p:cNvPr>
@@ -12655,8 +13259,38 @@
         </p:blipFill>
         <p:spPr>
           <a:xfrm>
-            <a:off x="1061545" y="1643797"/>
-            <a:ext cx="10363200" cy="4306039"/>
+            <a:off x="2709643" y="1610070"/>
+            <a:ext cx="7846109" cy="4153822"/>
+          </a:xfrm>
+          <a:prstGeom prst="rect">
+            <a:avLst/>
+          </a:prstGeom>
+        </p:spPr>
+      </p:pic>
+      <p:pic>
+        <p:nvPicPr>
+          <p:cNvPr id="6" name="Image 5">
+            <a:extLst>
+              <a:ext uri="{FF2B5EF4-FFF2-40B4-BE49-F238E27FC236}">
+                <a16:creationId xmlns:a16="http://schemas.microsoft.com/office/drawing/2014/main" id="{FAF69BFC-D55E-0C68-7330-02F12681F5B8}"/>
+              </a:ext>
+            </a:extLst>
+          </p:cNvPr>
+          <p:cNvPicPr>
+            <a:picLocks noChangeAspect="1"/>
+          </p:cNvPicPr>
+          <p:nvPr/>
+        </p:nvPicPr>
+        <p:blipFill>
+          <a:blip r:embed="rId3"/>
+          <a:stretch>
+            <a:fillRect/>
+          </a:stretch>
+        </p:blipFill>
+        <p:spPr>
+          <a:xfrm>
+            <a:off x="1099219" y="4093134"/>
+            <a:ext cx="1958426" cy="1154796"/>
           </a:xfrm>
           <a:prstGeom prst="rect">
             <a:avLst/>
@@ -12666,7 +13300,7 @@
     </p:spTree>
     <p:extLst>
       <p:ext uri="{BB962C8B-B14F-4D97-AF65-F5344CB8AC3E}">
-        <p14:creationId xmlns:p14="http://schemas.microsoft.com/office/powerpoint/2010/main" val="1066339523"/>
+        <p14:creationId xmlns:p14="http://schemas.microsoft.com/office/powerpoint/2010/main" val="1129881459"/>
       </p:ext>
     </p:extLst>
   </p:cSld>

--- a/doc/présentation V3.pptx
+++ b/doc/présentation V3.pptx
@@ -9,8 +9,8 @@
     <p:sldId id="257" r:id="rId3"/>
     <p:sldId id="260" r:id="rId4"/>
     <p:sldId id="261" r:id="rId5"/>
-    <p:sldId id="275" r:id="rId6"/>
-    <p:sldId id="284" r:id="rId7"/>
+    <p:sldId id="289" r:id="rId6"/>
+    <p:sldId id="290" r:id="rId7"/>
     <p:sldId id="268" r:id="rId8"/>
     <p:sldId id="288" r:id="rId9"/>
     <p:sldId id="262" r:id="rId10"/>
@@ -287,7 +287,7 @@
           <a:p>
             <a:fld id="{AA70F276-1833-4A75-9C1D-A56E2295A68D}" type="datetimeFigureOut">
               <a:rPr lang="en-US" smtClean="0"/>
-              <a:t>11/22/2022</a:t>
+              <a:t>11/24/2022</a:t>
             </a:fld>
             <a:endParaRPr lang="en-US"/>
           </a:p>
@@ -485,7 +485,7 @@
           <a:p>
             <a:fld id="{AA70F276-1833-4A75-9C1D-A56E2295A68D}" type="datetimeFigureOut">
               <a:rPr lang="en-US" smtClean="0"/>
-              <a:t>11/22/2022</a:t>
+              <a:t>11/24/2022</a:t>
             </a:fld>
             <a:endParaRPr lang="en-US"/>
           </a:p>
@@ -693,7 +693,7 @@
           <a:p>
             <a:fld id="{AA70F276-1833-4A75-9C1D-A56E2295A68D}" type="datetimeFigureOut">
               <a:rPr lang="en-US" smtClean="0"/>
-              <a:t>11/22/2022</a:t>
+              <a:t>11/24/2022</a:t>
             </a:fld>
             <a:endParaRPr lang="en-US"/>
           </a:p>
@@ -918,7 +918,7 @@
           <a:p>
             <a:fld id="{AA70F276-1833-4A75-9C1D-A56E2295A68D}" type="datetimeFigureOut">
               <a:rPr lang="en-US" smtClean="0"/>
-              <a:t>11/22/2022</a:t>
+              <a:t>11/24/2022</a:t>
             </a:fld>
             <a:endParaRPr lang="en-US"/>
           </a:p>
@@ -1194,7 +1194,7 @@
           <a:p>
             <a:fld id="{AA70F276-1833-4A75-9C1D-A56E2295A68D}" type="datetimeFigureOut">
               <a:rPr lang="en-US" smtClean="0"/>
-              <a:t>11/22/2022</a:t>
+              <a:t>11/24/2022</a:t>
             </a:fld>
             <a:endParaRPr lang="en-US"/>
           </a:p>
@@ -1464,7 +1464,7 @@
           <a:p>
             <a:fld id="{AA70F276-1833-4A75-9C1D-A56E2295A68D}" type="datetimeFigureOut">
               <a:rPr lang="en-US" smtClean="0"/>
-              <a:t>11/22/2022</a:t>
+              <a:t>11/24/2022</a:t>
             </a:fld>
             <a:endParaRPr lang="en-US"/>
           </a:p>
@@ -1876,7 +1876,7 @@
           <a:p>
             <a:fld id="{AA70F276-1833-4A75-9C1D-A56E2295A68D}" type="datetimeFigureOut">
               <a:rPr lang="en-US" smtClean="0"/>
-              <a:t>11/22/2022</a:t>
+              <a:t>11/24/2022</a:t>
             </a:fld>
             <a:endParaRPr lang="en-US"/>
           </a:p>
@@ -2017,7 +2017,7 @@
           <a:p>
             <a:fld id="{AA70F276-1833-4A75-9C1D-A56E2295A68D}" type="datetimeFigureOut">
               <a:rPr lang="en-US" smtClean="0"/>
-              <a:t>11/22/2022</a:t>
+              <a:t>11/24/2022</a:t>
             </a:fld>
             <a:endParaRPr lang="en-US"/>
           </a:p>
@@ -2130,7 +2130,7 @@
           <a:p>
             <a:fld id="{AA70F276-1833-4A75-9C1D-A56E2295A68D}" type="datetimeFigureOut">
               <a:rPr lang="en-US" smtClean="0"/>
-              <a:t>11/22/2022</a:t>
+              <a:t>11/24/2022</a:t>
             </a:fld>
             <a:endParaRPr lang="en-US"/>
           </a:p>
@@ -2441,7 +2441,7 @@
           <a:p>
             <a:fld id="{AA70F276-1833-4A75-9C1D-A56E2295A68D}" type="datetimeFigureOut">
               <a:rPr lang="en-US" smtClean="0"/>
-              <a:t>11/22/2022</a:t>
+              <a:t>11/24/2022</a:t>
             </a:fld>
             <a:endParaRPr lang="en-US"/>
           </a:p>
@@ -2732,7 +2732,7 @@
           <a:p>
             <a:fld id="{AA70F276-1833-4A75-9C1D-A56E2295A68D}" type="datetimeFigureOut">
               <a:rPr lang="en-US" smtClean="0"/>
-              <a:t>11/22/2022</a:t>
+              <a:t>11/24/2022</a:t>
             </a:fld>
             <a:endParaRPr lang="en-US"/>
           </a:p>
@@ -3040,7 +3040,7 @@
             <a:fld id="{AA70F276-1833-4A75-9C1D-A56E2295A68D}" type="datetimeFigureOut">
               <a:rPr lang="en-US" smtClean="0"/>
               <a:pPr/>
-              <a:t>11/22/2022</a:t>
+              <a:t>11/24/2022</a:t>
             </a:fld>
             <a:endParaRPr lang="en-US" dirty="0"/>
           </a:p>
@@ -4239,7 +4239,7 @@
           <a:p>
             <a:r>
               <a:rPr lang="fr-FR" sz="4000" dirty="0"/>
-              <a:t>Cinématique admin</a:t>
+              <a:t>Cinématique</a:t>
             </a:r>
             <a:endParaRPr lang="en-US" sz="4000" dirty="0">
               <a:gradFill flip="none" rotWithShape="1">
@@ -4264,10 +4264,10 @@
       </p:sp>
       <p:pic>
         <p:nvPicPr>
-          <p:cNvPr id="5" name="Image 4">
-            <a:extLst>
-              <a:ext uri="{FF2B5EF4-FFF2-40B4-BE49-F238E27FC236}">
-                <a16:creationId xmlns:a16="http://schemas.microsoft.com/office/drawing/2014/main" id="{ACD1CF64-F3AA-20ED-62CC-6DC3083F4CF8}"/>
+          <p:cNvPr id="7" name="Image 6">
+            <a:extLst>
+              <a:ext uri="{FF2B5EF4-FFF2-40B4-BE49-F238E27FC236}">
+                <a16:creationId xmlns:a16="http://schemas.microsoft.com/office/drawing/2014/main" id="{C77B8169-0D37-E88E-561F-4CF48920A060}"/>
               </a:ext>
             </a:extLst>
           </p:cNvPr>
@@ -4284,8 +4284,38 @@
         </p:blipFill>
         <p:spPr>
           <a:xfrm>
-            <a:off x="1061545" y="1643797"/>
-            <a:ext cx="10363200" cy="4306039"/>
+            <a:off x="1216025" y="1708460"/>
+            <a:ext cx="9759949" cy="4048716"/>
+          </a:xfrm>
+          <a:prstGeom prst="rect">
+            <a:avLst/>
+          </a:prstGeom>
+        </p:spPr>
+      </p:pic>
+      <p:pic>
+        <p:nvPicPr>
+          <p:cNvPr id="9" name="Image 8">
+            <a:extLst>
+              <a:ext uri="{FF2B5EF4-FFF2-40B4-BE49-F238E27FC236}">
+                <a16:creationId xmlns:a16="http://schemas.microsoft.com/office/drawing/2014/main" id="{57F6150E-4E8B-4C91-8C27-062281A3F3D5}"/>
+              </a:ext>
+            </a:extLst>
+          </p:cNvPr>
+          <p:cNvPicPr>
+            <a:picLocks noChangeAspect="1"/>
+          </p:cNvPicPr>
+          <p:nvPr/>
+        </p:nvPicPr>
+        <p:blipFill>
+          <a:blip r:embed="rId3"/>
+          <a:stretch>
+            <a:fillRect/>
+          </a:stretch>
+        </p:blipFill>
+        <p:spPr>
+          <a:xfrm>
+            <a:off x="7940148" y="4510818"/>
+            <a:ext cx="3390317" cy="1441750"/>
           </a:xfrm>
           <a:prstGeom prst="rect">
             <a:avLst/>
@@ -10517,7 +10547,7 @@
             <a:p>
               <a:r>
                 <a:rPr lang="fr-FR" sz="1200" dirty="0"/>
-                <a:t>    KPI Admin</a:t>
+                <a:t>    Archivage</a:t>
               </a:r>
             </a:p>
             <a:p>
@@ -12015,64 +12045,12 @@
           </a:p>
         </p:txBody>
       </p:sp>
-      <p:sp>
-        <p:nvSpPr>
-          <p:cNvPr id="10" name="ZoneTexte 9">
-            <a:extLst>
-              <a:ext uri="{FF2B5EF4-FFF2-40B4-BE49-F238E27FC236}">
-                <a16:creationId xmlns:a16="http://schemas.microsoft.com/office/drawing/2014/main" id="{B6C44F0A-FC4E-45DF-3841-105417C0DC16}"/>
-              </a:ext>
-            </a:extLst>
-          </p:cNvPr>
-          <p:cNvSpPr txBox="1"/>
-          <p:nvPr/>
-        </p:nvSpPr>
-        <p:spPr>
-          <a:xfrm>
-            <a:off x="1086301" y="4796189"/>
-            <a:ext cx="3082864" cy="415435"/>
-          </a:xfrm>
-          <a:prstGeom prst="rect">
-            <a:avLst/>
-          </a:prstGeom>
-          <a:noFill/>
-        </p:spPr>
-        <p:txBody>
-          <a:bodyPr wrap="square">
-            <a:spAutoFit/>
-          </a:bodyPr>
-          <a:lstStyle/>
-          <a:p>
-            <a:pPr>
-              <a:lnSpc>
-                <a:spcPct val="107000"/>
-              </a:lnSpc>
-            </a:pPr>
-            <a:r>
-              <a:rPr lang="fr-FR" sz="1000" u="sng" dirty="0">
-                <a:latin typeface="Book Antiqua" panose="02040602050305030304" pitchFamily="18" charset="0"/>
-                <a:ea typeface="Calibri" panose="020F0502020204030204" pitchFamily="34" charset="0"/>
-                <a:cs typeface="Times New Roman" panose="02020603050405020304" pitchFamily="18" charset="0"/>
-              </a:rPr>
-              <a:t>Valideur</a:t>
-            </a:r>
-            <a:r>
-              <a:rPr lang="fr-FR" sz="1000" dirty="0">
-                <a:latin typeface="Book Antiqua" panose="02040602050305030304" pitchFamily="18" charset="0"/>
-                <a:ea typeface="Calibri" panose="020F0502020204030204" pitchFamily="34" charset="0"/>
-                <a:cs typeface="Times New Roman" panose="02020603050405020304" pitchFamily="18" charset="0"/>
-              </a:rPr>
-              <a:t> : responsable des techniciens. Il affecte et surveille l’avancement des interventions.</a:t>
-            </a:r>
-          </a:p>
-        </p:txBody>
-      </p:sp>
       <p:pic>
         <p:nvPicPr>
-          <p:cNvPr id="15" name="Image 14">
-            <a:extLst>
-              <a:ext uri="{FF2B5EF4-FFF2-40B4-BE49-F238E27FC236}">
-                <a16:creationId xmlns:a16="http://schemas.microsoft.com/office/drawing/2014/main" id="{A5AC74F4-9EA3-7D55-6111-A85D983DDE79}"/>
+          <p:cNvPr id="8" name="Image 7">
+            <a:extLst>
+              <a:ext uri="{FF2B5EF4-FFF2-40B4-BE49-F238E27FC236}">
+                <a16:creationId xmlns:a16="http://schemas.microsoft.com/office/drawing/2014/main" id="{D16A0C30-6889-245B-C7A1-D7C71656732C}"/>
               </a:ext>
             </a:extLst>
           </p:cNvPr>
@@ -12089,14 +12067,66 @@
         </p:blipFill>
         <p:spPr>
           <a:xfrm>
-            <a:off x="4011346" y="909855"/>
-            <a:ext cx="7234563" cy="5274352"/>
+            <a:off x="3978664" y="970352"/>
+            <a:ext cx="7196251" cy="4767077"/>
           </a:xfrm>
           <a:prstGeom prst="rect">
             <a:avLst/>
           </a:prstGeom>
         </p:spPr>
       </p:pic>
+      <p:sp>
+        <p:nvSpPr>
+          <p:cNvPr id="10" name="ZoneTexte 9">
+            <a:extLst>
+              <a:ext uri="{FF2B5EF4-FFF2-40B4-BE49-F238E27FC236}">
+                <a16:creationId xmlns:a16="http://schemas.microsoft.com/office/drawing/2014/main" id="{B6C44F0A-FC4E-45DF-3841-105417C0DC16}"/>
+              </a:ext>
+            </a:extLst>
+          </p:cNvPr>
+          <p:cNvSpPr txBox="1"/>
+          <p:nvPr/>
+        </p:nvSpPr>
+        <p:spPr>
+          <a:xfrm>
+            <a:off x="1086301" y="4796189"/>
+            <a:ext cx="3082864" cy="415435"/>
+          </a:xfrm>
+          <a:prstGeom prst="rect">
+            <a:avLst/>
+          </a:prstGeom>
+          <a:noFill/>
+        </p:spPr>
+        <p:txBody>
+          <a:bodyPr wrap="square">
+            <a:spAutoFit/>
+          </a:bodyPr>
+          <a:lstStyle/>
+          <a:p>
+            <a:pPr>
+              <a:lnSpc>
+                <a:spcPct val="107000"/>
+              </a:lnSpc>
+            </a:pPr>
+            <a:r>
+              <a:rPr lang="fr-FR" sz="1000" u="sng" dirty="0">
+                <a:latin typeface="Book Antiqua" panose="02040602050305030304" pitchFamily="18" charset="0"/>
+                <a:ea typeface="Calibri" panose="020F0502020204030204" pitchFamily="34" charset="0"/>
+                <a:cs typeface="Times New Roman" panose="02020603050405020304" pitchFamily="18" charset="0"/>
+              </a:rPr>
+              <a:t>Valideur</a:t>
+            </a:r>
+            <a:r>
+              <a:rPr lang="fr-FR" sz="1000" dirty="0">
+                <a:latin typeface="Book Antiqua" panose="02040602050305030304" pitchFamily="18" charset="0"/>
+                <a:ea typeface="Calibri" panose="020F0502020204030204" pitchFamily="34" charset="0"/>
+                <a:cs typeface="Times New Roman" panose="02020603050405020304" pitchFamily="18" charset="0"/>
+              </a:rPr>
+              <a:t> : responsable des techniciens. Il affecte et surveille l’avancement des interventions.</a:t>
+            </a:r>
+          </a:p>
+        </p:txBody>
+      </p:sp>
     </p:spTree>
     <p:extLst>
       <p:ext uri="{BB962C8B-B14F-4D97-AF65-F5344CB8AC3E}">
@@ -12421,10 +12451,10 @@
       </p:sp>
       <p:pic>
         <p:nvPicPr>
-          <p:cNvPr id="4" name="Image 3">
-            <a:extLst>
-              <a:ext uri="{FF2B5EF4-FFF2-40B4-BE49-F238E27FC236}">
-                <a16:creationId xmlns:a16="http://schemas.microsoft.com/office/drawing/2014/main" id="{A2CDE620-9817-E440-0D8E-34BE7EDA27B5}"/>
+          <p:cNvPr id="6" name="Image 5">
+            <a:extLst>
+              <a:ext uri="{FF2B5EF4-FFF2-40B4-BE49-F238E27FC236}">
+                <a16:creationId xmlns:a16="http://schemas.microsoft.com/office/drawing/2014/main" id="{74B1CCED-1DB1-8B7A-28AD-057ECB1EDD05}"/>
               </a:ext>
             </a:extLst>
           </p:cNvPr>
@@ -12441,8 +12471,8 @@
         </p:blipFill>
         <p:spPr>
           <a:xfrm>
-            <a:off x="977554" y="1843087"/>
-            <a:ext cx="10018317" cy="3752643"/>
+            <a:off x="1611312" y="1746511"/>
+            <a:ext cx="7186305" cy="4220953"/>
           </a:xfrm>
           <a:prstGeom prst="rect">
             <a:avLst/>
@@ -12452,7 +12482,7 @@
     </p:spTree>
     <p:extLst>
       <p:ext uri="{BB962C8B-B14F-4D97-AF65-F5344CB8AC3E}">
-        <p14:creationId xmlns:p14="http://schemas.microsoft.com/office/powerpoint/2010/main" val="1671641907"/>
+        <p14:creationId xmlns:p14="http://schemas.microsoft.com/office/powerpoint/2010/main" val="1723549832"/>
       </p:ext>
     </p:extLst>
   </p:cSld>
@@ -12661,10 +12691,10 @@
       </p:grpSp>
       <p:pic>
         <p:nvPicPr>
-          <p:cNvPr id="4" name="Image 3">
-            <a:extLst>
-              <a:ext uri="{FF2B5EF4-FFF2-40B4-BE49-F238E27FC236}">
-                <a16:creationId xmlns:a16="http://schemas.microsoft.com/office/drawing/2014/main" id="{E96849FA-B3C0-3035-262D-41525D1A9B2C}"/>
+          <p:cNvPr id="16" name="Image 15">
+            <a:extLst>
+              <a:ext uri="{FF2B5EF4-FFF2-40B4-BE49-F238E27FC236}">
+                <a16:creationId xmlns:a16="http://schemas.microsoft.com/office/drawing/2014/main" id="{53AC2627-2CC9-41A1-EF17-577E2BA0307E}"/>
               </a:ext>
             </a:extLst>
           </p:cNvPr>
@@ -12681,8 +12711,8 @@
         </p:blipFill>
         <p:spPr>
           <a:xfrm>
-            <a:off x="1418128" y="4170565"/>
-            <a:ext cx="2705100" cy="1171575"/>
+            <a:off x="1426399" y="4171308"/>
+            <a:ext cx="2714595" cy="1180259"/>
           </a:xfrm>
           <a:prstGeom prst="rect">
             <a:avLst/>
@@ -12691,10 +12721,10 @@
       </p:pic>
       <p:pic>
         <p:nvPicPr>
-          <p:cNvPr id="11" name="Image 10">
-            <a:extLst>
-              <a:ext uri="{FF2B5EF4-FFF2-40B4-BE49-F238E27FC236}">
-                <a16:creationId xmlns:a16="http://schemas.microsoft.com/office/drawing/2014/main" id="{9E470C15-FE6B-B290-F1A5-57DAABD25B95}"/>
+          <p:cNvPr id="18" name="Image 17">
+            <a:extLst>
+              <a:ext uri="{FF2B5EF4-FFF2-40B4-BE49-F238E27FC236}">
+                <a16:creationId xmlns:a16="http://schemas.microsoft.com/office/drawing/2014/main" id="{0D135AB7-C48F-37DE-9A46-61A6F8D044B1}"/>
               </a:ext>
             </a:extLst>
           </p:cNvPr>
@@ -12711,8 +12741,8 @@
         </p:blipFill>
         <p:spPr>
           <a:xfrm>
-            <a:off x="1433075" y="4174017"/>
-            <a:ext cx="2676525" cy="1162050"/>
+            <a:off x="1435009" y="4184655"/>
+            <a:ext cx="2718812" cy="1180259"/>
           </a:xfrm>
           <a:prstGeom prst="rect">
             <a:avLst/>
@@ -12722,7 +12752,7 @@
     </p:spTree>
     <p:extLst>
       <p:ext uri="{BB962C8B-B14F-4D97-AF65-F5344CB8AC3E}">
-        <p14:creationId xmlns:p14="http://schemas.microsoft.com/office/powerpoint/2010/main" val="2700304143"/>
+        <p14:creationId xmlns:p14="http://schemas.microsoft.com/office/powerpoint/2010/main" val="993873404"/>
       </p:ext>
     </p:extLst>
   </p:cSld>
@@ -12808,7 +12838,7 @@
                                           </p:stCondLst>
                                         </p:cTn>
                                         <p:tgtEl>
-                                          <p:spTgt spid="4"/>
+                                          <p:spTgt spid="16"/>
                                         </p:tgtEl>
                                         <p:attrNameLst>
                                           <p:attrName>style.visibility</p:attrName>
@@ -12853,7 +12883,7 @@
                                           </p:stCondLst>
                                         </p:cTn>
                                         <p:tgtEl>
-                                          <p:spTgt spid="11"/>
+                                          <p:spTgt spid="18"/>
                                         </p:tgtEl>
                                         <p:attrNameLst>
                                           <p:attrName>style.visibility</p:attrName>
@@ -12968,10 +12998,10 @@
       </p:sp>
       <p:pic>
         <p:nvPicPr>
-          <p:cNvPr id="4" name="Image 3">
-            <a:extLst>
-              <a:ext uri="{FF2B5EF4-FFF2-40B4-BE49-F238E27FC236}">
-                <a16:creationId xmlns:a16="http://schemas.microsoft.com/office/drawing/2014/main" id="{735B629E-D8DB-2CCA-6D22-E7139B6D9454}"/>
+          <p:cNvPr id="3" name="Image 2">
+            <a:extLst>
+              <a:ext uri="{FF2B5EF4-FFF2-40B4-BE49-F238E27FC236}">
+                <a16:creationId xmlns:a16="http://schemas.microsoft.com/office/drawing/2014/main" id="{CD153B07-EC16-61BD-1BFE-032986BF6DA2}"/>
               </a:ext>
             </a:extLst>
           </p:cNvPr>
@@ -12988,8 +13018,8 @@
         </p:blipFill>
         <p:spPr>
           <a:xfrm>
-            <a:off x="975896" y="1756596"/>
-            <a:ext cx="10027236" cy="3587114"/>
+            <a:off x="972801" y="1806478"/>
+            <a:ext cx="10246397" cy="3773166"/>
           </a:xfrm>
           <a:prstGeom prst="rect">
             <a:avLst/>
@@ -13044,8 +13074,8 @@
         </p:nvSpPr>
         <p:spPr>
           <a:xfrm>
-            <a:off x="904875" y="909854"/>
-            <a:ext cx="2112645" cy="1426945"/>
+            <a:off x="693254" y="802566"/>
+            <a:ext cx="2112645" cy="1211890"/>
           </a:xfrm>
         </p:spPr>
         <p:txBody>
